--- a/3_spring  boot with databasepptx.pptx
+++ b/3_spring  boot with databasepptx.pptx
@@ -5,7 +5,7 @@
     <p:sldMasterId id="2147483648" r:id="rId1"/>
   </p:sldMasterIdLst>
   <p:notesMasterIdLst>
-    <p:notesMasterId r:id="rId13"/>
+    <p:notesMasterId r:id="rId15"/>
   </p:notesMasterIdLst>
   <p:sldIdLst>
     <p:sldId id="256" r:id="rId2"/>
@@ -19,6 +19,8 @@
     <p:sldId id="264" r:id="rId10"/>
     <p:sldId id="265" r:id="rId11"/>
     <p:sldId id="266" r:id="rId12"/>
+    <p:sldId id="267" r:id="rId13"/>
+    <p:sldId id="268" r:id="rId14"/>
   </p:sldIdLst>
   <p:sldSz cx="12192000" cy="6858000"/>
   <p:notesSz cx="6858000" cy="9144000"/>
@@ -8775,7 +8777,7 @@
           <a:p>
             <a:fld id="{8286695F-8062-DE48-9C01-D4EC34B1BC56}" type="datetimeFigureOut">
               <a:rPr lang="en-US" smtClean="0"/>
-              <a:t>7/16/24</a:t>
+              <a:t>7/20/24</a:t>
             </a:fld>
             <a:endParaRPr lang="en-US"/>
           </a:p>
@@ -9192,7 +9194,7 @@
           <a:p>
             <a:fld id="{C4F0DE68-8E05-A345-866E-F8C1D50CC097}" type="datetimeFigureOut">
               <a:rPr lang="en-US" smtClean="0"/>
-              <a:t>7/16/24</a:t>
+              <a:t>7/20/24</a:t>
             </a:fld>
             <a:endParaRPr lang="en-US"/>
           </a:p>
@@ -9392,7 +9394,7 @@
           <a:p>
             <a:fld id="{C4F0DE68-8E05-A345-866E-F8C1D50CC097}" type="datetimeFigureOut">
               <a:rPr lang="en-US" smtClean="0"/>
-              <a:t>7/16/24</a:t>
+              <a:t>7/20/24</a:t>
             </a:fld>
             <a:endParaRPr lang="en-US"/>
           </a:p>
@@ -9602,7 +9604,7 @@
           <a:p>
             <a:fld id="{C4F0DE68-8E05-A345-866E-F8C1D50CC097}" type="datetimeFigureOut">
               <a:rPr lang="en-US" smtClean="0"/>
-              <a:t>7/16/24</a:t>
+              <a:t>7/20/24</a:t>
             </a:fld>
             <a:endParaRPr lang="en-US"/>
           </a:p>
@@ -9802,7 +9804,7 @@
           <a:p>
             <a:fld id="{C4F0DE68-8E05-A345-866E-F8C1D50CC097}" type="datetimeFigureOut">
               <a:rPr lang="en-US" smtClean="0"/>
-              <a:t>7/16/24</a:t>
+              <a:t>7/20/24</a:t>
             </a:fld>
             <a:endParaRPr lang="en-US"/>
           </a:p>
@@ -10078,7 +10080,7 @@
           <a:p>
             <a:fld id="{C4F0DE68-8E05-A345-866E-F8C1D50CC097}" type="datetimeFigureOut">
               <a:rPr lang="en-US" smtClean="0"/>
-              <a:t>7/16/24</a:t>
+              <a:t>7/20/24</a:t>
             </a:fld>
             <a:endParaRPr lang="en-US"/>
           </a:p>
@@ -10346,7 +10348,7 @@
           <a:p>
             <a:fld id="{C4F0DE68-8E05-A345-866E-F8C1D50CC097}" type="datetimeFigureOut">
               <a:rPr lang="en-US" smtClean="0"/>
-              <a:t>7/16/24</a:t>
+              <a:t>7/20/24</a:t>
             </a:fld>
             <a:endParaRPr lang="en-US"/>
           </a:p>
@@ -10761,7 +10763,7 @@
           <a:p>
             <a:fld id="{C4F0DE68-8E05-A345-866E-F8C1D50CC097}" type="datetimeFigureOut">
               <a:rPr lang="en-US" smtClean="0"/>
-              <a:t>7/16/24</a:t>
+              <a:t>7/20/24</a:t>
             </a:fld>
             <a:endParaRPr lang="en-US"/>
           </a:p>
@@ -10903,7 +10905,7 @@
           <a:p>
             <a:fld id="{C4F0DE68-8E05-A345-866E-F8C1D50CC097}" type="datetimeFigureOut">
               <a:rPr lang="en-US" smtClean="0"/>
-              <a:t>7/16/24</a:t>
+              <a:t>7/20/24</a:t>
             </a:fld>
             <a:endParaRPr lang="en-US"/>
           </a:p>
@@ -11016,7 +11018,7 @@
           <a:p>
             <a:fld id="{C4F0DE68-8E05-A345-866E-F8C1D50CC097}" type="datetimeFigureOut">
               <a:rPr lang="en-US" smtClean="0"/>
-              <a:t>7/16/24</a:t>
+              <a:t>7/20/24</a:t>
             </a:fld>
             <a:endParaRPr lang="en-US"/>
           </a:p>
@@ -11329,7 +11331,7 @@
           <a:p>
             <a:fld id="{C4F0DE68-8E05-A345-866E-F8C1D50CC097}" type="datetimeFigureOut">
               <a:rPr lang="en-US" smtClean="0"/>
-              <a:t>7/16/24</a:t>
+              <a:t>7/20/24</a:t>
             </a:fld>
             <a:endParaRPr lang="en-US"/>
           </a:p>
@@ -11618,7 +11620,7 @@
           <a:p>
             <a:fld id="{C4F0DE68-8E05-A345-866E-F8C1D50CC097}" type="datetimeFigureOut">
               <a:rPr lang="en-US" smtClean="0"/>
-              <a:t>7/16/24</a:t>
+              <a:t>7/20/24</a:t>
             </a:fld>
             <a:endParaRPr lang="en-US"/>
           </a:p>
@@ -11861,7 +11863,7 @@
           <a:p>
             <a:fld id="{C4F0DE68-8E05-A345-866E-F8C1D50CC097}" type="datetimeFigureOut">
               <a:rPr lang="en-US" smtClean="0"/>
-              <a:t>7/16/24</a:t>
+              <a:t>7/20/24</a:t>
             </a:fld>
             <a:endParaRPr lang="en-US"/>
           </a:p>
@@ -12559,13 +12561,13 @@
   <p:clrMapOvr>
     <a:masterClrMapping/>
   </p:clrMapOvr>
-  <mc:AlternateContent xmlns:mc="http://schemas.openxmlformats.org/markup-compatibility/2006">
-    <mc:Choice xmlns:p14="http://schemas.microsoft.com/office/powerpoint/2010/main" Requires="p14">
+  <mc:AlternateContent xmlns:mc="http://schemas.openxmlformats.org/markup-compatibility/2006" xmlns:p14="http://schemas.microsoft.com/office/powerpoint/2010/main">
+    <mc:Choice Requires="p14">
       <p:transition spd="med" p14:dur="700">
         <p:fade/>
       </p:transition>
     </mc:Choice>
-    <mc:Fallback>
+    <mc:Fallback xmlns="">
       <p:transition spd="med">
         <p:fade/>
       </p:transition>
@@ -12930,13 +12932,13 @@
   <p:clrMapOvr>
     <a:masterClrMapping/>
   </p:clrMapOvr>
-  <mc:AlternateContent xmlns:mc="http://schemas.openxmlformats.org/markup-compatibility/2006">
-    <mc:Choice xmlns:p14="http://schemas.microsoft.com/office/powerpoint/2010/main" Requires="p14">
+  <mc:AlternateContent xmlns:mc="http://schemas.openxmlformats.org/markup-compatibility/2006" xmlns:p14="http://schemas.microsoft.com/office/powerpoint/2010/main">
+    <mc:Choice Requires="p14">
       <p:transition spd="med" p14:dur="700">
         <p:fade/>
       </p:transition>
     </mc:Choice>
-    <mc:Fallback>
+    <mc:Fallback xmlns="">
       <p:transition spd="med">
         <p:fade/>
       </p:transition>
@@ -13341,6 +13343,542 @@
 </p:sld>
 </file>
 
+<file path=ppt/slides/slide12.xml><?xml version="1.0" encoding="utf-8"?>
+<p:sld xmlns:a="http://schemas.openxmlformats.org/drawingml/2006/main" xmlns:r="http://schemas.openxmlformats.org/officeDocument/2006/relationships" xmlns:p="http://schemas.openxmlformats.org/presentationml/2006/main">
+  <p:cSld>
+    <p:bg>
+      <p:bgPr>
+        <a:blipFill dpi="0" rotWithShape="1">
+          <a:blip r:embed="rId2">
+            <a:lum/>
+          </a:blip>
+          <a:srcRect/>
+          <a:stretch>
+            <a:fillRect/>
+          </a:stretch>
+        </a:blipFill>
+        <a:effectLst/>
+      </p:bgPr>
+    </p:bg>
+    <p:spTree>
+      <p:nvGrpSpPr>
+        <p:cNvPr id="1" name=""/>
+        <p:cNvGrpSpPr/>
+        <p:nvPr/>
+      </p:nvGrpSpPr>
+      <p:grpSpPr>
+        <a:xfrm>
+          <a:off x="0" y="0"/>
+          <a:ext cx="0" cy="0"/>
+          <a:chOff x="0" y="0"/>
+          <a:chExt cx="0" cy="0"/>
+        </a:xfrm>
+      </p:grpSpPr>
+      <p:sp>
+        <p:nvSpPr>
+          <p:cNvPr id="2" name="Rectangle 1">
+            <a:extLst>
+              <a:ext uri="{FF2B5EF4-FFF2-40B4-BE49-F238E27FC236}">
+                <a16:creationId xmlns:a16="http://schemas.microsoft.com/office/drawing/2014/main" id="{48F9CE81-C1F0-B68D-8064-60FA8458DF94}"/>
+              </a:ext>
+            </a:extLst>
+          </p:cNvPr>
+          <p:cNvSpPr/>
+          <p:nvPr/>
+        </p:nvSpPr>
+        <p:spPr>
+          <a:xfrm>
+            <a:off x="965261" y="492323"/>
+            <a:ext cx="4374532" cy="923330"/>
+          </a:xfrm>
+          <a:prstGeom prst="rect">
+            <a:avLst/>
+          </a:prstGeom>
+          <a:noFill/>
+        </p:spPr>
+        <p:txBody>
+          <a:bodyPr wrap="none" lIns="91440" tIns="45720" rIns="91440" bIns="45720">
+            <a:spAutoFit/>
+            <a:scene3d>
+              <a:camera prst="orthographicFront"/>
+              <a:lightRig rig="soft" dir="t">
+                <a:rot lat="0" lon="0" rev="15600000"/>
+              </a:lightRig>
+            </a:scene3d>
+            <a:sp3d extrusionH="57150" prstMaterial="softEdge">
+              <a:bevelT w="25400" h="38100"/>
+            </a:sp3d>
+          </a:bodyPr>
+          <a:lstStyle/>
+          <a:p>
+            <a:pPr algn="ctr"/>
+            <a:r>
+              <a:rPr lang="en-GB" sz="5400" dirty="0">
+                <a:ln w="0"/>
+                <a:gradFill>
+                  <a:gsLst>
+                    <a:gs pos="0">
+                      <a:schemeClr val="accent5">
+                        <a:lumMod val="50000"/>
+                      </a:schemeClr>
+                    </a:gs>
+                    <a:gs pos="50000">
+                      <a:schemeClr val="accent5"/>
+                    </a:gs>
+                    <a:gs pos="100000">
+                      <a:schemeClr val="accent5">
+                        <a:lumMod val="60000"/>
+                        <a:lumOff val="40000"/>
+                      </a:schemeClr>
+                    </a:gs>
+                  </a:gsLst>
+                  <a:lin ang="5400000"/>
+                </a:gradFill>
+                <a:effectLst>
+                  <a:reflection blurRad="6350" stA="53000" endA="300" endPos="35500" dir="5400000" sy="-90000" algn="bl" rotWithShape="0"/>
+                </a:effectLst>
+                <a:latin typeface="Times New Roman" panose="02020603050405020304" pitchFamily="18" charset="0"/>
+                <a:cs typeface="Times New Roman" panose="02020603050405020304" pitchFamily="18" charset="0"/>
+              </a:rPr>
+              <a:t>Work with JPA</a:t>
+            </a:r>
+          </a:p>
+        </p:txBody>
+      </p:sp>
+      <p:sp>
+        <p:nvSpPr>
+          <p:cNvPr id="8" name="TextBox 7">
+            <a:extLst>
+              <a:ext uri="{FF2B5EF4-FFF2-40B4-BE49-F238E27FC236}">
+                <a16:creationId xmlns:a16="http://schemas.microsoft.com/office/drawing/2014/main" id="{C895E5EC-5EF1-7389-974A-4712C20F48BF}"/>
+              </a:ext>
+            </a:extLst>
+          </p:cNvPr>
+          <p:cNvSpPr txBox="1"/>
+          <p:nvPr/>
+        </p:nvSpPr>
+        <p:spPr>
+          <a:xfrm>
+            <a:off x="1238062" y="1767410"/>
+            <a:ext cx="6097508" cy="2862322"/>
+          </a:xfrm>
+          <a:prstGeom prst="rect">
+            <a:avLst/>
+          </a:prstGeom>
+          <a:noFill/>
+        </p:spPr>
+        <p:txBody>
+          <a:bodyPr wrap="square">
+            <a:spAutoFit/>
+          </a:bodyPr>
+          <a:lstStyle/>
+          <a:p>
+            <a:r>
+              <a:rPr lang="en-US" dirty="0">
+                <a:latin typeface="Times New Roman" panose="02020603050405020304" pitchFamily="18" charset="0"/>
+                <a:cs typeface="Times New Roman" panose="02020603050405020304" pitchFamily="18" charset="0"/>
+              </a:rPr>
+              <a:t>1. Created project: dependency</a:t>
+            </a:r>
+          </a:p>
+          <a:p>
+            <a:r>
+              <a:rPr lang="en-US" dirty="0">
+                <a:latin typeface="Times New Roman" panose="02020603050405020304" pitchFamily="18" charset="0"/>
+                <a:cs typeface="Times New Roman" panose="02020603050405020304" pitchFamily="18" charset="0"/>
+              </a:rPr>
+              <a:t>2. Configure</a:t>
+            </a:r>
+          </a:p>
+          <a:p>
+            <a:r>
+              <a:rPr lang="en-US" dirty="0">
+                <a:latin typeface="Times New Roman" panose="02020603050405020304" pitchFamily="18" charset="0"/>
+                <a:cs typeface="Times New Roman" panose="02020603050405020304" pitchFamily="18" charset="0"/>
+              </a:rPr>
+              <a:t>    database</a:t>
+            </a:r>
+          </a:p>
+          <a:p>
+            <a:r>
+              <a:rPr lang="en-US" dirty="0">
+                <a:latin typeface="Times New Roman" panose="02020603050405020304" pitchFamily="18" charset="0"/>
+                <a:cs typeface="Times New Roman" panose="02020603050405020304" pitchFamily="18" charset="0"/>
+              </a:rPr>
+              <a:t>    </a:t>
+            </a:r>
+            <a:r>
+              <a:rPr lang="en-US" dirty="0" err="1">
+                <a:latin typeface="Times New Roman" panose="02020603050405020304" pitchFamily="18" charset="0"/>
+                <a:cs typeface="Times New Roman" panose="02020603050405020304" pitchFamily="18" charset="0"/>
+              </a:rPr>
+              <a:t>jpa</a:t>
+            </a:r>
+            <a:endParaRPr lang="en-US" dirty="0">
+              <a:latin typeface="Times New Roman" panose="02020603050405020304" pitchFamily="18" charset="0"/>
+              <a:cs typeface="Times New Roman" panose="02020603050405020304" pitchFamily="18" charset="0"/>
+            </a:endParaRPr>
+          </a:p>
+          <a:p>
+            <a:r>
+              <a:rPr lang="en-US" dirty="0">
+                <a:latin typeface="Times New Roman" panose="02020603050405020304" pitchFamily="18" charset="0"/>
+                <a:cs typeface="Times New Roman" panose="02020603050405020304" pitchFamily="18" charset="0"/>
+              </a:rPr>
+              <a:t>3. mapping--[classes--tables]</a:t>
+            </a:r>
+          </a:p>
+          <a:p>
+            <a:r>
+              <a:rPr lang="en-US" dirty="0">
+                <a:latin typeface="Times New Roman" panose="02020603050405020304" pitchFamily="18" charset="0"/>
+                <a:cs typeface="Times New Roman" panose="02020603050405020304" pitchFamily="18" charset="0"/>
+              </a:rPr>
+              <a:t>    entities(create entities)</a:t>
+            </a:r>
+          </a:p>
+          <a:p>
+            <a:r>
+              <a:rPr lang="en-US" dirty="0">
+                <a:latin typeface="Times New Roman" panose="02020603050405020304" pitchFamily="18" charset="0"/>
+                <a:cs typeface="Times New Roman" panose="02020603050405020304" pitchFamily="18" charset="0"/>
+              </a:rPr>
+              <a:t>4. Repositories--we have to create repository</a:t>
+            </a:r>
+          </a:p>
+          <a:p>
+            <a:r>
+              <a:rPr lang="en-US" dirty="0">
+                <a:latin typeface="Times New Roman" panose="02020603050405020304" pitchFamily="18" charset="0"/>
+                <a:cs typeface="Times New Roman" panose="02020603050405020304" pitchFamily="18" charset="0"/>
+              </a:rPr>
+              <a:t>    basic standard crud features</a:t>
+            </a:r>
+          </a:p>
+          <a:p>
+            <a:r>
+              <a:rPr lang="en-US" dirty="0">
+                <a:latin typeface="Times New Roman" panose="02020603050405020304" pitchFamily="18" charset="0"/>
+                <a:cs typeface="Times New Roman" panose="02020603050405020304" pitchFamily="18" charset="0"/>
+              </a:rPr>
+              <a:t>5. we can use these repositories in service</a:t>
+            </a:r>
+          </a:p>
+          <a:p>
+            <a:endParaRPr lang="en-US" dirty="0">
+              <a:latin typeface="Times New Roman" panose="02020603050405020304" pitchFamily="18" charset="0"/>
+              <a:cs typeface="Times New Roman" panose="02020603050405020304" pitchFamily="18" charset="0"/>
+            </a:endParaRPr>
+          </a:p>
+        </p:txBody>
+      </p:sp>
+    </p:spTree>
+    <p:extLst>
+      <p:ext uri="{BB962C8B-B14F-4D97-AF65-F5344CB8AC3E}">
+        <p14:creationId xmlns:p14="http://schemas.microsoft.com/office/powerpoint/2010/main" val="1245001618"/>
+      </p:ext>
+    </p:extLst>
+  </p:cSld>
+  <p:clrMapOvr>
+    <a:masterClrMapping/>
+  </p:clrMapOvr>
+  <mc:AlternateContent xmlns:mc="http://schemas.openxmlformats.org/markup-compatibility/2006">
+    <mc:Choice xmlns:p14="http://schemas.microsoft.com/office/powerpoint/2010/main" Requires="p14">
+      <p:transition spd="med" p14:dur="700">
+        <p:fade/>
+      </p:transition>
+    </mc:Choice>
+    <mc:Fallback>
+      <p:transition spd="med">
+        <p:fade/>
+      </p:transition>
+    </mc:Fallback>
+  </mc:AlternateContent>
+</p:sld>
+</file>
+
+<file path=ppt/slides/slide13.xml><?xml version="1.0" encoding="utf-8"?>
+<p:sld xmlns:a="http://schemas.openxmlformats.org/drawingml/2006/main" xmlns:r="http://schemas.openxmlformats.org/officeDocument/2006/relationships" xmlns:p="http://schemas.openxmlformats.org/presentationml/2006/main">
+  <p:cSld>
+    <p:bg>
+      <p:bgPr>
+        <a:blipFill dpi="0" rotWithShape="1">
+          <a:blip r:embed="rId2">
+            <a:lum/>
+          </a:blip>
+          <a:srcRect/>
+          <a:stretch>
+            <a:fillRect/>
+          </a:stretch>
+        </a:blipFill>
+        <a:effectLst/>
+      </p:bgPr>
+    </p:bg>
+    <p:spTree>
+      <p:nvGrpSpPr>
+        <p:cNvPr id="1" name=""/>
+        <p:cNvGrpSpPr/>
+        <p:nvPr/>
+      </p:nvGrpSpPr>
+      <p:grpSpPr>
+        <a:xfrm>
+          <a:off x="0" y="0"/>
+          <a:ext cx="0" cy="0"/>
+          <a:chOff x="0" y="0"/>
+          <a:chExt cx="0" cy="0"/>
+        </a:xfrm>
+      </p:grpSpPr>
+      <p:sp>
+        <p:nvSpPr>
+          <p:cNvPr id="2" name="Rectangle 1">
+            <a:extLst>
+              <a:ext uri="{FF2B5EF4-FFF2-40B4-BE49-F238E27FC236}">
+                <a16:creationId xmlns:a16="http://schemas.microsoft.com/office/drawing/2014/main" id="{48F9CE81-C1F0-B68D-8064-60FA8458DF94}"/>
+              </a:ext>
+            </a:extLst>
+          </p:cNvPr>
+          <p:cNvSpPr/>
+          <p:nvPr/>
+        </p:nvSpPr>
+        <p:spPr>
+          <a:xfrm>
+            <a:off x="965261" y="492323"/>
+            <a:ext cx="4374532" cy="923330"/>
+          </a:xfrm>
+          <a:prstGeom prst="rect">
+            <a:avLst/>
+          </a:prstGeom>
+          <a:noFill/>
+        </p:spPr>
+        <p:txBody>
+          <a:bodyPr wrap="none" lIns="91440" tIns="45720" rIns="91440" bIns="45720">
+            <a:spAutoFit/>
+            <a:scene3d>
+              <a:camera prst="orthographicFront"/>
+              <a:lightRig rig="soft" dir="t">
+                <a:rot lat="0" lon="0" rev="15600000"/>
+              </a:lightRig>
+            </a:scene3d>
+            <a:sp3d extrusionH="57150" prstMaterial="softEdge">
+              <a:bevelT w="25400" h="38100"/>
+            </a:sp3d>
+          </a:bodyPr>
+          <a:lstStyle/>
+          <a:p>
+            <a:pPr algn="ctr"/>
+            <a:r>
+              <a:rPr lang="en-GB" sz="5400" dirty="0">
+                <a:ln w="0"/>
+                <a:gradFill>
+                  <a:gsLst>
+                    <a:gs pos="0">
+                      <a:schemeClr val="accent5">
+                        <a:lumMod val="50000"/>
+                      </a:schemeClr>
+                    </a:gs>
+                    <a:gs pos="50000">
+                      <a:schemeClr val="accent5"/>
+                    </a:gs>
+                    <a:gs pos="100000">
+                      <a:schemeClr val="accent5">
+                        <a:lumMod val="60000"/>
+                        <a:lumOff val="40000"/>
+                      </a:schemeClr>
+                    </a:gs>
+                  </a:gsLst>
+                  <a:lin ang="5400000"/>
+                </a:gradFill>
+                <a:effectLst>
+                  <a:reflection blurRad="6350" stA="53000" endA="300" endPos="35500" dir="5400000" sy="-90000" algn="bl" rotWithShape="0"/>
+                </a:effectLst>
+                <a:latin typeface="Times New Roman" panose="02020603050405020304" pitchFamily="18" charset="0"/>
+                <a:cs typeface="Times New Roman" panose="02020603050405020304" pitchFamily="18" charset="0"/>
+              </a:rPr>
+              <a:t>Work with JPA</a:t>
+            </a:r>
+          </a:p>
+        </p:txBody>
+      </p:sp>
+      <p:sp>
+        <p:nvSpPr>
+          <p:cNvPr id="8" name="TextBox 7">
+            <a:extLst>
+              <a:ext uri="{FF2B5EF4-FFF2-40B4-BE49-F238E27FC236}">
+                <a16:creationId xmlns:a16="http://schemas.microsoft.com/office/drawing/2014/main" id="{C895E5EC-5EF1-7389-974A-4712C20F48BF}"/>
+              </a:ext>
+            </a:extLst>
+          </p:cNvPr>
+          <p:cNvSpPr txBox="1"/>
+          <p:nvPr/>
+        </p:nvSpPr>
+        <p:spPr>
+          <a:xfrm>
+            <a:off x="1238062" y="1767410"/>
+            <a:ext cx="6097508" cy="2862322"/>
+          </a:xfrm>
+          <a:prstGeom prst="rect">
+            <a:avLst/>
+          </a:prstGeom>
+          <a:noFill/>
+        </p:spPr>
+        <p:txBody>
+          <a:bodyPr wrap="square">
+            <a:spAutoFit/>
+          </a:bodyPr>
+          <a:lstStyle/>
+          <a:p>
+            <a:pPr marL="342900" indent="-342900">
+              <a:buAutoNum type="arabicPeriod"/>
+            </a:pPr>
+            <a:r>
+              <a:rPr lang="en-US" dirty="0">
+                <a:latin typeface="Times New Roman" panose="02020603050405020304" pitchFamily="18" charset="0"/>
+                <a:cs typeface="Times New Roman" panose="02020603050405020304" pitchFamily="18" charset="0"/>
+              </a:rPr>
+              <a:t>Different package entities</a:t>
+            </a:r>
+          </a:p>
+          <a:p>
+            <a:pPr marL="342900" indent="-342900">
+              <a:buAutoNum type="arabicPeriod"/>
+            </a:pPr>
+            <a:r>
+              <a:rPr lang="en-US" dirty="0">
+                <a:latin typeface="Times New Roman" panose="02020603050405020304" pitchFamily="18" charset="0"/>
+                <a:cs typeface="Times New Roman" panose="02020603050405020304" pitchFamily="18" charset="0"/>
+              </a:rPr>
+              <a:t>Custom data </a:t>
+            </a:r>
+            <a:r>
+              <a:rPr lang="en-US" dirty="0" err="1">
+                <a:latin typeface="Times New Roman" panose="02020603050405020304" pitchFamily="18" charset="0"/>
+                <a:cs typeface="Times New Roman" panose="02020603050405020304" pitchFamily="18" charset="0"/>
+              </a:rPr>
+              <a:t>chahie</a:t>
+            </a:r>
+            <a:endParaRPr lang="en-US" dirty="0">
+              <a:latin typeface="Times New Roman" panose="02020603050405020304" pitchFamily="18" charset="0"/>
+              <a:cs typeface="Times New Roman" panose="02020603050405020304" pitchFamily="18" charset="0"/>
+            </a:endParaRPr>
+          </a:p>
+          <a:p>
+            <a:pPr marL="800100" lvl="1" indent="-342900">
+              <a:buAutoNum type="arabicPeriod"/>
+            </a:pPr>
+            <a:r>
+              <a:rPr lang="en-US" dirty="0">
+                <a:latin typeface="Times New Roman" panose="02020603050405020304" pitchFamily="18" charset="0"/>
+                <a:cs typeface="Times New Roman" panose="02020603050405020304" pitchFamily="18" charset="0"/>
+              </a:rPr>
+              <a:t>Mapping handle[relationships]</a:t>
+            </a:r>
+          </a:p>
+          <a:p>
+            <a:pPr marL="1257300" lvl="2" indent="-342900">
+              <a:buAutoNum type="arabicPeriod"/>
+            </a:pPr>
+            <a:r>
+              <a:rPr lang="en-US" dirty="0">
+                <a:latin typeface="Times New Roman" panose="02020603050405020304" pitchFamily="18" charset="0"/>
+                <a:cs typeface="Times New Roman" panose="02020603050405020304" pitchFamily="18" charset="0"/>
+              </a:rPr>
+              <a:t>One to one</a:t>
+            </a:r>
+          </a:p>
+          <a:p>
+            <a:pPr marL="1257300" lvl="2" indent="-342900">
+              <a:buAutoNum type="arabicPeriod"/>
+            </a:pPr>
+            <a:r>
+              <a:rPr lang="en-US" dirty="0">
+                <a:latin typeface="Times New Roman" panose="02020603050405020304" pitchFamily="18" charset="0"/>
+                <a:cs typeface="Times New Roman" panose="02020603050405020304" pitchFamily="18" charset="0"/>
+              </a:rPr>
+              <a:t>One to many</a:t>
+            </a:r>
+          </a:p>
+          <a:p>
+            <a:pPr marL="1257300" lvl="2" indent="-342900">
+              <a:buAutoNum type="arabicPeriod"/>
+            </a:pPr>
+            <a:r>
+              <a:rPr lang="en-US" dirty="0">
+                <a:latin typeface="Times New Roman" panose="02020603050405020304" pitchFamily="18" charset="0"/>
+                <a:cs typeface="Times New Roman" panose="02020603050405020304" pitchFamily="18" charset="0"/>
+              </a:rPr>
+              <a:t>Many to many</a:t>
+            </a:r>
+          </a:p>
+          <a:p>
+            <a:pPr marL="800100" lvl="1" indent="-342900">
+              <a:buAutoNum type="arabicPeriod"/>
+            </a:pPr>
+            <a:r>
+              <a:rPr lang="en-US" dirty="0">
+                <a:latin typeface="Times New Roman" panose="02020603050405020304" pitchFamily="18" charset="0"/>
+                <a:cs typeface="Times New Roman" panose="02020603050405020304" pitchFamily="18" charset="0"/>
+              </a:rPr>
+              <a:t>custom finder method</a:t>
+            </a:r>
+          </a:p>
+          <a:p>
+            <a:pPr marL="800100" lvl="1" indent="-342900">
+              <a:buAutoNum type="arabicPeriod"/>
+            </a:pPr>
+            <a:r>
+              <a:rPr lang="en-US" dirty="0">
+                <a:latin typeface="Times New Roman" panose="02020603050405020304" pitchFamily="18" charset="0"/>
+                <a:cs typeface="Times New Roman" panose="02020603050405020304" pitchFamily="18" charset="0"/>
+              </a:rPr>
+              <a:t>Query method using [JPQL + Native]</a:t>
+            </a:r>
+          </a:p>
+          <a:p>
+            <a:pPr marL="800100" lvl="1" indent="-342900">
+              <a:buAutoNum type="arabicPeriod"/>
+            </a:pPr>
+            <a:r>
+              <a:rPr lang="en-US" dirty="0">
+                <a:latin typeface="Times New Roman" panose="02020603050405020304" pitchFamily="18" charset="0"/>
+                <a:cs typeface="Times New Roman" panose="02020603050405020304" pitchFamily="18" charset="0"/>
+              </a:rPr>
+              <a:t>Criteria API</a:t>
+            </a:r>
+          </a:p>
+          <a:p>
+            <a:pPr lvl="2"/>
+            <a:endParaRPr lang="en-US" dirty="0">
+              <a:latin typeface="Times New Roman" panose="02020603050405020304" pitchFamily="18" charset="0"/>
+              <a:cs typeface="Times New Roman" panose="02020603050405020304" pitchFamily="18" charset="0"/>
+            </a:endParaRPr>
+          </a:p>
+        </p:txBody>
+      </p:sp>
+    </p:spTree>
+    <p:extLst>
+      <p:ext uri="{BB962C8B-B14F-4D97-AF65-F5344CB8AC3E}">
+        <p14:creationId xmlns:p14="http://schemas.microsoft.com/office/powerpoint/2010/main" val="2491088845"/>
+      </p:ext>
+    </p:extLst>
+  </p:cSld>
+  <p:clrMapOvr>
+    <a:masterClrMapping/>
+  </p:clrMapOvr>
+  <mc:AlternateContent xmlns:mc="http://schemas.openxmlformats.org/markup-compatibility/2006">
+    <mc:Choice xmlns:p14="http://schemas.microsoft.com/office/powerpoint/2010/main" Requires="p14">
+      <p:transition spd="med" p14:dur="700">
+        <p:fade/>
+      </p:transition>
+    </mc:Choice>
+    <mc:Fallback>
+      <p:transition spd="med">
+        <p:fade/>
+      </p:transition>
+    </mc:Fallback>
+  </mc:AlternateContent>
+</p:sld>
+</file>
+
 <file path=ppt/slides/slide2.xml><?xml version="1.0" encoding="utf-8"?>
 <p:sld xmlns:a="http://schemas.openxmlformats.org/drawingml/2006/main" xmlns:r="http://schemas.openxmlformats.org/officeDocument/2006/relationships" xmlns:p="http://schemas.openxmlformats.org/presentationml/2006/main">
   <p:cSld>
@@ -13624,8 +14162,8 @@
             <a:chExt cx="8102160" cy="1633320"/>
           </a:xfrm>
         </p:grpSpPr>
-        <mc:AlternateContent xmlns:mc="http://schemas.openxmlformats.org/markup-compatibility/2006">
-          <mc:Choice xmlns:p14="http://schemas.microsoft.com/office/powerpoint/2010/main" Requires="p14">
+        <mc:AlternateContent xmlns:mc="http://schemas.openxmlformats.org/markup-compatibility/2006" xmlns:p14="http://schemas.microsoft.com/office/powerpoint/2010/main">
+          <mc:Choice Requires="p14">
             <p:contentPart p14:bwMode="auto" r:id="rId3">
               <p14:nvContentPartPr>
                 <p14:cNvPr id="4" name="Ink 3">
@@ -13644,7 +14182,7 @@
               </p14:xfrm>
             </p:contentPart>
           </mc:Choice>
-          <mc:Fallback>
+          <mc:Fallback xmlns="">
             <p:pic>
               <p:nvPicPr>
                 <p:cNvPr id="4" name="Ink 3">
@@ -13675,8 +14213,8 @@
             </p:pic>
           </mc:Fallback>
         </mc:AlternateContent>
-        <mc:AlternateContent xmlns:mc="http://schemas.openxmlformats.org/markup-compatibility/2006">
-          <mc:Choice xmlns:p14="http://schemas.microsoft.com/office/powerpoint/2010/main" Requires="p14">
+        <mc:AlternateContent xmlns:mc="http://schemas.openxmlformats.org/markup-compatibility/2006" xmlns:p14="http://schemas.microsoft.com/office/powerpoint/2010/main">
+          <mc:Choice Requires="p14">
             <p:contentPart p14:bwMode="auto" r:id="rId5">
               <p14:nvContentPartPr>
                 <p14:cNvPr id="5" name="Ink 4">
@@ -13695,7 +14233,7 @@
               </p14:xfrm>
             </p:contentPart>
           </mc:Choice>
-          <mc:Fallback>
+          <mc:Fallback xmlns="">
             <p:pic>
               <p:nvPicPr>
                 <p:cNvPr id="5" name="Ink 4">
@@ -13726,8 +14264,8 @@
             </p:pic>
           </mc:Fallback>
         </mc:AlternateContent>
-        <mc:AlternateContent xmlns:mc="http://schemas.openxmlformats.org/markup-compatibility/2006">
-          <mc:Choice xmlns:p14="http://schemas.microsoft.com/office/powerpoint/2010/main" Requires="p14">
+        <mc:AlternateContent xmlns:mc="http://schemas.openxmlformats.org/markup-compatibility/2006" xmlns:p14="http://schemas.microsoft.com/office/powerpoint/2010/main">
+          <mc:Choice Requires="p14">
             <p:contentPart p14:bwMode="auto" r:id="rId7">
               <p14:nvContentPartPr>
                 <p14:cNvPr id="6" name="Ink 5">
@@ -13746,7 +14284,7 @@
               </p14:xfrm>
             </p:contentPart>
           </mc:Choice>
-          <mc:Fallback>
+          <mc:Fallback xmlns="">
             <p:pic>
               <p:nvPicPr>
                 <p:cNvPr id="6" name="Ink 5">
@@ -13777,8 +14315,8 @@
             </p:pic>
           </mc:Fallback>
         </mc:AlternateContent>
-        <mc:AlternateContent xmlns:mc="http://schemas.openxmlformats.org/markup-compatibility/2006">
-          <mc:Choice xmlns:p14="http://schemas.microsoft.com/office/powerpoint/2010/main" Requires="p14">
+        <mc:AlternateContent xmlns:mc="http://schemas.openxmlformats.org/markup-compatibility/2006" xmlns:p14="http://schemas.microsoft.com/office/powerpoint/2010/main">
+          <mc:Choice Requires="p14">
             <p:contentPart p14:bwMode="auto" r:id="rId9">
               <p14:nvContentPartPr>
                 <p14:cNvPr id="7" name="Ink 6">
@@ -13797,7 +14335,7 @@
               </p14:xfrm>
             </p:contentPart>
           </mc:Choice>
-          <mc:Fallback>
+          <mc:Fallback xmlns="">
             <p:pic>
               <p:nvPicPr>
                 <p:cNvPr id="7" name="Ink 6">
@@ -13828,8 +14366,8 @@
             </p:pic>
           </mc:Fallback>
         </mc:AlternateContent>
-        <mc:AlternateContent xmlns:mc="http://schemas.openxmlformats.org/markup-compatibility/2006">
-          <mc:Choice xmlns:p14="http://schemas.microsoft.com/office/powerpoint/2010/main" Requires="p14">
+        <mc:AlternateContent xmlns:mc="http://schemas.openxmlformats.org/markup-compatibility/2006" xmlns:p14="http://schemas.microsoft.com/office/powerpoint/2010/main">
+          <mc:Choice Requires="p14">
             <p:contentPart p14:bwMode="auto" r:id="rId11">
               <p14:nvContentPartPr>
                 <p14:cNvPr id="8" name="Ink 7">
@@ -13848,7 +14386,7 @@
               </p14:xfrm>
             </p:contentPart>
           </mc:Choice>
-          <mc:Fallback>
+          <mc:Fallback xmlns="">
             <p:pic>
               <p:nvPicPr>
                 <p:cNvPr id="8" name="Ink 7">
@@ -13879,8 +14417,8 @@
             </p:pic>
           </mc:Fallback>
         </mc:AlternateContent>
-        <mc:AlternateContent xmlns:mc="http://schemas.openxmlformats.org/markup-compatibility/2006">
-          <mc:Choice xmlns:p14="http://schemas.microsoft.com/office/powerpoint/2010/main" Requires="p14">
+        <mc:AlternateContent xmlns:mc="http://schemas.openxmlformats.org/markup-compatibility/2006" xmlns:p14="http://schemas.microsoft.com/office/powerpoint/2010/main">
+          <mc:Choice Requires="p14">
             <p:contentPart p14:bwMode="auto" r:id="rId13">
               <p14:nvContentPartPr>
                 <p14:cNvPr id="9" name="Ink 8">
@@ -13899,7 +14437,7 @@
               </p14:xfrm>
             </p:contentPart>
           </mc:Choice>
-          <mc:Fallback>
+          <mc:Fallback xmlns="">
             <p:pic>
               <p:nvPicPr>
                 <p:cNvPr id="9" name="Ink 8">
@@ -13930,8 +14468,8 @@
             </p:pic>
           </mc:Fallback>
         </mc:AlternateContent>
-        <mc:AlternateContent xmlns:mc="http://schemas.openxmlformats.org/markup-compatibility/2006">
-          <mc:Choice xmlns:p14="http://schemas.microsoft.com/office/powerpoint/2010/main" Requires="p14">
+        <mc:AlternateContent xmlns:mc="http://schemas.openxmlformats.org/markup-compatibility/2006" xmlns:p14="http://schemas.microsoft.com/office/powerpoint/2010/main">
+          <mc:Choice Requires="p14">
             <p:contentPart p14:bwMode="auto" r:id="rId15">
               <p14:nvContentPartPr>
                 <p14:cNvPr id="10" name="Ink 9">
@@ -13950,7 +14488,7 @@
               </p14:xfrm>
             </p:contentPart>
           </mc:Choice>
-          <mc:Fallback>
+          <mc:Fallback xmlns="">
             <p:pic>
               <p:nvPicPr>
                 <p:cNvPr id="10" name="Ink 9">
@@ -13981,8 +14519,8 @@
             </p:pic>
           </mc:Fallback>
         </mc:AlternateContent>
-        <mc:AlternateContent xmlns:mc="http://schemas.openxmlformats.org/markup-compatibility/2006">
-          <mc:Choice xmlns:p14="http://schemas.microsoft.com/office/powerpoint/2010/main" Requires="p14">
+        <mc:AlternateContent xmlns:mc="http://schemas.openxmlformats.org/markup-compatibility/2006" xmlns:p14="http://schemas.microsoft.com/office/powerpoint/2010/main">
+          <mc:Choice Requires="p14">
             <p:contentPart p14:bwMode="auto" r:id="rId17">
               <p14:nvContentPartPr>
                 <p14:cNvPr id="12" name="Ink 11">
@@ -14001,7 +14539,7 @@
               </p14:xfrm>
             </p:contentPart>
           </mc:Choice>
-          <mc:Fallback>
+          <mc:Fallback xmlns="">
             <p:pic>
               <p:nvPicPr>
                 <p:cNvPr id="12" name="Ink 11">
@@ -14032,8 +14570,8 @@
             </p:pic>
           </mc:Fallback>
         </mc:AlternateContent>
-        <mc:AlternateContent xmlns:mc="http://schemas.openxmlformats.org/markup-compatibility/2006">
-          <mc:Choice xmlns:p14="http://schemas.microsoft.com/office/powerpoint/2010/main" Requires="p14">
+        <mc:AlternateContent xmlns:mc="http://schemas.openxmlformats.org/markup-compatibility/2006" xmlns:p14="http://schemas.microsoft.com/office/powerpoint/2010/main">
+          <mc:Choice Requires="p14">
             <p:contentPart p14:bwMode="auto" r:id="rId19">
               <p14:nvContentPartPr>
                 <p14:cNvPr id="14" name="Ink 13">
@@ -14052,7 +14590,7 @@
               </p14:xfrm>
             </p:contentPart>
           </mc:Choice>
-          <mc:Fallback>
+          <mc:Fallback xmlns="">
             <p:pic>
               <p:nvPicPr>
                 <p:cNvPr id="14" name="Ink 13">
@@ -14083,8 +14621,8 @@
             </p:pic>
           </mc:Fallback>
         </mc:AlternateContent>
-        <mc:AlternateContent xmlns:mc="http://schemas.openxmlformats.org/markup-compatibility/2006">
-          <mc:Choice xmlns:p14="http://schemas.microsoft.com/office/powerpoint/2010/main" Requires="p14">
+        <mc:AlternateContent xmlns:mc="http://schemas.openxmlformats.org/markup-compatibility/2006" xmlns:p14="http://schemas.microsoft.com/office/powerpoint/2010/main">
+          <mc:Choice Requires="p14">
             <p:contentPart p14:bwMode="auto" r:id="rId21">
               <p14:nvContentPartPr>
                 <p14:cNvPr id="16" name="Ink 15">
@@ -14103,7 +14641,7 @@
               </p14:xfrm>
             </p:contentPart>
           </mc:Choice>
-          <mc:Fallback>
+          <mc:Fallback xmlns="">
             <p:pic>
               <p:nvPicPr>
                 <p:cNvPr id="16" name="Ink 15">
@@ -14134,8 +14672,8 @@
             </p:pic>
           </mc:Fallback>
         </mc:AlternateContent>
-        <mc:AlternateContent xmlns:mc="http://schemas.openxmlformats.org/markup-compatibility/2006">
-          <mc:Choice xmlns:p14="http://schemas.microsoft.com/office/powerpoint/2010/main" Requires="p14">
+        <mc:AlternateContent xmlns:mc="http://schemas.openxmlformats.org/markup-compatibility/2006" xmlns:p14="http://schemas.microsoft.com/office/powerpoint/2010/main">
+          <mc:Choice Requires="p14">
             <p:contentPart p14:bwMode="auto" r:id="rId23">
               <p14:nvContentPartPr>
                 <p14:cNvPr id="17" name="Ink 16">
@@ -14154,7 +14692,7 @@
               </p14:xfrm>
             </p:contentPart>
           </mc:Choice>
-          <mc:Fallback>
+          <mc:Fallback xmlns="">
             <p:pic>
               <p:nvPicPr>
                 <p:cNvPr id="17" name="Ink 16">
@@ -14185,8 +14723,8 @@
             </p:pic>
           </mc:Fallback>
         </mc:AlternateContent>
-        <mc:AlternateContent xmlns:mc="http://schemas.openxmlformats.org/markup-compatibility/2006">
-          <mc:Choice xmlns:p14="http://schemas.microsoft.com/office/powerpoint/2010/main" Requires="p14">
+        <mc:AlternateContent xmlns:mc="http://schemas.openxmlformats.org/markup-compatibility/2006" xmlns:p14="http://schemas.microsoft.com/office/powerpoint/2010/main">
+          <mc:Choice Requires="p14">
             <p:contentPart p14:bwMode="auto" r:id="rId25">
               <p14:nvContentPartPr>
                 <p14:cNvPr id="18" name="Ink 17">
@@ -14205,7 +14743,7 @@
               </p14:xfrm>
             </p:contentPart>
           </mc:Choice>
-          <mc:Fallback>
+          <mc:Fallback xmlns="">
             <p:pic>
               <p:nvPicPr>
                 <p:cNvPr id="18" name="Ink 17">
@@ -14236,8 +14774,8 @@
             </p:pic>
           </mc:Fallback>
         </mc:AlternateContent>
-        <mc:AlternateContent xmlns:mc="http://schemas.openxmlformats.org/markup-compatibility/2006">
-          <mc:Choice xmlns:p14="http://schemas.microsoft.com/office/powerpoint/2010/main" Requires="p14">
+        <mc:AlternateContent xmlns:mc="http://schemas.openxmlformats.org/markup-compatibility/2006" xmlns:p14="http://schemas.microsoft.com/office/powerpoint/2010/main">
+          <mc:Choice Requires="p14">
             <p:contentPart p14:bwMode="auto" r:id="rId27">
               <p14:nvContentPartPr>
                 <p14:cNvPr id="19" name="Ink 18">
@@ -14256,7 +14794,7 @@
               </p14:xfrm>
             </p:contentPart>
           </mc:Choice>
-          <mc:Fallback>
+          <mc:Fallback xmlns="">
             <p:pic>
               <p:nvPicPr>
                 <p:cNvPr id="19" name="Ink 18">
@@ -14287,8 +14825,8 @@
             </p:pic>
           </mc:Fallback>
         </mc:AlternateContent>
-        <mc:AlternateContent xmlns:mc="http://schemas.openxmlformats.org/markup-compatibility/2006">
-          <mc:Choice xmlns:p14="http://schemas.microsoft.com/office/powerpoint/2010/main" Requires="p14">
+        <mc:AlternateContent xmlns:mc="http://schemas.openxmlformats.org/markup-compatibility/2006" xmlns:p14="http://schemas.microsoft.com/office/powerpoint/2010/main">
+          <mc:Choice Requires="p14">
             <p:contentPart p14:bwMode="auto" r:id="rId29">
               <p14:nvContentPartPr>
                 <p14:cNvPr id="20" name="Ink 19">
@@ -14307,7 +14845,7 @@
               </p14:xfrm>
             </p:contentPart>
           </mc:Choice>
-          <mc:Fallback>
+          <mc:Fallback xmlns="">
             <p:pic>
               <p:nvPicPr>
                 <p:cNvPr id="20" name="Ink 19">
@@ -14338,8 +14876,8 @@
             </p:pic>
           </mc:Fallback>
         </mc:AlternateContent>
-        <mc:AlternateContent xmlns:mc="http://schemas.openxmlformats.org/markup-compatibility/2006">
-          <mc:Choice xmlns:p14="http://schemas.microsoft.com/office/powerpoint/2010/main" Requires="p14">
+        <mc:AlternateContent xmlns:mc="http://schemas.openxmlformats.org/markup-compatibility/2006" xmlns:p14="http://schemas.microsoft.com/office/powerpoint/2010/main">
+          <mc:Choice Requires="p14">
             <p:contentPart p14:bwMode="auto" r:id="rId31">
               <p14:nvContentPartPr>
                 <p14:cNvPr id="21" name="Ink 20">
@@ -14358,7 +14896,7 @@
               </p14:xfrm>
             </p:contentPart>
           </mc:Choice>
-          <mc:Fallback>
+          <mc:Fallback xmlns="">
             <p:pic>
               <p:nvPicPr>
                 <p:cNvPr id="21" name="Ink 20">
@@ -14389,8 +14927,8 @@
             </p:pic>
           </mc:Fallback>
         </mc:AlternateContent>
-        <mc:AlternateContent xmlns:mc="http://schemas.openxmlformats.org/markup-compatibility/2006">
-          <mc:Choice xmlns:p14="http://schemas.microsoft.com/office/powerpoint/2010/main" Requires="p14">
+        <mc:AlternateContent xmlns:mc="http://schemas.openxmlformats.org/markup-compatibility/2006" xmlns:p14="http://schemas.microsoft.com/office/powerpoint/2010/main">
+          <mc:Choice Requires="p14">
             <p:contentPart p14:bwMode="auto" r:id="rId33">
               <p14:nvContentPartPr>
                 <p14:cNvPr id="22" name="Ink 21">
@@ -14409,7 +14947,7 @@
               </p14:xfrm>
             </p:contentPart>
           </mc:Choice>
-          <mc:Fallback>
+          <mc:Fallback xmlns="">
             <p:pic>
               <p:nvPicPr>
                 <p:cNvPr id="22" name="Ink 21">
@@ -14440,8 +14978,8 @@
             </p:pic>
           </mc:Fallback>
         </mc:AlternateContent>
-        <mc:AlternateContent xmlns:mc="http://schemas.openxmlformats.org/markup-compatibility/2006">
-          <mc:Choice xmlns:p14="http://schemas.microsoft.com/office/powerpoint/2010/main" Requires="p14">
+        <mc:AlternateContent xmlns:mc="http://schemas.openxmlformats.org/markup-compatibility/2006" xmlns:p14="http://schemas.microsoft.com/office/powerpoint/2010/main">
+          <mc:Choice Requires="p14">
             <p:contentPart p14:bwMode="auto" r:id="rId35">
               <p14:nvContentPartPr>
                 <p14:cNvPr id="24" name="Ink 23">
@@ -14460,7 +14998,7 @@
               </p14:xfrm>
             </p:contentPart>
           </mc:Choice>
-          <mc:Fallback>
+          <mc:Fallback xmlns="">
             <p:pic>
               <p:nvPicPr>
                 <p:cNvPr id="24" name="Ink 23">
@@ -14491,8 +15029,8 @@
             </p:pic>
           </mc:Fallback>
         </mc:AlternateContent>
-        <mc:AlternateContent xmlns:mc="http://schemas.openxmlformats.org/markup-compatibility/2006">
-          <mc:Choice xmlns:p14="http://schemas.microsoft.com/office/powerpoint/2010/main" Requires="p14">
+        <mc:AlternateContent xmlns:mc="http://schemas.openxmlformats.org/markup-compatibility/2006" xmlns:p14="http://schemas.microsoft.com/office/powerpoint/2010/main">
+          <mc:Choice Requires="p14">
             <p:contentPart p14:bwMode="auto" r:id="rId37">
               <p14:nvContentPartPr>
                 <p14:cNvPr id="25" name="Ink 24">
@@ -14511,7 +15049,7 @@
               </p14:xfrm>
             </p:contentPart>
           </mc:Choice>
-          <mc:Fallback>
+          <mc:Fallback xmlns="">
             <p:pic>
               <p:nvPicPr>
                 <p:cNvPr id="25" name="Ink 24">
@@ -14542,8 +15080,8 @@
             </p:pic>
           </mc:Fallback>
         </mc:AlternateContent>
-        <mc:AlternateContent xmlns:mc="http://schemas.openxmlformats.org/markup-compatibility/2006">
-          <mc:Choice xmlns:p14="http://schemas.microsoft.com/office/powerpoint/2010/main" Requires="p14">
+        <mc:AlternateContent xmlns:mc="http://schemas.openxmlformats.org/markup-compatibility/2006" xmlns:p14="http://schemas.microsoft.com/office/powerpoint/2010/main">
+          <mc:Choice Requires="p14">
             <p:contentPart p14:bwMode="auto" r:id="rId39">
               <p14:nvContentPartPr>
                 <p14:cNvPr id="26" name="Ink 25">
@@ -14562,7 +15100,7 @@
               </p14:xfrm>
             </p:contentPart>
           </mc:Choice>
-          <mc:Fallback>
+          <mc:Fallback xmlns="">
             <p:pic>
               <p:nvPicPr>
                 <p:cNvPr id="26" name="Ink 25">
@@ -14593,8 +15131,8 @@
             </p:pic>
           </mc:Fallback>
         </mc:AlternateContent>
-        <mc:AlternateContent xmlns:mc="http://schemas.openxmlformats.org/markup-compatibility/2006">
-          <mc:Choice xmlns:p14="http://schemas.microsoft.com/office/powerpoint/2010/main" Requires="p14">
+        <mc:AlternateContent xmlns:mc="http://schemas.openxmlformats.org/markup-compatibility/2006" xmlns:p14="http://schemas.microsoft.com/office/powerpoint/2010/main">
+          <mc:Choice Requires="p14">
             <p:contentPart p14:bwMode="auto" r:id="rId41">
               <p14:nvContentPartPr>
                 <p14:cNvPr id="28" name="Ink 27">
@@ -14613,7 +15151,7 @@
               </p14:xfrm>
             </p:contentPart>
           </mc:Choice>
-          <mc:Fallback>
+          <mc:Fallback xmlns="">
             <p:pic>
               <p:nvPicPr>
                 <p:cNvPr id="28" name="Ink 27">
@@ -14644,8 +15182,8 @@
             </p:pic>
           </mc:Fallback>
         </mc:AlternateContent>
-        <mc:AlternateContent xmlns:mc="http://schemas.openxmlformats.org/markup-compatibility/2006">
-          <mc:Choice xmlns:p14="http://schemas.microsoft.com/office/powerpoint/2010/main" Requires="p14">
+        <mc:AlternateContent xmlns:mc="http://schemas.openxmlformats.org/markup-compatibility/2006" xmlns:p14="http://schemas.microsoft.com/office/powerpoint/2010/main">
+          <mc:Choice Requires="p14">
             <p:contentPart p14:bwMode="auto" r:id="rId43">
               <p14:nvContentPartPr>
                 <p14:cNvPr id="29" name="Ink 28">
@@ -14664,7 +15202,7 @@
               </p14:xfrm>
             </p:contentPart>
           </mc:Choice>
-          <mc:Fallback>
+          <mc:Fallback xmlns="">
             <p:pic>
               <p:nvPicPr>
                 <p:cNvPr id="29" name="Ink 28">
@@ -14695,8 +15233,8 @@
             </p:pic>
           </mc:Fallback>
         </mc:AlternateContent>
-        <mc:AlternateContent xmlns:mc="http://schemas.openxmlformats.org/markup-compatibility/2006">
-          <mc:Choice xmlns:p14="http://schemas.microsoft.com/office/powerpoint/2010/main" Requires="p14">
+        <mc:AlternateContent xmlns:mc="http://schemas.openxmlformats.org/markup-compatibility/2006" xmlns:p14="http://schemas.microsoft.com/office/powerpoint/2010/main">
+          <mc:Choice Requires="p14">
             <p:contentPart p14:bwMode="auto" r:id="rId45">
               <p14:nvContentPartPr>
                 <p14:cNvPr id="30" name="Ink 29">
@@ -14715,7 +15253,7 @@
               </p14:xfrm>
             </p:contentPart>
           </mc:Choice>
-          <mc:Fallback>
+          <mc:Fallback xmlns="">
             <p:pic>
               <p:nvPicPr>
                 <p:cNvPr id="30" name="Ink 29">
@@ -14746,8 +15284,8 @@
             </p:pic>
           </mc:Fallback>
         </mc:AlternateContent>
-        <mc:AlternateContent xmlns:mc="http://schemas.openxmlformats.org/markup-compatibility/2006">
-          <mc:Choice xmlns:p14="http://schemas.microsoft.com/office/powerpoint/2010/main" Requires="p14">
+        <mc:AlternateContent xmlns:mc="http://schemas.openxmlformats.org/markup-compatibility/2006" xmlns:p14="http://schemas.microsoft.com/office/powerpoint/2010/main">
+          <mc:Choice Requires="p14">
             <p:contentPart p14:bwMode="auto" r:id="rId47">
               <p14:nvContentPartPr>
                 <p14:cNvPr id="31" name="Ink 30">
@@ -14766,7 +15304,7 @@
               </p14:xfrm>
             </p:contentPart>
           </mc:Choice>
-          <mc:Fallback>
+          <mc:Fallback xmlns="">
             <p:pic>
               <p:nvPicPr>
                 <p:cNvPr id="31" name="Ink 30">
@@ -14797,8 +15335,8 @@
             </p:pic>
           </mc:Fallback>
         </mc:AlternateContent>
-        <mc:AlternateContent xmlns:mc="http://schemas.openxmlformats.org/markup-compatibility/2006">
-          <mc:Choice xmlns:p14="http://schemas.microsoft.com/office/powerpoint/2010/main" Requires="p14">
+        <mc:AlternateContent xmlns:mc="http://schemas.openxmlformats.org/markup-compatibility/2006" xmlns:p14="http://schemas.microsoft.com/office/powerpoint/2010/main">
+          <mc:Choice Requires="p14">
             <p:contentPart p14:bwMode="auto" r:id="rId49">
               <p14:nvContentPartPr>
                 <p14:cNvPr id="32" name="Ink 31">
@@ -14817,7 +15355,7 @@
               </p14:xfrm>
             </p:contentPart>
           </mc:Choice>
-          <mc:Fallback>
+          <mc:Fallback xmlns="">
             <p:pic>
               <p:nvPicPr>
                 <p:cNvPr id="32" name="Ink 31">
@@ -14848,8 +15386,8 @@
             </p:pic>
           </mc:Fallback>
         </mc:AlternateContent>
-        <mc:AlternateContent xmlns:mc="http://schemas.openxmlformats.org/markup-compatibility/2006">
-          <mc:Choice xmlns:p14="http://schemas.microsoft.com/office/powerpoint/2010/main" Requires="p14">
+        <mc:AlternateContent xmlns:mc="http://schemas.openxmlformats.org/markup-compatibility/2006" xmlns:p14="http://schemas.microsoft.com/office/powerpoint/2010/main">
+          <mc:Choice Requires="p14">
             <p:contentPart p14:bwMode="auto" r:id="rId51">
               <p14:nvContentPartPr>
                 <p14:cNvPr id="33" name="Ink 32">
@@ -14868,7 +15406,7 @@
               </p14:xfrm>
             </p:contentPart>
           </mc:Choice>
-          <mc:Fallback>
+          <mc:Fallback xmlns="">
             <p:pic>
               <p:nvPicPr>
                 <p:cNvPr id="33" name="Ink 32">
@@ -14899,8 +15437,8 @@
             </p:pic>
           </mc:Fallback>
         </mc:AlternateContent>
-        <mc:AlternateContent xmlns:mc="http://schemas.openxmlformats.org/markup-compatibility/2006">
-          <mc:Choice xmlns:p14="http://schemas.microsoft.com/office/powerpoint/2010/main" Requires="p14">
+        <mc:AlternateContent xmlns:mc="http://schemas.openxmlformats.org/markup-compatibility/2006" xmlns:p14="http://schemas.microsoft.com/office/powerpoint/2010/main">
+          <mc:Choice Requires="p14">
             <p:contentPart p14:bwMode="auto" r:id="rId53">
               <p14:nvContentPartPr>
                 <p14:cNvPr id="34" name="Ink 33">
@@ -14919,7 +15457,7 @@
               </p14:xfrm>
             </p:contentPart>
           </mc:Choice>
-          <mc:Fallback>
+          <mc:Fallback xmlns="">
             <p:pic>
               <p:nvPicPr>
                 <p:cNvPr id="34" name="Ink 33">
@@ -14950,8 +15488,8 @@
             </p:pic>
           </mc:Fallback>
         </mc:AlternateContent>
-        <mc:AlternateContent xmlns:mc="http://schemas.openxmlformats.org/markup-compatibility/2006">
-          <mc:Choice xmlns:p14="http://schemas.microsoft.com/office/powerpoint/2010/main" Requires="p14">
+        <mc:AlternateContent xmlns:mc="http://schemas.openxmlformats.org/markup-compatibility/2006" xmlns:p14="http://schemas.microsoft.com/office/powerpoint/2010/main">
+          <mc:Choice Requires="p14">
             <p:contentPart p14:bwMode="auto" r:id="rId55">
               <p14:nvContentPartPr>
                 <p14:cNvPr id="36" name="Ink 35">
@@ -14970,7 +15508,7 @@
               </p14:xfrm>
             </p:contentPart>
           </mc:Choice>
-          <mc:Fallback>
+          <mc:Fallback xmlns="">
             <p:pic>
               <p:nvPicPr>
                 <p:cNvPr id="36" name="Ink 35">
@@ -15001,8 +15539,8 @@
             </p:pic>
           </mc:Fallback>
         </mc:AlternateContent>
-        <mc:AlternateContent xmlns:mc="http://schemas.openxmlformats.org/markup-compatibility/2006">
-          <mc:Choice xmlns:p14="http://schemas.microsoft.com/office/powerpoint/2010/main" Requires="p14">
+        <mc:AlternateContent xmlns:mc="http://schemas.openxmlformats.org/markup-compatibility/2006" xmlns:p14="http://schemas.microsoft.com/office/powerpoint/2010/main">
+          <mc:Choice Requires="p14">
             <p:contentPart p14:bwMode="auto" r:id="rId57">
               <p14:nvContentPartPr>
                 <p14:cNvPr id="37" name="Ink 36">
@@ -15021,7 +15559,7 @@
               </p14:xfrm>
             </p:contentPart>
           </mc:Choice>
-          <mc:Fallback>
+          <mc:Fallback xmlns="">
             <p:pic>
               <p:nvPicPr>
                 <p:cNvPr id="37" name="Ink 36">
@@ -15052,8 +15590,8 @@
             </p:pic>
           </mc:Fallback>
         </mc:AlternateContent>
-        <mc:AlternateContent xmlns:mc="http://schemas.openxmlformats.org/markup-compatibility/2006">
-          <mc:Choice xmlns:p14="http://schemas.microsoft.com/office/powerpoint/2010/main" Requires="p14">
+        <mc:AlternateContent xmlns:mc="http://schemas.openxmlformats.org/markup-compatibility/2006" xmlns:p14="http://schemas.microsoft.com/office/powerpoint/2010/main">
+          <mc:Choice Requires="p14">
             <p:contentPart p14:bwMode="auto" r:id="rId59">
               <p14:nvContentPartPr>
                 <p14:cNvPr id="38" name="Ink 37">
@@ -15072,7 +15610,7 @@
               </p14:xfrm>
             </p:contentPart>
           </mc:Choice>
-          <mc:Fallback>
+          <mc:Fallback xmlns="">
             <p:pic>
               <p:nvPicPr>
                 <p:cNvPr id="38" name="Ink 37">
@@ -15103,8 +15641,8 @@
             </p:pic>
           </mc:Fallback>
         </mc:AlternateContent>
-        <mc:AlternateContent xmlns:mc="http://schemas.openxmlformats.org/markup-compatibility/2006">
-          <mc:Choice xmlns:p14="http://schemas.microsoft.com/office/powerpoint/2010/main" Requires="p14">
+        <mc:AlternateContent xmlns:mc="http://schemas.openxmlformats.org/markup-compatibility/2006" xmlns:p14="http://schemas.microsoft.com/office/powerpoint/2010/main">
+          <mc:Choice Requires="p14">
             <p:contentPart p14:bwMode="auto" r:id="rId61">
               <p14:nvContentPartPr>
                 <p14:cNvPr id="39" name="Ink 38">
@@ -15123,7 +15661,7 @@
               </p14:xfrm>
             </p:contentPart>
           </mc:Choice>
-          <mc:Fallback>
+          <mc:Fallback xmlns="">
             <p:pic>
               <p:nvPicPr>
                 <p:cNvPr id="39" name="Ink 38">
@@ -15154,8 +15692,8 @@
             </p:pic>
           </mc:Fallback>
         </mc:AlternateContent>
-        <mc:AlternateContent xmlns:mc="http://schemas.openxmlformats.org/markup-compatibility/2006">
-          <mc:Choice xmlns:p14="http://schemas.microsoft.com/office/powerpoint/2010/main" Requires="p14">
+        <mc:AlternateContent xmlns:mc="http://schemas.openxmlformats.org/markup-compatibility/2006" xmlns:p14="http://schemas.microsoft.com/office/powerpoint/2010/main">
+          <mc:Choice Requires="p14">
             <p:contentPart p14:bwMode="auto" r:id="rId63">
               <p14:nvContentPartPr>
                 <p14:cNvPr id="40" name="Ink 39">
@@ -15174,7 +15712,7 @@
               </p14:xfrm>
             </p:contentPart>
           </mc:Choice>
-          <mc:Fallback>
+          <mc:Fallback xmlns="">
             <p:pic>
               <p:nvPicPr>
                 <p:cNvPr id="40" name="Ink 39">
@@ -15205,8 +15743,8 @@
             </p:pic>
           </mc:Fallback>
         </mc:AlternateContent>
-        <mc:AlternateContent xmlns:mc="http://schemas.openxmlformats.org/markup-compatibility/2006">
-          <mc:Choice xmlns:p14="http://schemas.microsoft.com/office/powerpoint/2010/main" Requires="p14">
+        <mc:AlternateContent xmlns:mc="http://schemas.openxmlformats.org/markup-compatibility/2006" xmlns:p14="http://schemas.microsoft.com/office/powerpoint/2010/main">
+          <mc:Choice Requires="p14">
             <p:contentPart p14:bwMode="auto" r:id="rId65">
               <p14:nvContentPartPr>
                 <p14:cNvPr id="41" name="Ink 40">
@@ -15225,7 +15763,7 @@
               </p14:xfrm>
             </p:contentPart>
           </mc:Choice>
-          <mc:Fallback>
+          <mc:Fallback xmlns="">
             <p:pic>
               <p:nvPicPr>
                 <p:cNvPr id="41" name="Ink 40">
@@ -15256,8 +15794,8 @@
             </p:pic>
           </mc:Fallback>
         </mc:AlternateContent>
-        <mc:AlternateContent xmlns:mc="http://schemas.openxmlformats.org/markup-compatibility/2006">
-          <mc:Choice xmlns:p14="http://schemas.microsoft.com/office/powerpoint/2010/main" Requires="p14">
+        <mc:AlternateContent xmlns:mc="http://schemas.openxmlformats.org/markup-compatibility/2006" xmlns:p14="http://schemas.microsoft.com/office/powerpoint/2010/main">
+          <mc:Choice Requires="p14">
             <p:contentPart p14:bwMode="auto" r:id="rId67">
               <p14:nvContentPartPr>
                 <p14:cNvPr id="42" name="Ink 41">
@@ -15276,7 +15814,7 @@
               </p14:xfrm>
             </p:contentPart>
           </mc:Choice>
-          <mc:Fallback>
+          <mc:Fallback xmlns="">
             <p:pic>
               <p:nvPicPr>
                 <p:cNvPr id="42" name="Ink 41">
@@ -15307,8 +15845,8 @@
             </p:pic>
           </mc:Fallback>
         </mc:AlternateContent>
-        <mc:AlternateContent xmlns:mc="http://schemas.openxmlformats.org/markup-compatibility/2006">
-          <mc:Choice xmlns:p14="http://schemas.microsoft.com/office/powerpoint/2010/main" Requires="p14">
+        <mc:AlternateContent xmlns:mc="http://schemas.openxmlformats.org/markup-compatibility/2006" xmlns:p14="http://schemas.microsoft.com/office/powerpoint/2010/main">
+          <mc:Choice Requires="p14">
             <p:contentPart p14:bwMode="auto" r:id="rId69">
               <p14:nvContentPartPr>
                 <p14:cNvPr id="43" name="Ink 42">
@@ -15327,7 +15865,7 @@
               </p14:xfrm>
             </p:contentPart>
           </mc:Choice>
-          <mc:Fallback>
+          <mc:Fallback xmlns="">
             <p:pic>
               <p:nvPicPr>
                 <p:cNvPr id="43" name="Ink 42">
@@ -15358,8 +15896,8 @@
             </p:pic>
           </mc:Fallback>
         </mc:AlternateContent>
-        <mc:AlternateContent xmlns:mc="http://schemas.openxmlformats.org/markup-compatibility/2006">
-          <mc:Choice xmlns:p14="http://schemas.microsoft.com/office/powerpoint/2010/main" Requires="p14">
+        <mc:AlternateContent xmlns:mc="http://schemas.openxmlformats.org/markup-compatibility/2006" xmlns:p14="http://schemas.microsoft.com/office/powerpoint/2010/main">
+          <mc:Choice Requires="p14">
             <p:contentPart p14:bwMode="auto" r:id="rId71">
               <p14:nvContentPartPr>
                 <p14:cNvPr id="44" name="Ink 43">
@@ -15378,7 +15916,7 @@
               </p14:xfrm>
             </p:contentPart>
           </mc:Choice>
-          <mc:Fallback>
+          <mc:Fallback xmlns="">
             <p:pic>
               <p:nvPicPr>
                 <p:cNvPr id="44" name="Ink 43">
@@ -15409,8 +15947,8 @@
             </p:pic>
           </mc:Fallback>
         </mc:AlternateContent>
-        <mc:AlternateContent xmlns:mc="http://schemas.openxmlformats.org/markup-compatibility/2006">
-          <mc:Choice xmlns:p14="http://schemas.microsoft.com/office/powerpoint/2010/main" Requires="p14">
+        <mc:AlternateContent xmlns:mc="http://schemas.openxmlformats.org/markup-compatibility/2006" xmlns:p14="http://schemas.microsoft.com/office/powerpoint/2010/main">
+          <mc:Choice Requires="p14">
             <p:contentPart p14:bwMode="auto" r:id="rId73">
               <p14:nvContentPartPr>
                 <p14:cNvPr id="45" name="Ink 44">
@@ -15429,7 +15967,7 @@
               </p14:xfrm>
             </p:contentPart>
           </mc:Choice>
-          <mc:Fallback>
+          <mc:Fallback xmlns="">
             <p:pic>
               <p:nvPicPr>
                 <p:cNvPr id="45" name="Ink 44">
@@ -15460,8 +15998,8 @@
             </p:pic>
           </mc:Fallback>
         </mc:AlternateContent>
-        <mc:AlternateContent xmlns:mc="http://schemas.openxmlformats.org/markup-compatibility/2006">
-          <mc:Choice xmlns:p14="http://schemas.microsoft.com/office/powerpoint/2010/main" Requires="p14">
+        <mc:AlternateContent xmlns:mc="http://schemas.openxmlformats.org/markup-compatibility/2006" xmlns:p14="http://schemas.microsoft.com/office/powerpoint/2010/main">
+          <mc:Choice Requires="p14">
             <p:contentPart p14:bwMode="auto" r:id="rId75">
               <p14:nvContentPartPr>
                 <p14:cNvPr id="46" name="Ink 45">
@@ -15480,7 +16018,7 @@
               </p14:xfrm>
             </p:contentPart>
           </mc:Choice>
-          <mc:Fallback>
+          <mc:Fallback xmlns="">
             <p:pic>
               <p:nvPicPr>
                 <p:cNvPr id="46" name="Ink 45">
@@ -15511,8 +16049,8 @@
             </p:pic>
           </mc:Fallback>
         </mc:AlternateContent>
-        <mc:AlternateContent xmlns:mc="http://schemas.openxmlformats.org/markup-compatibility/2006">
-          <mc:Choice xmlns:p14="http://schemas.microsoft.com/office/powerpoint/2010/main" Requires="p14">
+        <mc:AlternateContent xmlns:mc="http://schemas.openxmlformats.org/markup-compatibility/2006" xmlns:p14="http://schemas.microsoft.com/office/powerpoint/2010/main">
+          <mc:Choice Requires="p14">
             <p:contentPart p14:bwMode="auto" r:id="rId77">
               <p14:nvContentPartPr>
                 <p14:cNvPr id="47" name="Ink 46">
@@ -15531,7 +16069,7 @@
               </p14:xfrm>
             </p:contentPart>
           </mc:Choice>
-          <mc:Fallback>
+          <mc:Fallback xmlns="">
             <p:pic>
               <p:nvPicPr>
                 <p:cNvPr id="47" name="Ink 46">
@@ -15562,8 +16100,8 @@
             </p:pic>
           </mc:Fallback>
         </mc:AlternateContent>
-        <mc:AlternateContent xmlns:mc="http://schemas.openxmlformats.org/markup-compatibility/2006">
-          <mc:Choice xmlns:p14="http://schemas.microsoft.com/office/powerpoint/2010/main" Requires="p14">
+        <mc:AlternateContent xmlns:mc="http://schemas.openxmlformats.org/markup-compatibility/2006" xmlns:p14="http://schemas.microsoft.com/office/powerpoint/2010/main">
+          <mc:Choice Requires="p14">
             <p:contentPart p14:bwMode="auto" r:id="rId79">
               <p14:nvContentPartPr>
                 <p14:cNvPr id="48" name="Ink 47">
@@ -15582,7 +16120,7 @@
               </p14:xfrm>
             </p:contentPart>
           </mc:Choice>
-          <mc:Fallback>
+          <mc:Fallback xmlns="">
             <p:pic>
               <p:nvPicPr>
                 <p:cNvPr id="48" name="Ink 47">
@@ -15613,8 +16151,8 @@
             </p:pic>
           </mc:Fallback>
         </mc:AlternateContent>
-        <mc:AlternateContent xmlns:mc="http://schemas.openxmlformats.org/markup-compatibility/2006">
-          <mc:Choice xmlns:p14="http://schemas.microsoft.com/office/powerpoint/2010/main" Requires="p14">
+        <mc:AlternateContent xmlns:mc="http://schemas.openxmlformats.org/markup-compatibility/2006" xmlns:p14="http://schemas.microsoft.com/office/powerpoint/2010/main">
+          <mc:Choice Requires="p14">
             <p:contentPart p14:bwMode="auto" r:id="rId81">
               <p14:nvContentPartPr>
                 <p14:cNvPr id="49" name="Ink 48">
@@ -15633,7 +16171,7 @@
               </p14:xfrm>
             </p:contentPart>
           </mc:Choice>
-          <mc:Fallback>
+          <mc:Fallback xmlns="">
             <p:pic>
               <p:nvPicPr>
                 <p:cNvPr id="49" name="Ink 48">
@@ -15664,8 +16202,8 @@
             </p:pic>
           </mc:Fallback>
         </mc:AlternateContent>
-        <mc:AlternateContent xmlns:mc="http://schemas.openxmlformats.org/markup-compatibility/2006">
-          <mc:Choice xmlns:p14="http://schemas.microsoft.com/office/powerpoint/2010/main" Requires="p14">
+        <mc:AlternateContent xmlns:mc="http://schemas.openxmlformats.org/markup-compatibility/2006" xmlns:p14="http://schemas.microsoft.com/office/powerpoint/2010/main">
+          <mc:Choice Requires="p14">
             <p:contentPart p14:bwMode="auto" r:id="rId83">
               <p14:nvContentPartPr>
                 <p14:cNvPr id="50" name="Ink 49">
@@ -15684,7 +16222,7 @@
               </p14:xfrm>
             </p:contentPart>
           </mc:Choice>
-          <mc:Fallback>
+          <mc:Fallback xmlns="">
             <p:pic>
               <p:nvPicPr>
                 <p:cNvPr id="50" name="Ink 49">
@@ -15715,8 +16253,8 @@
             </p:pic>
           </mc:Fallback>
         </mc:AlternateContent>
-        <mc:AlternateContent xmlns:mc="http://schemas.openxmlformats.org/markup-compatibility/2006">
-          <mc:Choice xmlns:p14="http://schemas.microsoft.com/office/powerpoint/2010/main" Requires="p14">
+        <mc:AlternateContent xmlns:mc="http://schemas.openxmlformats.org/markup-compatibility/2006" xmlns:p14="http://schemas.microsoft.com/office/powerpoint/2010/main">
+          <mc:Choice Requires="p14">
             <p:contentPart p14:bwMode="auto" r:id="rId85">
               <p14:nvContentPartPr>
                 <p14:cNvPr id="51" name="Ink 50">
@@ -15735,7 +16273,7 @@
               </p14:xfrm>
             </p:contentPart>
           </mc:Choice>
-          <mc:Fallback>
+          <mc:Fallback xmlns="">
             <p:pic>
               <p:nvPicPr>
                 <p:cNvPr id="51" name="Ink 50">
@@ -15766,8 +16304,8 @@
             </p:pic>
           </mc:Fallback>
         </mc:AlternateContent>
-        <mc:AlternateContent xmlns:mc="http://schemas.openxmlformats.org/markup-compatibility/2006">
-          <mc:Choice xmlns:p14="http://schemas.microsoft.com/office/powerpoint/2010/main" Requires="p14">
+        <mc:AlternateContent xmlns:mc="http://schemas.openxmlformats.org/markup-compatibility/2006" xmlns:p14="http://schemas.microsoft.com/office/powerpoint/2010/main">
+          <mc:Choice Requires="p14">
             <p:contentPart p14:bwMode="auto" r:id="rId87">
               <p14:nvContentPartPr>
                 <p14:cNvPr id="52" name="Ink 51">
@@ -15786,7 +16324,7 @@
               </p14:xfrm>
             </p:contentPart>
           </mc:Choice>
-          <mc:Fallback>
+          <mc:Fallback xmlns="">
             <p:pic>
               <p:nvPicPr>
                 <p:cNvPr id="52" name="Ink 51">
@@ -15817,8 +16355,8 @@
             </p:pic>
           </mc:Fallback>
         </mc:AlternateContent>
-        <mc:AlternateContent xmlns:mc="http://schemas.openxmlformats.org/markup-compatibility/2006">
-          <mc:Choice xmlns:p14="http://schemas.microsoft.com/office/powerpoint/2010/main" Requires="p14">
+        <mc:AlternateContent xmlns:mc="http://schemas.openxmlformats.org/markup-compatibility/2006" xmlns:p14="http://schemas.microsoft.com/office/powerpoint/2010/main">
+          <mc:Choice Requires="p14">
             <p:contentPart p14:bwMode="auto" r:id="rId89">
               <p14:nvContentPartPr>
                 <p14:cNvPr id="54" name="Ink 53">
@@ -15837,7 +16375,7 @@
               </p14:xfrm>
             </p:contentPart>
           </mc:Choice>
-          <mc:Fallback>
+          <mc:Fallback xmlns="">
             <p:pic>
               <p:nvPicPr>
                 <p:cNvPr id="54" name="Ink 53">
@@ -15868,8 +16406,8 @@
             </p:pic>
           </mc:Fallback>
         </mc:AlternateContent>
-        <mc:AlternateContent xmlns:mc="http://schemas.openxmlformats.org/markup-compatibility/2006">
-          <mc:Choice xmlns:p14="http://schemas.microsoft.com/office/powerpoint/2010/main" Requires="p14">
+        <mc:AlternateContent xmlns:mc="http://schemas.openxmlformats.org/markup-compatibility/2006" xmlns:p14="http://schemas.microsoft.com/office/powerpoint/2010/main">
+          <mc:Choice Requires="p14">
             <p:contentPart p14:bwMode="auto" r:id="rId91">
               <p14:nvContentPartPr>
                 <p14:cNvPr id="55" name="Ink 54">
@@ -15888,7 +16426,7 @@
               </p14:xfrm>
             </p:contentPart>
           </mc:Choice>
-          <mc:Fallback>
+          <mc:Fallback xmlns="">
             <p:pic>
               <p:nvPicPr>
                 <p:cNvPr id="55" name="Ink 54">
@@ -15919,8 +16457,8 @@
             </p:pic>
           </mc:Fallback>
         </mc:AlternateContent>
-        <mc:AlternateContent xmlns:mc="http://schemas.openxmlformats.org/markup-compatibility/2006">
-          <mc:Choice xmlns:p14="http://schemas.microsoft.com/office/powerpoint/2010/main" Requires="p14">
+        <mc:AlternateContent xmlns:mc="http://schemas.openxmlformats.org/markup-compatibility/2006" xmlns:p14="http://schemas.microsoft.com/office/powerpoint/2010/main">
+          <mc:Choice Requires="p14">
             <p:contentPart p14:bwMode="auto" r:id="rId93">
               <p14:nvContentPartPr>
                 <p14:cNvPr id="57" name="Ink 56">
@@ -15939,7 +16477,7 @@
               </p14:xfrm>
             </p:contentPart>
           </mc:Choice>
-          <mc:Fallback>
+          <mc:Fallback xmlns="">
             <p:pic>
               <p:nvPicPr>
                 <p:cNvPr id="57" name="Ink 56">
@@ -15970,8 +16508,8 @@
             </p:pic>
           </mc:Fallback>
         </mc:AlternateContent>
-        <mc:AlternateContent xmlns:mc="http://schemas.openxmlformats.org/markup-compatibility/2006">
-          <mc:Choice xmlns:p14="http://schemas.microsoft.com/office/powerpoint/2010/main" Requires="p14">
+        <mc:AlternateContent xmlns:mc="http://schemas.openxmlformats.org/markup-compatibility/2006" xmlns:p14="http://schemas.microsoft.com/office/powerpoint/2010/main">
+          <mc:Choice Requires="p14">
             <p:contentPart p14:bwMode="auto" r:id="rId95">
               <p14:nvContentPartPr>
                 <p14:cNvPr id="59" name="Ink 58">
@@ -15990,7 +16528,7 @@
               </p14:xfrm>
             </p:contentPart>
           </mc:Choice>
-          <mc:Fallback>
+          <mc:Fallback xmlns="">
             <p:pic>
               <p:nvPicPr>
                 <p:cNvPr id="59" name="Ink 58">
@@ -16021,8 +16559,8 @@
             </p:pic>
           </mc:Fallback>
         </mc:AlternateContent>
-        <mc:AlternateContent xmlns:mc="http://schemas.openxmlformats.org/markup-compatibility/2006">
-          <mc:Choice xmlns:p14="http://schemas.microsoft.com/office/powerpoint/2010/main" Requires="p14">
+        <mc:AlternateContent xmlns:mc="http://schemas.openxmlformats.org/markup-compatibility/2006" xmlns:p14="http://schemas.microsoft.com/office/powerpoint/2010/main">
+          <mc:Choice Requires="p14">
             <p:contentPart p14:bwMode="auto" r:id="rId97">
               <p14:nvContentPartPr>
                 <p14:cNvPr id="61" name="Ink 60">
@@ -16041,7 +16579,7 @@
               </p14:xfrm>
             </p:contentPart>
           </mc:Choice>
-          <mc:Fallback>
+          <mc:Fallback xmlns="">
             <p:pic>
               <p:nvPicPr>
                 <p:cNvPr id="61" name="Ink 60">
@@ -16354,13 +16892,13 @@
   <p:clrMapOvr>
     <a:masterClrMapping/>
   </p:clrMapOvr>
-  <mc:AlternateContent xmlns:mc="http://schemas.openxmlformats.org/markup-compatibility/2006">
-    <mc:Choice xmlns:p14="http://schemas.microsoft.com/office/powerpoint/2010/main" Requires="p14">
+  <mc:AlternateContent xmlns:mc="http://schemas.openxmlformats.org/markup-compatibility/2006" xmlns:p14="http://schemas.microsoft.com/office/powerpoint/2010/main">
+    <mc:Choice Requires="p14">
       <p:transition spd="med" p14:dur="700">
         <p:fade/>
       </p:transition>
     </mc:Choice>
-    <mc:Fallback>
+    <mc:Fallback xmlns="">
       <p:transition spd="med">
         <p:fade/>
       </p:transition>
@@ -16689,8 +17227,8 @@
             <a:chExt cx="5194440" cy="3080520"/>
           </a:xfrm>
         </p:grpSpPr>
-        <mc:AlternateContent xmlns:mc="http://schemas.openxmlformats.org/markup-compatibility/2006">
-          <mc:Choice xmlns:p14="http://schemas.microsoft.com/office/powerpoint/2010/main" Requires="p14">
+        <mc:AlternateContent xmlns:mc="http://schemas.openxmlformats.org/markup-compatibility/2006" xmlns:p14="http://schemas.microsoft.com/office/powerpoint/2010/main">
+          <mc:Choice Requires="p14">
             <p:contentPart p14:bwMode="auto" r:id="rId3">
               <p14:nvContentPartPr>
                 <p14:cNvPr id="4" name="Ink 3">
@@ -16709,7 +17247,7 @@
               </p14:xfrm>
             </p:contentPart>
           </mc:Choice>
-          <mc:Fallback>
+          <mc:Fallback xmlns="">
             <p:pic>
               <p:nvPicPr>
                 <p:cNvPr id="4" name="Ink 3">
@@ -16740,8 +17278,8 @@
             </p:pic>
           </mc:Fallback>
         </mc:AlternateContent>
-        <mc:AlternateContent xmlns:mc="http://schemas.openxmlformats.org/markup-compatibility/2006">
-          <mc:Choice xmlns:p14="http://schemas.microsoft.com/office/powerpoint/2010/main" Requires="p14">
+        <mc:AlternateContent xmlns:mc="http://schemas.openxmlformats.org/markup-compatibility/2006" xmlns:p14="http://schemas.microsoft.com/office/powerpoint/2010/main">
+          <mc:Choice Requires="p14">
             <p:contentPart p14:bwMode="auto" r:id="rId5">
               <p14:nvContentPartPr>
                 <p14:cNvPr id="5" name="Ink 4">
@@ -16760,7 +17298,7 @@
               </p14:xfrm>
             </p:contentPart>
           </mc:Choice>
-          <mc:Fallback>
+          <mc:Fallback xmlns="">
             <p:pic>
               <p:nvPicPr>
                 <p:cNvPr id="5" name="Ink 4">
@@ -16791,8 +17329,8 @@
             </p:pic>
           </mc:Fallback>
         </mc:AlternateContent>
-        <mc:AlternateContent xmlns:mc="http://schemas.openxmlformats.org/markup-compatibility/2006">
-          <mc:Choice xmlns:p14="http://schemas.microsoft.com/office/powerpoint/2010/main" Requires="p14">
+        <mc:AlternateContent xmlns:mc="http://schemas.openxmlformats.org/markup-compatibility/2006" xmlns:p14="http://schemas.microsoft.com/office/powerpoint/2010/main">
+          <mc:Choice Requires="p14">
             <p:contentPart p14:bwMode="auto" r:id="rId7">
               <p14:nvContentPartPr>
                 <p14:cNvPr id="6" name="Ink 5">
@@ -16811,7 +17349,7 @@
               </p14:xfrm>
             </p:contentPart>
           </mc:Choice>
-          <mc:Fallback>
+          <mc:Fallback xmlns="">
             <p:pic>
               <p:nvPicPr>
                 <p:cNvPr id="6" name="Ink 5">
@@ -16842,8 +17380,8 @@
             </p:pic>
           </mc:Fallback>
         </mc:AlternateContent>
-        <mc:AlternateContent xmlns:mc="http://schemas.openxmlformats.org/markup-compatibility/2006">
-          <mc:Choice xmlns:p14="http://schemas.microsoft.com/office/powerpoint/2010/main" Requires="p14">
+        <mc:AlternateContent xmlns:mc="http://schemas.openxmlformats.org/markup-compatibility/2006" xmlns:p14="http://schemas.microsoft.com/office/powerpoint/2010/main">
+          <mc:Choice Requires="p14">
             <p:contentPart p14:bwMode="auto" r:id="rId9">
               <p14:nvContentPartPr>
                 <p14:cNvPr id="7" name="Ink 6">
@@ -16862,7 +17400,7 @@
               </p14:xfrm>
             </p:contentPart>
           </mc:Choice>
-          <mc:Fallback>
+          <mc:Fallback xmlns="">
             <p:pic>
               <p:nvPicPr>
                 <p:cNvPr id="7" name="Ink 6">
@@ -16893,8 +17431,8 @@
             </p:pic>
           </mc:Fallback>
         </mc:AlternateContent>
-        <mc:AlternateContent xmlns:mc="http://schemas.openxmlformats.org/markup-compatibility/2006">
-          <mc:Choice xmlns:p14="http://schemas.microsoft.com/office/powerpoint/2010/main" Requires="p14">
+        <mc:AlternateContent xmlns:mc="http://schemas.openxmlformats.org/markup-compatibility/2006" xmlns:p14="http://schemas.microsoft.com/office/powerpoint/2010/main">
+          <mc:Choice Requires="p14">
             <p:contentPart p14:bwMode="auto" r:id="rId11">
               <p14:nvContentPartPr>
                 <p14:cNvPr id="8" name="Ink 7">
@@ -16913,7 +17451,7 @@
               </p14:xfrm>
             </p:contentPart>
           </mc:Choice>
-          <mc:Fallback>
+          <mc:Fallback xmlns="">
             <p:pic>
               <p:nvPicPr>
                 <p:cNvPr id="8" name="Ink 7">
@@ -16944,8 +17482,8 @@
             </p:pic>
           </mc:Fallback>
         </mc:AlternateContent>
-        <mc:AlternateContent xmlns:mc="http://schemas.openxmlformats.org/markup-compatibility/2006">
-          <mc:Choice xmlns:p14="http://schemas.microsoft.com/office/powerpoint/2010/main" Requires="p14">
+        <mc:AlternateContent xmlns:mc="http://schemas.openxmlformats.org/markup-compatibility/2006" xmlns:p14="http://schemas.microsoft.com/office/powerpoint/2010/main">
+          <mc:Choice Requires="p14">
             <p:contentPart p14:bwMode="auto" r:id="rId13">
               <p14:nvContentPartPr>
                 <p14:cNvPr id="9" name="Ink 8">
@@ -16964,7 +17502,7 @@
               </p14:xfrm>
             </p:contentPart>
           </mc:Choice>
-          <mc:Fallback>
+          <mc:Fallback xmlns="">
             <p:pic>
               <p:nvPicPr>
                 <p:cNvPr id="9" name="Ink 8">
@@ -16995,8 +17533,8 @@
             </p:pic>
           </mc:Fallback>
         </mc:AlternateContent>
-        <mc:AlternateContent xmlns:mc="http://schemas.openxmlformats.org/markup-compatibility/2006">
-          <mc:Choice xmlns:p14="http://schemas.microsoft.com/office/powerpoint/2010/main" Requires="p14">
+        <mc:AlternateContent xmlns:mc="http://schemas.openxmlformats.org/markup-compatibility/2006" xmlns:p14="http://schemas.microsoft.com/office/powerpoint/2010/main">
+          <mc:Choice Requires="p14">
             <p:contentPart p14:bwMode="auto" r:id="rId15">
               <p14:nvContentPartPr>
                 <p14:cNvPr id="10" name="Ink 9">
@@ -17015,7 +17553,7 @@
               </p14:xfrm>
             </p:contentPart>
           </mc:Choice>
-          <mc:Fallback>
+          <mc:Fallback xmlns="">
             <p:pic>
               <p:nvPicPr>
                 <p:cNvPr id="10" name="Ink 9">
@@ -17046,8 +17584,8 @@
             </p:pic>
           </mc:Fallback>
         </mc:AlternateContent>
-        <mc:AlternateContent xmlns:mc="http://schemas.openxmlformats.org/markup-compatibility/2006">
-          <mc:Choice xmlns:p14="http://schemas.microsoft.com/office/powerpoint/2010/main" Requires="p14">
+        <mc:AlternateContent xmlns:mc="http://schemas.openxmlformats.org/markup-compatibility/2006" xmlns:p14="http://schemas.microsoft.com/office/powerpoint/2010/main">
+          <mc:Choice Requires="p14">
             <p:contentPart p14:bwMode="auto" r:id="rId17">
               <p14:nvContentPartPr>
                 <p14:cNvPr id="12" name="Ink 11">
@@ -17066,7 +17604,7 @@
               </p14:xfrm>
             </p:contentPart>
           </mc:Choice>
-          <mc:Fallback>
+          <mc:Fallback xmlns="">
             <p:pic>
               <p:nvPicPr>
                 <p:cNvPr id="12" name="Ink 11">
@@ -17097,8 +17635,8 @@
             </p:pic>
           </mc:Fallback>
         </mc:AlternateContent>
-        <mc:AlternateContent xmlns:mc="http://schemas.openxmlformats.org/markup-compatibility/2006">
-          <mc:Choice xmlns:p14="http://schemas.microsoft.com/office/powerpoint/2010/main" Requires="p14">
+        <mc:AlternateContent xmlns:mc="http://schemas.openxmlformats.org/markup-compatibility/2006" xmlns:p14="http://schemas.microsoft.com/office/powerpoint/2010/main">
+          <mc:Choice Requires="p14">
             <p:contentPart p14:bwMode="auto" r:id="rId19">
               <p14:nvContentPartPr>
                 <p14:cNvPr id="14" name="Ink 13">
@@ -17117,7 +17655,7 @@
               </p14:xfrm>
             </p:contentPart>
           </mc:Choice>
-          <mc:Fallback>
+          <mc:Fallback xmlns="">
             <p:pic>
               <p:nvPicPr>
                 <p:cNvPr id="14" name="Ink 13">
@@ -17148,8 +17686,8 @@
             </p:pic>
           </mc:Fallback>
         </mc:AlternateContent>
-        <mc:AlternateContent xmlns:mc="http://schemas.openxmlformats.org/markup-compatibility/2006">
-          <mc:Choice xmlns:p14="http://schemas.microsoft.com/office/powerpoint/2010/main" Requires="p14">
+        <mc:AlternateContent xmlns:mc="http://schemas.openxmlformats.org/markup-compatibility/2006" xmlns:p14="http://schemas.microsoft.com/office/powerpoint/2010/main">
+          <mc:Choice Requires="p14">
             <p:contentPart p14:bwMode="auto" r:id="rId21">
               <p14:nvContentPartPr>
                 <p14:cNvPr id="15" name="Ink 14">
@@ -17168,7 +17706,7 @@
               </p14:xfrm>
             </p:contentPart>
           </mc:Choice>
-          <mc:Fallback>
+          <mc:Fallback xmlns="">
             <p:pic>
               <p:nvPicPr>
                 <p:cNvPr id="15" name="Ink 14">
@@ -17199,8 +17737,8 @@
             </p:pic>
           </mc:Fallback>
         </mc:AlternateContent>
-        <mc:AlternateContent xmlns:mc="http://schemas.openxmlformats.org/markup-compatibility/2006">
-          <mc:Choice xmlns:p14="http://schemas.microsoft.com/office/powerpoint/2010/main" Requires="p14">
+        <mc:AlternateContent xmlns:mc="http://schemas.openxmlformats.org/markup-compatibility/2006" xmlns:p14="http://schemas.microsoft.com/office/powerpoint/2010/main">
+          <mc:Choice Requires="p14">
             <p:contentPart p14:bwMode="auto" r:id="rId23">
               <p14:nvContentPartPr>
                 <p14:cNvPr id="16" name="Ink 15">
@@ -17219,7 +17757,7 @@
               </p14:xfrm>
             </p:contentPart>
           </mc:Choice>
-          <mc:Fallback>
+          <mc:Fallback xmlns="">
             <p:pic>
               <p:nvPicPr>
                 <p:cNvPr id="16" name="Ink 15">
@@ -17250,8 +17788,8 @@
             </p:pic>
           </mc:Fallback>
         </mc:AlternateContent>
-        <mc:AlternateContent xmlns:mc="http://schemas.openxmlformats.org/markup-compatibility/2006">
-          <mc:Choice xmlns:p14="http://schemas.microsoft.com/office/powerpoint/2010/main" Requires="p14">
+        <mc:AlternateContent xmlns:mc="http://schemas.openxmlformats.org/markup-compatibility/2006" xmlns:p14="http://schemas.microsoft.com/office/powerpoint/2010/main">
+          <mc:Choice Requires="p14">
             <p:contentPart p14:bwMode="auto" r:id="rId25">
               <p14:nvContentPartPr>
                 <p14:cNvPr id="18" name="Ink 17">
@@ -17270,7 +17808,7 @@
               </p14:xfrm>
             </p:contentPart>
           </mc:Choice>
-          <mc:Fallback>
+          <mc:Fallback xmlns="">
             <p:pic>
               <p:nvPicPr>
                 <p:cNvPr id="18" name="Ink 17">
@@ -17301,8 +17839,8 @@
             </p:pic>
           </mc:Fallback>
         </mc:AlternateContent>
-        <mc:AlternateContent xmlns:mc="http://schemas.openxmlformats.org/markup-compatibility/2006">
-          <mc:Choice xmlns:p14="http://schemas.microsoft.com/office/powerpoint/2010/main" Requires="p14">
+        <mc:AlternateContent xmlns:mc="http://schemas.openxmlformats.org/markup-compatibility/2006" xmlns:p14="http://schemas.microsoft.com/office/powerpoint/2010/main">
+          <mc:Choice Requires="p14">
             <p:contentPart p14:bwMode="auto" r:id="rId27">
               <p14:nvContentPartPr>
                 <p14:cNvPr id="19" name="Ink 18">
@@ -17321,7 +17859,7 @@
               </p14:xfrm>
             </p:contentPart>
           </mc:Choice>
-          <mc:Fallback>
+          <mc:Fallback xmlns="">
             <p:pic>
               <p:nvPicPr>
                 <p:cNvPr id="19" name="Ink 18">
@@ -17352,8 +17890,8 @@
             </p:pic>
           </mc:Fallback>
         </mc:AlternateContent>
-        <mc:AlternateContent xmlns:mc="http://schemas.openxmlformats.org/markup-compatibility/2006">
-          <mc:Choice xmlns:p14="http://schemas.microsoft.com/office/powerpoint/2010/main" Requires="p14">
+        <mc:AlternateContent xmlns:mc="http://schemas.openxmlformats.org/markup-compatibility/2006" xmlns:p14="http://schemas.microsoft.com/office/powerpoint/2010/main">
+          <mc:Choice Requires="p14">
             <p:contentPart p14:bwMode="auto" r:id="rId29">
               <p14:nvContentPartPr>
                 <p14:cNvPr id="20" name="Ink 19">
@@ -17372,7 +17910,7 @@
               </p14:xfrm>
             </p:contentPart>
           </mc:Choice>
-          <mc:Fallback>
+          <mc:Fallback xmlns="">
             <p:pic>
               <p:nvPicPr>
                 <p:cNvPr id="20" name="Ink 19">
@@ -17403,8 +17941,8 @@
             </p:pic>
           </mc:Fallback>
         </mc:AlternateContent>
-        <mc:AlternateContent xmlns:mc="http://schemas.openxmlformats.org/markup-compatibility/2006">
-          <mc:Choice xmlns:p14="http://schemas.microsoft.com/office/powerpoint/2010/main" Requires="p14">
+        <mc:AlternateContent xmlns:mc="http://schemas.openxmlformats.org/markup-compatibility/2006" xmlns:p14="http://schemas.microsoft.com/office/powerpoint/2010/main">
+          <mc:Choice Requires="p14">
             <p:contentPart p14:bwMode="auto" r:id="rId31">
               <p14:nvContentPartPr>
                 <p14:cNvPr id="21" name="Ink 20">
@@ -17423,7 +17961,7 @@
               </p14:xfrm>
             </p:contentPart>
           </mc:Choice>
-          <mc:Fallback>
+          <mc:Fallback xmlns="">
             <p:pic>
               <p:nvPicPr>
                 <p:cNvPr id="21" name="Ink 20">
@@ -17454,8 +17992,8 @@
             </p:pic>
           </mc:Fallback>
         </mc:AlternateContent>
-        <mc:AlternateContent xmlns:mc="http://schemas.openxmlformats.org/markup-compatibility/2006">
-          <mc:Choice xmlns:p14="http://schemas.microsoft.com/office/powerpoint/2010/main" Requires="p14">
+        <mc:AlternateContent xmlns:mc="http://schemas.openxmlformats.org/markup-compatibility/2006" xmlns:p14="http://schemas.microsoft.com/office/powerpoint/2010/main">
+          <mc:Choice Requires="p14">
             <p:contentPart p14:bwMode="auto" r:id="rId33">
               <p14:nvContentPartPr>
                 <p14:cNvPr id="23" name="Ink 22">
@@ -17474,7 +18012,7 @@
               </p14:xfrm>
             </p:contentPart>
           </mc:Choice>
-          <mc:Fallback>
+          <mc:Fallback xmlns="">
             <p:pic>
               <p:nvPicPr>
                 <p:cNvPr id="23" name="Ink 22">
@@ -17505,8 +18043,8 @@
             </p:pic>
           </mc:Fallback>
         </mc:AlternateContent>
-        <mc:AlternateContent xmlns:mc="http://schemas.openxmlformats.org/markup-compatibility/2006">
-          <mc:Choice xmlns:p14="http://schemas.microsoft.com/office/powerpoint/2010/main" Requires="p14">
+        <mc:AlternateContent xmlns:mc="http://schemas.openxmlformats.org/markup-compatibility/2006" xmlns:p14="http://schemas.microsoft.com/office/powerpoint/2010/main">
+          <mc:Choice Requires="p14">
             <p:contentPart p14:bwMode="auto" r:id="rId35">
               <p14:nvContentPartPr>
                 <p14:cNvPr id="24" name="Ink 23">
@@ -17525,7 +18063,7 @@
               </p14:xfrm>
             </p:contentPart>
           </mc:Choice>
-          <mc:Fallback>
+          <mc:Fallback xmlns="">
             <p:pic>
               <p:nvPicPr>
                 <p:cNvPr id="24" name="Ink 23">
@@ -17556,8 +18094,8 @@
             </p:pic>
           </mc:Fallback>
         </mc:AlternateContent>
-        <mc:AlternateContent xmlns:mc="http://schemas.openxmlformats.org/markup-compatibility/2006">
-          <mc:Choice xmlns:p14="http://schemas.microsoft.com/office/powerpoint/2010/main" Requires="p14">
+        <mc:AlternateContent xmlns:mc="http://schemas.openxmlformats.org/markup-compatibility/2006" xmlns:p14="http://schemas.microsoft.com/office/powerpoint/2010/main">
+          <mc:Choice Requires="p14">
             <p:contentPart p14:bwMode="auto" r:id="rId37">
               <p14:nvContentPartPr>
                 <p14:cNvPr id="25" name="Ink 24">
@@ -17576,7 +18114,7 @@
               </p14:xfrm>
             </p:contentPart>
           </mc:Choice>
-          <mc:Fallback>
+          <mc:Fallback xmlns="">
             <p:pic>
               <p:nvPicPr>
                 <p:cNvPr id="25" name="Ink 24">
@@ -17607,8 +18145,8 @@
             </p:pic>
           </mc:Fallback>
         </mc:AlternateContent>
-        <mc:AlternateContent xmlns:mc="http://schemas.openxmlformats.org/markup-compatibility/2006">
-          <mc:Choice xmlns:p14="http://schemas.microsoft.com/office/powerpoint/2010/main" Requires="p14">
+        <mc:AlternateContent xmlns:mc="http://schemas.openxmlformats.org/markup-compatibility/2006" xmlns:p14="http://schemas.microsoft.com/office/powerpoint/2010/main">
+          <mc:Choice Requires="p14">
             <p:contentPart p14:bwMode="auto" r:id="rId39">
               <p14:nvContentPartPr>
                 <p14:cNvPr id="27" name="Ink 26">
@@ -17627,7 +18165,7 @@
               </p14:xfrm>
             </p:contentPart>
           </mc:Choice>
-          <mc:Fallback>
+          <mc:Fallback xmlns="">
             <p:pic>
               <p:nvPicPr>
                 <p:cNvPr id="27" name="Ink 26">
@@ -17658,8 +18196,8 @@
             </p:pic>
           </mc:Fallback>
         </mc:AlternateContent>
-        <mc:AlternateContent xmlns:mc="http://schemas.openxmlformats.org/markup-compatibility/2006">
-          <mc:Choice xmlns:p14="http://schemas.microsoft.com/office/powerpoint/2010/main" Requires="p14">
+        <mc:AlternateContent xmlns:mc="http://schemas.openxmlformats.org/markup-compatibility/2006" xmlns:p14="http://schemas.microsoft.com/office/powerpoint/2010/main">
+          <mc:Choice Requires="p14">
             <p:contentPart p14:bwMode="auto" r:id="rId41">
               <p14:nvContentPartPr>
                 <p14:cNvPr id="28" name="Ink 27">
@@ -17678,7 +18216,7 @@
               </p14:xfrm>
             </p:contentPart>
           </mc:Choice>
-          <mc:Fallback>
+          <mc:Fallback xmlns="">
             <p:pic>
               <p:nvPicPr>
                 <p:cNvPr id="28" name="Ink 27">
@@ -17709,8 +18247,8 @@
             </p:pic>
           </mc:Fallback>
         </mc:AlternateContent>
-        <mc:AlternateContent xmlns:mc="http://schemas.openxmlformats.org/markup-compatibility/2006">
-          <mc:Choice xmlns:p14="http://schemas.microsoft.com/office/powerpoint/2010/main" Requires="p14">
+        <mc:AlternateContent xmlns:mc="http://schemas.openxmlformats.org/markup-compatibility/2006" xmlns:p14="http://schemas.microsoft.com/office/powerpoint/2010/main">
+          <mc:Choice Requires="p14">
             <p:contentPart p14:bwMode="auto" r:id="rId43">
               <p14:nvContentPartPr>
                 <p14:cNvPr id="29" name="Ink 28">
@@ -17729,7 +18267,7 @@
               </p14:xfrm>
             </p:contentPart>
           </mc:Choice>
-          <mc:Fallback>
+          <mc:Fallback xmlns="">
             <p:pic>
               <p:nvPicPr>
                 <p:cNvPr id="29" name="Ink 28">
@@ -17760,8 +18298,8 @@
             </p:pic>
           </mc:Fallback>
         </mc:AlternateContent>
-        <mc:AlternateContent xmlns:mc="http://schemas.openxmlformats.org/markup-compatibility/2006">
-          <mc:Choice xmlns:p14="http://schemas.microsoft.com/office/powerpoint/2010/main" Requires="p14">
+        <mc:AlternateContent xmlns:mc="http://schemas.openxmlformats.org/markup-compatibility/2006" xmlns:p14="http://schemas.microsoft.com/office/powerpoint/2010/main">
+          <mc:Choice Requires="p14">
             <p:contentPart p14:bwMode="auto" r:id="rId45">
               <p14:nvContentPartPr>
                 <p14:cNvPr id="30" name="Ink 29">
@@ -17780,7 +18318,7 @@
               </p14:xfrm>
             </p:contentPart>
           </mc:Choice>
-          <mc:Fallback>
+          <mc:Fallback xmlns="">
             <p:pic>
               <p:nvPicPr>
                 <p:cNvPr id="30" name="Ink 29">
@@ -17811,8 +18349,8 @@
             </p:pic>
           </mc:Fallback>
         </mc:AlternateContent>
-        <mc:AlternateContent xmlns:mc="http://schemas.openxmlformats.org/markup-compatibility/2006">
-          <mc:Choice xmlns:p14="http://schemas.microsoft.com/office/powerpoint/2010/main" Requires="p14">
+        <mc:AlternateContent xmlns:mc="http://schemas.openxmlformats.org/markup-compatibility/2006" xmlns:p14="http://schemas.microsoft.com/office/powerpoint/2010/main">
+          <mc:Choice Requires="p14">
             <p:contentPart p14:bwMode="auto" r:id="rId47">
               <p14:nvContentPartPr>
                 <p14:cNvPr id="31" name="Ink 30">
@@ -17831,7 +18369,7 @@
               </p14:xfrm>
             </p:contentPart>
           </mc:Choice>
-          <mc:Fallback>
+          <mc:Fallback xmlns="">
             <p:pic>
               <p:nvPicPr>
                 <p:cNvPr id="31" name="Ink 30">
@@ -17862,8 +18400,8 @@
             </p:pic>
           </mc:Fallback>
         </mc:AlternateContent>
-        <mc:AlternateContent xmlns:mc="http://schemas.openxmlformats.org/markup-compatibility/2006">
-          <mc:Choice xmlns:p14="http://schemas.microsoft.com/office/powerpoint/2010/main" Requires="p14">
+        <mc:AlternateContent xmlns:mc="http://schemas.openxmlformats.org/markup-compatibility/2006" xmlns:p14="http://schemas.microsoft.com/office/powerpoint/2010/main">
+          <mc:Choice Requires="p14">
             <p:contentPart p14:bwMode="auto" r:id="rId49">
               <p14:nvContentPartPr>
                 <p14:cNvPr id="32" name="Ink 31">
@@ -17882,7 +18420,7 @@
               </p14:xfrm>
             </p:contentPart>
           </mc:Choice>
-          <mc:Fallback>
+          <mc:Fallback xmlns="">
             <p:pic>
               <p:nvPicPr>
                 <p:cNvPr id="32" name="Ink 31">
@@ -17913,8 +18451,8 @@
             </p:pic>
           </mc:Fallback>
         </mc:AlternateContent>
-        <mc:AlternateContent xmlns:mc="http://schemas.openxmlformats.org/markup-compatibility/2006">
-          <mc:Choice xmlns:p14="http://schemas.microsoft.com/office/powerpoint/2010/main" Requires="p14">
+        <mc:AlternateContent xmlns:mc="http://schemas.openxmlformats.org/markup-compatibility/2006" xmlns:p14="http://schemas.microsoft.com/office/powerpoint/2010/main">
+          <mc:Choice Requires="p14">
             <p:contentPart p14:bwMode="auto" r:id="rId51">
               <p14:nvContentPartPr>
                 <p14:cNvPr id="33" name="Ink 32">
@@ -17933,7 +18471,7 @@
               </p14:xfrm>
             </p:contentPart>
           </mc:Choice>
-          <mc:Fallback>
+          <mc:Fallback xmlns="">
             <p:pic>
               <p:nvPicPr>
                 <p:cNvPr id="33" name="Ink 32">
@@ -17964,8 +18502,8 @@
             </p:pic>
           </mc:Fallback>
         </mc:AlternateContent>
-        <mc:AlternateContent xmlns:mc="http://schemas.openxmlformats.org/markup-compatibility/2006">
-          <mc:Choice xmlns:p14="http://schemas.microsoft.com/office/powerpoint/2010/main" Requires="p14">
+        <mc:AlternateContent xmlns:mc="http://schemas.openxmlformats.org/markup-compatibility/2006" xmlns:p14="http://schemas.microsoft.com/office/powerpoint/2010/main">
+          <mc:Choice Requires="p14">
             <p:contentPart p14:bwMode="auto" r:id="rId53">
               <p14:nvContentPartPr>
                 <p14:cNvPr id="35" name="Ink 34">
@@ -17984,7 +18522,7 @@
               </p14:xfrm>
             </p:contentPart>
           </mc:Choice>
-          <mc:Fallback>
+          <mc:Fallback xmlns="">
             <p:pic>
               <p:nvPicPr>
                 <p:cNvPr id="35" name="Ink 34">
@@ -18015,8 +18553,8 @@
             </p:pic>
           </mc:Fallback>
         </mc:AlternateContent>
-        <mc:AlternateContent xmlns:mc="http://schemas.openxmlformats.org/markup-compatibility/2006">
-          <mc:Choice xmlns:p14="http://schemas.microsoft.com/office/powerpoint/2010/main" Requires="p14">
+        <mc:AlternateContent xmlns:mc="http://schemas.openxmlformats.org/markup-compatibility/2006" xmlns:p14="http://schemas.microsoft.com/office/powerpoint/2010/main">
+          <mc:Choice Requires="p14">
             <p:contentPart p14:bwMode="auto" r:id="rId55">
               <p14:nvContentPartPr>
                 <p14:cNvPr id="36" name="Ink 35">
@@ -18035,7 +18573,7 @@
               </p14:xfrm>
             </p:contentPart>
           </mc:Choice>
-          <mc:Fallback>
+          <mc:Fallback xmlns="">
             <p:pic>
               <p:nvPicPr>
                 <p:cNvPr id="36" name="Ink 35">
@@ -18066,8 +18604,8 @@
             </p:pic>
           </mc:Fallback>
         </mc:AlternateContent>
-        <mc:AlternateContent xmlns:mc="http://schemas.openxmlformats.org/markup-compatibility/2006">
-          <mc:Choice xmlns:p14="http://schemas.microsoft.com/office/powerpoint/2010/main" Requires="p14">
+        <mc:AlternateContent xmlns:mc="http://schemas.openxmlformats.org/markup-compatibility/2006" xmlns:p14="http://schemas.microsoft.com/office/powerpoint/2010/main">
+          <mc:Choice Requires="p14">
             <p:contentPart p14:bwMode="auto" r:id="rId57">
               <p14:nvContentPartPr>
                 <p14:cNvPr id="37" name="Ink 36">
@@ -18086,7 +18624,7 @@
               </p14:xfrm>
             </p:contentPart>
           </mc:Choice>
-          <mc:Fallback>
+          <mc:Fallback xmlns="">
             <p:pic>
               <p:nvPicPr>
                 <p:cNvPr id="37" name="Ink 36">
@@ -18117,8 +18655,8 @@
             </p:pic>
           </mc:Fallback>
         </mc:AlternateContent>
-        <mc:AlternateContent xmlns:mc="http://schemas.openxmlformats.org/markup-compatibility/2006">
-          <mc:Choice xmlns:p14="http://schemas.microsoft.com/office/powerpoint/2010/main" Requires="p14">
+        <mc:AlternateContent xmlns:mc="http://schemas.openxmlformats.org/markup-compatibility/2006" xmlns:p14="http://schemas.microsoft.com/office/powerpoint/2010/main">
+          <mc:Choice Requires="p14">
             <p:contentPart p14:bwMode="auto" r:id="rId59">
               <p14:nvContentPartPr>
                 <p14:cNvPr id="39" name="Ink 38">
@@ -18137,7 +18675,7 @@
               </p14:xfrm>
             </p:contentPart>
           </mc:Choice>
-          <mc:Fallback>
+          <mc:Fallback xmlns="">
             <p:pic>
               <p:nvPicPr>
                 <p:cNvPr id="39" name="Ink 38">
@@ -18168,8 +18706,8 @@
             </p:pic>
           </mc:Fallback>
         </mc:AlternateContent>
-        <mc:AlternateContent xmlns:mc="http://schemas.openxmlformats.org/markup-compatibility/2006">
-          <mc:Choice xmlns:p14="http://schemas.microsoft.com/office/powerpoint/2010/main" Requires="p14">
+        <mc:AlternateContent xmlns:mc="http://schemas.openxmlformats.org/markup-compatibility/2006" xmlns:p14="http://schemas.microsoft.com/office/powerpoint/2010/main">
+          <mc:Choice Requires="p14">
             <p:contentPart p14:bwMode="auto" r:id="rId61">
               <p14:nvContentPartPr>
                 <p14:cNvPr id="40" name="Ink 39">
@@ -18188,7 +18726,7 @@
               </p14:xfrm>
             </p:contentPart>
           </mc:Choice>
-          <mc:Fallback>
+          <mc:Fallback xmlns="">
             <p:pic>
               <p:nvPicPr>
                 <p:cNvPr id="40" name="Ink 39">
@@ -18219,8 +18757,8 @@
             </p:pic>
           </mc:Fallback>
         </mc:AlternateContent>
-        <mc:AlternateContent xmlns:mc="http://schemas.openxmlformats.org/markup-compatibility/2006">
-          <mc:Choice xmlns:p14="http://schemas.microsoft.com/office/powerpoint/2010/main" Requires="p14">
+        <mc:AlternateContent xmlns:mc="http://schemas.openxmlformats.org/markup-compatibility/2006" xmlns:p14="http://schemas.microsoft.com/office/powerpoint/2010/main">
+          <mc:Choice Requires="p14">
             <p:contentPart p14:bwMode="auto" r:id="rId63">
               <p14:nvContentPartPr>
                 <p14:cNvPr id="41" name="Ink 40">
@@ -18239,7 +18777,7 @@
               </p14:xfrm>
             </p:contentPart>
           </mc:Choice>
-          <mc:Fallback>
+          <mc:Fallback xmlns="">
             <p:pic>
               <p:nvPicPr>
                 <p:cNvPr id="41" name="Ink 40">
@@ -18270,8 +18808,8 @@
             </p:pic>
           </mc:Fallback>
         </mc:AlternateContent>
-        <mc:AlternateContent xmlns:mc="http://schemas.openxmlformats.org/markup-compatibility/2006">
-          <mc:Choice xmlns:p14="http://schemas.microsoft.com/office/powerpoint/2010/main" Requires="p14">
+        <mc:AlternateContent xmlns:mc="http://schemas.openxmlformats.org/markup-compatibility/2006" xmlns:p14="http://schemas.microsoft.com/office/powerpoint/2010/main">
+          <mc:Choice Requires="p14">
             <p:contentPart p14:bwMode="auto" r:id="rId65">
               <p14:nvContentPartPr>
                 <p14:cNvPr id="42" name="Ink 41">
@@ -18290,7 +18828,7 @@
               </p14:xfrm>
             </p:contentPart>
           </mc:Choice>
-          <mc:Fallback>
+          <mc:Fallback xmlns="">
             <p:pic>
               <p:nvPicPr>
                 <p:cNvPr id="42" name="Ink 41">
@@ -18321,8 +18859,8 @@
             </p:pic>
           </mc:Fallback>
         </mc:AlternateContent>
-        <mc:AlternateContent xmlns:mc="http://schemas.openxmlformats.org/markup-compatibility/2006">
-          <mc:Choice xmlns:p14="http://schemas.microsoft.com/office/powerpoint/2010/main" Requires="p14">
+        <mc:AlternateContent xmlns:mc="http://schemas.openxmlformats.org/markup-compatibility/2006" xmlns:p14="http://schemas.microsoft.com/office/powerpoint/2010/main">
+          <mc:Choice Requires="p14">
             <p:contentPart p14:bwMode="auto" r:id="rId67">
               <p14:nvContentPartPr>
                 <p14:cNvPr id="43" name="Ink 42">
@@ -18341,7 +18879,7 @@
               </p14:xfrm>
             </p:contentPart>
           </mc:Choice>
-          <mc:Fallback>
+          <mc:Fallback xmlns="">
             <p:pic>
               <p:nvPicPr>
                 <p:cNvPr id="43" name="Ink 42">
@@ -18372,8 +18910,8 @@
             </p:pic>
           </mc:Fallback>
         </mc:AlternateContent>
-        <mc:AlternateContent xmlns:mc="http://schemas.openxmlformats.org/markup-compatibility/2006">
-          <mc:Choice xmlns:p14="http://schemas.microsoft.com/office/powerpoint/2010/main" Requires="p14">
+        <mc:AlternateContent xmlns:mc="http://schemas.openxmlformats.org/markup-compatibility/2006" xmlns:p14="http://schemas.microsoft.com/office/powerpoint/2010/main">
+          <mc:Choice Requires="p14">
             <p:contentPart p14:bwMode="auto" r:id="rId69">
               <p14:nvContentPartPr>
                 <p14:cNvPr id="44" name="Ink 43">
@@ -18392,7 +18930,7 @@
               </p14:xfrm>
             </p:contentPart>
           </mc:Choice>
-          <mc:Fallback>
+          <mc:Fallback xmlns="">
             <p:pic>
               <p:nvPicPr>
                 <p:cNvPr id="44" name="Ink 43">
@@ -18423,8 +18961,8 @@
             </p:pic>
           </mc:Fallback>
         </mc:AlternateContent>
-        <mc:AlternateContent xmlns:mc="http://schemas.openxmlformats.org/markup-compatibility/2006">
-          <mc:Choice xmlns:p14="http://schemas.microsoft.com/office/powerpoint/2010/main" Requires="p14">
+        <mc:AlternateContent xmlns:mc="http://schemas.openxmlformats.org/markup-compatibility/2006" xmlns:p14="http://schemas.microsoft.com/office/powerpoint/2010/main">
+          <mc:Choice Requires="p14">
             <p:contentPart p14:bwMode="auto" r:id="rId71">
               <p14:nvContentPartPr>
                 <p14:cNvPr id="45" name="Ink 44">
@@ -18443,7 +18981,7 @@
               </p14:xfrm>
             </p:contentPart>
           </mc:Choice>
-          <mc:Fallback>
+          <mc:Fallback xmlns="">
             <p:pic>
               <p:nvPicPr>
                 <p:cNvPr id="45" name="Ink 44">
@@ -18474,8 +19012,8 @@
             </p:pic>
           </mc:Fallback>
         </mc:AlternateContent>
-        <mc:AlternateContent xmlns:mc="http://schemas.openxmlformats.org/markup-compatibility/2006">
-          <mc:Choice xmlns:p14="http://schemas.microsoft.com/office/powerpoint/2010/main" Requires="p14">
+        <mc:AlternateContent xmlns:mc="http://schemas.openxmlformats.org/markup-compatibility/2006" xmlns:p14="http://schemas.microsoft.com/office/powerpoint/2010/main">
+          <mc:Choice Requires="p14">
             <p:contentPart p14:bwMode="auto" r:id="rId73">
               <p14:nvContentPartPr>
                 <p14:cNvPr id="46" name="Ink 45">
@@ -18494,7 +19032,7 @@
               </p14:xfrm>
             </p:contentPart>
           </mc:Choice>
-          <mc:Fallback>
+          <mc:Fallback xmlns="">
             <p:pic>
               <p:nvPicPr>
                 <p:cNvPr id="46" name="Ink 45">
@@ -18525,8 +19063,8 @@
             </p:pic>
           </mc:Fallback>
         </mc:AlternateContent>
-        <mc:AlternateContent xmlns:mc="http://schemas.openxmlformats.org/markup-compatibility/2006">
-          <mc:Choice xmlns:p14="http://schemas.microsoft.com/office/powerpoint/2010/main" Requires="p14">
+        <mc:AlternateContent xmlns:mc="http://schemas.openxmlformats.org/markup-compatibility/2006" xmlns:p14="http://schemas.microsoft.com/office/powerpoint/2010/main">
+          <mc:Choice Requires="p14">
             <p:contentPart p14:bwMode="auto" r:id="rId75">
               <p14:nvContentPartPr>
                 <p14:cNvPr id="48" name="Ink 47">
@@ -18545,7 +19083,7 @@
               </p14:xfrm>
             </p:contentPart>
           </mc:Choice>
-          <mc:Fallback>
+          <mc:Fallback xmlns="">
             <p:pic>
               <p:nvPicPr>
                 <p:cNvPr id="48" name="Ink 47">
@@ -18576,8 +19114,8 @@
             </p:pic>
           </mc:Fallback>
         </mc:AlternateContent>
-        <mc:AlternateContent xmlns:mc="http://schemas.openxmlformats.org/markup-compatibility/2006">
-          <mc:Choice xmlns:p14="http://schemas.microsoft.com/office/powerpoint/2010/main" Requires="p14">
+        <mc:AlternateContent xmlns:mc="http://schemas.openxmlformats.org/markup-compatibility/2006" xmlns:p14="http://schemas.microsoft.com/office/powerpoint/2010/main">
+          <mc:Choice Requires="p14">
             <p:contentPart p14:bwMode="auto" r:id="rId77">
               <p14:nvContentPartPr>
                 <p14:cNvPr id="49" name="Ink 48">
@@ -18596,7 +19134,7 @@
               </p14:xfrm>
             </p:contentPart>
           </mc:Choice>
-          <mc:Fallback>
+          <mc:Fallback xmlns="">
             <p:pic>
               <p:nvPicPr>
                 <p:cNvPr id="49" name="Ink 48">
@@ -18627,8 +19165,8 @@
             </p:pic>
           </mc:Fallback>
         </mc:AlternateContent>
-        <mc:AlternateContent xmlns:mc="http://schemas.openxmlformats.org/markup-compatibility/2006">
-          <mc:Choice xmlns:p14="http://schemas.microsoft.com/office/powerpoint/2010/main" Requires="p14">
+        <mc:AlternateContent xmlns:mc="http://schemas.openxmlformats.org/markup-compatibility/2006" xmlns:p14="http://schemas.microsoft.com/office/powerpoint/2010/main">
+          <mc:Choice Requires="p14">
             <p:contentPart p14:bwMode="auto" r:id="rId79">
               <p14:nvContentPartPr>
                 <p14:cNvPr id="50" name="Ink 49">
@@ -18647,7 +19185,7 @@
               </p14:xfrm>
             </p:contentPart>
           </mc:Choice>
-          <mc:Fallback>
+          <mc:Fallback xmlns="">
             <p:pic>
               <p:nvPicPr>
                 <p:cNvPr id="50" name="Ink 49">
@@ -18699,8 +19237,8 @@
             <a:chExt cx="846000" cy="387720"/>
           </a:xfrm>
         </p:grpSpPr>
-        <mc:AlternateContent xmlns:mc="http://schemas.openxmlformats.org/markup-compatibility/2006">
-          <mc:Choice xmlns:p14="http://schemas.microsoft.com/office/powerpoint/2010/main" Requires="p14">
+        <mc:AlternateContent xmlns:mc="http://schemas.openxmlformats.org/markup-compatibility/2006" xmlns:p14="http://schemas.microsoft.com/office/powerpoint/2010/main">
+          <mc:Choice Requires="p14">
             <p:contentPart p14:bwMode="auto" r:id="rId81">
               <p14:nvContentPartPr>
                 <p14:cNvPr id="52" name="Ink 51">
@@ -18719,7 +19257,7 @@
               </p14:xfrm>
             </p:contentPart>
           </mc:Choice>
-          <mc:Fallback>
+          <mc:Fallback xmlns="">
             <p:pic>
               <p:nvPicPr>
                 <p:cNvPr id="52" name="Ink 51">
@@ -18750,8 +19288,8 @@
             </p:pic>
           </mc:Fallback>
         </mc:AlternateContent>
-        <mc:AlternateContent xmlns:mc="http://schemas.openxmlformats.org/markup-compatibility/2006">
-          <mc:Choice xmlns:p14="http://schemas.microsoft.com/office/powerpoint/2010/main" Requires="p14">
+        <mc:AlternateContent xmlns:mc="http://schemas.openxmlformats.org/markup-compatibility/2006" xmlns:p14="http://schemas.microsoft.com/office/powerpoint/2010/main">
+          <mc:Choice Requires="p14">
             <p:contentPart p14:bwMode="auto" r:id="rId83">
               <p14:nvContentPartPr>
                 <p14:cNvPr id="53" name="Ink 52">
@@ -18770,7 +19308,7 @@
               </p14:xfrm>
             </p:contentPart>
           </mc:Choice>
-          <mc:Fallback>
+          <mc:Fallback xmlns="">
             <p:pic>
               <p:nvPicPr>
                 <p:cNvPr id="53" name="Ink 52">
@@ -18822,8 +19360,8 @@
             <a:chExt cx="666000" cy="680400"/>
           </a:xfrm>
         </p:grpSpPr>
-        <mc:AlternateContent xmlns:mc="http://schemas.openxmlformats.org/markup-compatibility/2006">
-          <mc:Choice xmlns:p14="http://schemas.microsoft.com/office/powerpoint/2010/main" Requires="p14">
+        <mc:AlternateContent xmlns:mc="http://schemas.openxmlformats.org/markup-compatibility/2006" xmlns:p14="http://schemas.microsoft.com/office/powerpoint/2010/main">
+          <mc:Choice Requires="p14">
             <p:contentPart p14:bwMode="auto" r:id="rId85">
               <p14:nvContentPartPr>
                 <p14:cNvPr id="55" name="Ink 54">
@@ -18842,7 +19380,7 @@
               </p14:xfrm>
             </p:contentPart>
           </mc:Choice>
-          <mc:Fallback>
+          <mc:Fallback xmlns="">
             <p:pic>
               <p:nvPicPr>
                 <p:cNvPr id="55" name="Ink 54">
@@ -18873,8 +19411,8 @@
             </p:pic>
           </mc:Fallback>
         </mc:AlternateContent>
-        <mc:AlternateContent xmlns:mc="http://schemas.openxmlformats.org/markup-compatibility/2006">
-          <mc:Choice xmlns:p14="http://schemas.microsoft.com/office/powerpoint/2010/main" Requires="p14">
+        <mc:AlternateContent xmlns:mc="http://schemas.openxmlformats.org/markup-compatibility/2006" xmlns:p14="http://schemas.microsoft.com/office/powerpoint/2010/main">
+          <mc:Choice Requires="p14">
             <p:contentPart p14:bwMode="auto" r:id="rId87">
               <p14:nvContentPartPr>
                 <p14:cNvPr id="56" name="Ink 55">
@@ -18893,7 +19431,7 @@
               </p14:xfrm>
             </p:contentPart>
           </mc:Choice>
-          <mc:Fallback>
+          <mc:Fallback xmlns="">
             <p:pic>
               <p:nvPicPr>
                 <p:cNvPr id="56" name="Ink 55">
@@ -18924,8 +19462,8 @@
             </p:pic>
           </mc:Fallback>
         </mc:AlternateContent>
-        <mc:AlternateContent xmlns:mc="http://schemas.openxmlformats.org/markup-compatibility/2006">
-          <mc:Choice xmlns:p14="http://schemas.microsoft.com/office/powerpoint/2010/main" Requires="p14">
+        <mc:AlternateContent xmlns:mc="http://schemas.openxmlformats.org/markup-compatibility/2006" xmlns:p14="http://schemas.microsoft.com/office/powerpoint/2010/main">
+          <mc:Choice Requires="p14">
             <p:contentPart p14:bwMode="auto" r:id="rId89">
               <p14:nvContentPartPr>
                 <p14:cNvPr id="57" name="Ink 56">
@@ -18944,7 +19482,7 @@
               </p14:xfrm>
             </p:contentPart>
           </mc:Choice>
-          <mc:Fallback>
+          <mc:Fallback xmlns="">
             <p:pic>
               <p:nvPicPr>
                 <p:cNvPr id="57" name="Ink 56">
@@ -18975,8 +19513,8 @@
             </p:pic>
           </mc:Fallback>
         </mc:AlternateContent>
-        <mc:AlternateContent xmlns:mc="http://schemas.openxmlformats.org/markup-compatibility/2006">
-          <mc:Choice xmlns:p14="http://schemas.microsoft.com/office/powerpoint/2010/main" Requires="p14">
+        <mc:AlternateContent xmlns:mc="http://schemas.openxmlformats.org/markup-compatibility/2006" xmlns:p14="http://schemas.microsoft.com/office/powerpoint/2010/main">
+          <mc:Choice Requires="p14">
             <p:contentPart p14:bwMode="auto" r:id="rId91">
               <p14:nvContentPartPr>
                 <p14:cNvPr id="58" name="Ink 57">
@@ -18995,7 +19533,7 @@
               </p14:xfrm>
             </p:contentPart>
           </mc:Choice>
-          <mc:Fallback>
+          <mc:Fallback xmlns="">
             <p:pic>
               <p:nvPicPr>
                 <p:cNvPr id="58" name="Ink 57">
@@ -19026,8 +19564,8 @@
             </p:pic>
           </mc:Fallback>
         </mc:AlternateContent>
-        <mc:AlternateContent xmlns:mc="http://schemas.openxmlformats.org/markup-compatibility/2006">
-          <mc:Choice xmlns:p14="http://schemas.microsoft.com/office/powerpoint/2010/main" Requires="p14">
+        <mc:AlternateContent xmlns:mc="http://schemas.openxmlformats.org/markup-compatibility/2006" xmlns:p14="http://schemas.microsoft.com/office/powerpoint/2010/main">
+          <mc:Choice Requires="p14">
             <p:contentPart p14:bwMode="auto" r:id="rId93">
               <p14:nvContentPartPr>
                 <p14:cNvPr id="59" name="Ink 58">
@@ -19046,7 +19584,7 @@
               </p14:xfrm>
             </p:contentPart>
           </mc:Choice>
-          <mc:Fallback>
+          <mc:Fallback xmlns="">
             <p:pic>
               <p:nvPicPr>
                 <p:cNvPr id="59" name="Ink 58">
@@ -19077,8 +19615,8 @@
             </p:pic>
           </mc:Fallback>
         </mc:AlternateContent>
-        <mc:AlternateContent xmlns:mc="http://schemas.openxmlformats.org/markup-compatibility/2006">
-          <mc:Choice xmlns:p14="http://schemas.microsoft.com/office/powerpoint/2010/main" Requires="p14">
+        <mc:AlternateContent xmlns:mc="http://schemas.openxmlformats.org/markup-compatibility/2006" xmlns:p14="http://schemas.microsoft.com/office/powerpoint/2010/main">
+          <mc:Choice Requires="p14">
             <p:contentPart p14:bwMode="auto" r:id="rId95">
               <p14:nvContentPartPr>
                 <p14:cNvPr id="60" name="Ink 59">
@@ -19097,7 +19635,7 @@
               </p14:xfrm>
             </p:contentPart>
           </mc:Choice>
-          <mc:Fallback>
+          <mc:Fallback xmlns="">
             <p:pic>
               <p:nvPicPr>
                 <p:cNvPr id="60" name="Ink 59">
@@ -19128,8 +19666,8 @@
             </p:pic>
           </mc:Fallback>
         </mc:AlternateContent>
-        <mc:AlternateContent xmlns:mc="http://schemas.openxmlformats.org/markup-compatibility/2006">
-          <mc:Choice xmlns:p14="http://schemas.microsoft.com/office/powerpoint/2010/main" Requires="p14">
+        <mc:AlternateContent xmlns:mc="http://schemas.openxmlformats.org/markup-compatibility/2006" xmlns:p14="http://schemas.microsoft.com/office/powerpoint/2010/main">
+          <mc:Choice Requires="p14">
             <p:contentPart p14:bwMode="auto" r:id="rId97">
               <p14:nvContentPartPr>
                 <p14:cNvPr id="61" name="Ink 60">
@@ -19148,7 +19686,7 @@
               </p14:xfrm>
             </p:contentPart>
           </mc:Choice>
-          <mc:Fallback>
+          <mc:Fallback xmlns="">
             <p:pic>
               <p:nvPicPr>
                 <p:cNvPr id="61" name="Ink 60">
@@ -19179,8 +19717,8 @@
             </p:pic>
           </mc:Fallback>
         </mc:AlternateContent>
-        <mc:AlternateContent xmlns:mc="http://schemas.openxmlformats.org/markup-compatibility/2006">
-          <mc:Choice xmlns:p14="http://schemas.microsoft.com/office/powerpoint/2010/main" Requires="p14">
+        <mc:AlternateContent xmlns:mc="http://schemas.openxmlformats.org/markup-compatibility/2006" xmlns:p14="http://schemas.microsoft.com/office/powerpoint/2010/main">
+          <mc:Choice Requires="p14">
             <p:contentPart p14:bwMode="auto" r:id="rId99">
               <p14:nvContentPartPr>
                 <p14:cNvPr id="62" name="Ink 61">
@@ -19199,7 +19737,7 @@
               </p14:xfrm>
             </p:contentPart>
           </mc:Choice>
-          <mc:Fallback>
+          <mc:Fallback xmlns="">
             <p:pic>
               <p:nvPicPr>
                 <p:cNvPr id="62" name="Ink 61">
@@ -19241,13 +19779,13 @@
   <p:clrMapOvr>
     <a:masterClrMapping/>
   </p:clrMapOvr>
-  <mc:AlternateContent xmlns:mc="http://schemas.openxmlformats.org/markup-compatibility/2006">
-    <mc:Choice xmlns:p14="http://schemas.microsoft.com/office/powerpoint/2010/main" Requires="p14">
+  <mc:AlternateContent xmlns:mc="http://schemas.openxmlformats.org/markup-compatibility/2006" xmlns:p14="http://schemas.microsoft.com/office/powerpoint/2010/main">
+    <mc:Choice Requires="p14">
       <p:transition spd="med" p14:dur="700">
         <p:fade/>
       </p:transition>
     </mc:Choice>
-    <mc:Fallback>
+    <mc:Fallback xmlns="">
       <p:transition spd="med">
         <p:fade/>
       </p:transition>
@@ -19520,13 +20058,13 @@
   <p:clrMapOvr>
     <a:masterClrMapping/>
   </p:clrMapOvr>
-  <mc:AlternateContent xmlns:mc="http://schemas.openxmlformats.org/markup-compatibility/2006">
-    <mc:Choice xmlns:p14="http://schemas.microsoft.com/office/powerpoint/2010/main" Requires="p14">
+  <mc:AlternateContent xmlns:mc="http://schemas.openxmlformats.org/markup-compatibility/2006" xmlns:p14="http://schemas.microsoft.com/office/powerpoint/2010/main">
+    <mc:Choice Requires="p14">
       <p:transition spd="med" p14:dur="700">
         <p:fade/>
       </p:transition>
     </mc:Choice>
-    <mc:Fallback>
+    <mc:Fallback xmlns="">
       <p:transition spd="med">
         <p:fade/>
       </p:transition>
@@ -19909,8 +20447,8 @@
           </p:pic>
         </mc:Fallback>
       </mc:AlternateContent>
-      <mc:AlternateContent xmlns:mc="http://schemas.openxmlformats.org/markup-compatibility/2006">
-        <mc:Choice xmlns:p14="http://schemas.microsoft.com/office/powerpoint/2010/main" Requires="p14">
+      <mc:AlternateContent xmlns:mc="http://schemas.openxmlformats.org/markup-compatibility/2006" xmlns:p14="http://schemas.microsoft.com/office/powerpoint/2010/main">
+        <mc:Choice Requires="p14">
           <p:contentPart p14:bwMode="auto" r:id="rId5">
             <p14:nvContentPartPr>
               <p14:cNvPr id="8" name="Ink 7">
@@ -19929,7 +20467,7 @@
             </p14:xfrm>
           </p:contentPart>
         </mc:Choice>
-        <mc:Fallback>
+        <mc:Fallback xmlns="">
           <p:pic>
             <p:nvPicPr>
               <p:cNvPr id="8" name="Ink 7">
@@ -19960,8 +20498,8 @@
           </p:pic>
         </mc:Fallback>
       </mc:AlternateContent>
-      <mc:AlternateContent xmlns:mc="http://schemas.openxmlformats.org/markup-compatibility/2006">
-        <mc:Choice xmlns:p14="http://schemas.microsoft.com/office/powerpoint/2010/main" Requires="p14">
+      <mc:AlternateContent xmlns:mc="http://schemas.openxmlformats.org/markup-compatibility/2006" xmlns:p14="http://schemas.microsoft.com/office/powerpoint/2010/main">
+        <mc:Choice Requires="p14">
           <p:contentPart p14:bwMode="auto" r:id="rId7">
             <p14:nvContentPartPr>
               <p14:cNvPr id="9" name="Ink 8">
@@ -19980,7 +20518,7 @@
             </p14:xfrm>
           </p:contentPart>
         </mc:Choice>
-        <mc:Fallback>
+        <mc:Fallback xmlns="">
           <p:pic>
             <p:nvPicPr>
               <p:cNvPr id="9" name="Ink 8">
@@ -20031,8 +20569,8 @@
             <a:chExt cx="450360" cy="469800"/>
           </a:xfrm>
         </p:grpSpPr>
-        <mc:AlternateContent xmlns:mc="http://schemas.openxmlformats.org/markup-compatibility/2006">
-          <mc:Choice xmlns:p14="http://schemas.microsoft.com/office/powerpoint/2010/main" Requires="p14">
+        <mc:AlternateContent xmlns:mc="http://schemas.openxmlformats.org/markup-compatibility/2006" xmlns:p14="http://schemas.microsoft.com/office/powerpoint/2010/main">
+          <mc:Choice Requires="p14">
             <p:contentPart p14:bwMode="auto" r:id="rId9">
               <p14:nvContentPartPr>
                 <p14:cNvPr id="10" name="Ink 9">
@@ -20051,7 +20589,7 @@
               </p14:xfrm>
             </p:contentPart>
           </mc:Choice>
-          <mc:Fallback>
+          <mc:Fallback xmlns="">
             <p:pic>
               <p:nvPicPr>
                 <p:cNvPr id="10" name="Ink 9">
@@ -20082,8 +20620,8 @@
             </p:pic>
           </mc:Fallback>
         </mc:AlternateContent>
-        <mc:AlternateContent xmlns:mc="http://schemas.openxmlformats.org/markup-compatibility/2006">
-          <mc:Choice xmlns:p14="http://schemas.microsoft.com/office/powerpoint/2010/main" Requires="p14">
+        <mc:AlternateContent xmlns:mc="http://schemas.openxmlformats.org/markup-compatibility/2006" xmlns:p14="http://schemas.microsoft.com/office/powerpoint/2010/main">
+          <mc:Choice Requires="p14">
             <p:contentPart p14:bwMode="auto" r:id="rId11">
               <p14:nvContentPartPr>
                 <p14:cNvPr id="11" name="Ink 10">
@@ -20102,7 +20640,7 @@
               </p14:xfrm>
             </p:contentPart>
           </mc:Choice>
-          <mc:Fallback>
+          <mc:Fallback xmlns="">
             <p:pic>
               <p:nvPicPr>
                 <p:cNvPr id="11" name="Ink 10">
@@ -20133,8 +20671,8 @@
             </p:pic>
           </mc:Fallback>
         </mc:AlternateContent>
-        <mc:AlternateContent xmlns:mc="http://schemas.openxmlformats.org/markup-compatibility/2006">
-          <mc:Choice xmlns:p14="http://schemas.microsoft.com/office/powerpoint/2010/main" Requires="p14">
+        <mc:AlternateContent xmlns:mc="http://schemas.openxmlformats.org/markup-compatibility/2006" xmlns:p14="http://schemas.microsoft.com/office/powerpoint/2010/main">
+          <mc:Choice Requires="p14">
             <p:contentPart p14:bwMode="auto" r:id="rId13">
               <p14:nvContentPartPr>
                 <p14:cNvPr id="12" name="Ink 11">
@@ -20153,7 +20691,7 @@
               </p14:xfrm>
             </p:contentPart>
           </mc:Choice>
-          <mc:Fallback>
+          <mc:Fallback xmlns="">
             <p:pic>
               <p:nvPicPr>
                 <p:cNvPr id="12" name="Ink 11">
@@ -20205,8 +20743,8 @@
             <a:chExt cx="1465200" cy="1017360"/>
           </a:xfrm>
         </p:grpSpPr>
-        <mc:AlternateContent xmlns:mc="http://schemas.openxmlformats.org/markup-compatibility/2006">
-          <mc:Choice xmlns:p14="http://schemas.microsoft.com/office/powerpoint/2010/main" Requires="p14">
+        <mc:AlternateContent xmlns:mc="http://schemas.openxmlformats.org/markup-compatibility/2006" xmlns:p14="http://schemas.microsoft.com/office/powerpoint/2010/main">
+          <mc:Choice Requires="p14">
             <p:contentPart p14:bwMode="auto" r:id="rId15">
               <p14:nvContentPartPr>
                 <p14:cNvPr id="14" name="Ink 13">
@@ -20225,7 +20763,7 @@
               </p14:xfrm>
             </p:contentPart>
           </mc:Choice>
-          <mc:Fallback>
+          <mc:Fallback xmlns="">
             <p:pic>
               <p:nvPicPr>
                 <p:cNvPr id="14" name="Ink 13">
@@ -20256,8 +20794,8 @@
             </p:pic>
           </mc:Fallback>
         </mc:AlternateContent>
-        <mc:AlternateContent xmlns:mc="http://schemas.openxmlformats.org/markup-compatibility/2006">
-          <mc:Choice xmlns:p14="http://schemas.microsoft.com/office/powerpoint/2010/main" Requires="p14">
+        <mc:AlternateContent xmlns:mc="http://schemas.openxmlformats.org/markup-compatibility/2006" xmlns:p14="http://schemas.microsoft.com/office/powerpoint/2010/main">
+          <mc:Choice Requires="p14">
             <p:contentPart p14:bwMode="auto" r:id="rId17">
               <p14:nvContentPartPr>
                 <p14:cNvPr id="15" name="Ink 14">
@@ -20276,7 +20814,7 @@
               </p14:xfrm>
             </p:contentPart>
           </mc:Choice>
-          <mc:Fallback>
+          <mc:Fallback xmlns="">
             <p:pic>
               <p:nvPicPr>
                 <p:cNvPr id="15" name="Ink 14">
@@ -20307,8 +20845,8 @@
             </p:pic>
           </mc:Fallback>
         </mc:AlternateContent>
-        <mc:AlternateContent xmlns:mc="http://schemas.openxmlformats.org/markup-compatibility/2006">
-          <mc:Choice xmlns:p14="http://schemas.microsoft.com/office/powerpoint/2010/main" Requires="p14">
+        <mc:AlternateContent xmlns:mc="http://schemas.openxmlformats.org/markup-compatibility/2006" xmlns:p14="http://schemas.microsoft.com/office/powerpoint/2010/main">
+          <mc:Choice Requires="p14">
             <p:contentPart p14:bwMode="auto" r:id="rId19">
               <p14:nvContentPartPr>
                 <p14:cNvPr id="16" name="Ink 15">
@@ -20327,7 +20865,7 @@
               </p14:xfrm>
             </p:contentPart>
           </mc:Choice>
-          <mc:Fallback>
+          <mc:Fallback xmlns="">
             <p:pic>
               <p:nvPicPr>
                 <p:cNvPr id="16" name="Ink 15">
@@ -20358,8 +20896,8 @@
             </p:pic>
           </mc:Fallback>
         </mc:AlternateContent>
-        <mc:AlternateContent xmlns:mc="http://schemas.openxmlformats.org/markup-compatibility/2006">
-          <mc:Choice xmlns:p14="http://schemas.microsoft.com/office/powerpoint/2010/main" Requires="p14">
+        <mc:AlternateContent xmlns:mc="http://schemas.openxmlformats.org/markup-compatibility/2006" xmlns:p14="http://schemas.microsoft.com/office/powerpoint/2010/main">
+          <mc:Choice Requires="p14">
             <p:contentPart p14:bwMode="auto" r:id="rId21">
               <p14:nvContentPartPr>
                 <p14:cNvPr id="17" name="Ink 16">
@@ -20378,7 +20916,7 @@
               </p14:xfrm>
             </p:contentPart>
           </mc:Choice>
-          <mc:Fallback>
+          <mc:Fallback xmlns="">
             <p:pic>
               <p:nvPicPr>
                 <p:cNvPr id="17" name="Ink 16">
@@ -20409,8 +20947,8 @@
             </p:pic>
           </mc:Fallback>
         </mc:AlternateContent>
-        <mc:AlternateContent xmlns:mc="http://schemas.openxmlformats.org/markup-compatibility/2006">
-          <mc:Choice xmlns:p14="http://schemas.microsoft.com/office/powerpoint/2010/main" Requires="p14">
+        <mc:AlternateContent xmlns:mc="http://schemas.openxmlformats.org/markup-compatibility/2006" xmlns:p14="http://schemas.microsoft.com/office/powerpoint/2010/main">
+          <mc:Choice Requires="p14">
             <p:contentPart p14:bwMode="auto" r:id="rId23">
               <p14:nvContentPartPr>
                 <p14:cNvPr id="19" name="Ink 18">
@@ -20429,7 +20967,7 @@
               </p14:xfrm>
             </p:contentPart>
           </mc:Choice>
-          <mc:Fallback>
+          <mc:Fallback xmlns="">
             <p:pic>
               <p:nvPicPr>
                 <p:cNvPr id="19" name="Ink 18">
@@ -20460,8 +20998,8 @@
             </p:pic>
           </mc:Fallback>
         </mc:AlternateContent>
-        <mc:AlternateContent xmlns:mc="http://schemas.openxmlformats.org/markup-compatibility/2006">
-          <mc:Choice xmlns:p14="http://schemas.microsoft.com/office/powerpoint/2010/main" Requires="p14">
+        <mc:AlternateContent xmlns:mc="http://schemas.openxmlformats.org/markup-compatibility/2006" xmlns:p14="http://schemas.microsoft.com/office/powerpoint/2010/main">
+          <mc:Choice Requires="p14">
             <p:contentPart p14:bwMode="auto" r:id="rId25">
               <p14:nvContentPartPr>
                 <p14:cNvPr id="20" name="Ink 19">
@@ -20480,7 +21018,7 @@
               </p14:xfrm>
             </p:contentPart>
           </mc:Choice>
-          <mc:Fallback>
+          <mc:Fallback xmlns="">
             <p:pic>
               <p:nvPicPr>
                 <p:cNvPr id="20" name="Ink 19">
@@ -20511,8 +21049,8 @@
             </p:pic>
           </mc:Fallback>
         </mc:AlternateContent>
-        <mc:AlternateContent xmlns:mc="http://schemas.openxmlformats.org/markup-compatibility/2006">
-          <mc:Choice xmlns:p14="http://schemas.microsoft.com/office/powerpoint/2010/main" Requires="p14">
+        <mc:AlternateContent xmlns:mc="http://schemas.openxmlformats.org/markup-compatibility/2006" xmlns:p14="http://schemas.microsoft.com/office/powerpoint/2010/main">
+          <mc:Choice Requires="p14">
             <p:contentPart p14:bwMode="auto" r:id="rId27">
               <p14:nvContentPartPr>
                 <p14:cNvPr id="21" name="Ink 20">
@@ -20531,7 +21069,7 @@
               </p14:xfrm>
             </p:contentPart>
           </mc:Choice>
-          <mc:Fallback>
+          <mc:Fallback xmlns="">
             <p:pic>
               <p:nvPicPr>
                 <p:cNvPr id="21" name="Ink 20">
@@ -20562,8 +21100,8 @@
             </p:pic>
           </mc:Fallback>
         </mc:AlternateContent>
-        <mc:AlternateContent xmlns:mc="http://schemas.openxmlformats.org/markup-compatibility/2006">
-          <mc:Choice xmlns:p14="http://schemas.microsoft.com/office/powerpoint/2010/main" Requires="p14">
+        <mc:AlternateContent xmlns:mc="http://schemas.openxmlformats.org/markup-compatibility/2006" xmlns:p14="http://schemas.microsoft.com/office/powerpoint/2010/main">
+          <mc:Choice Requires="p14">
             <p:contentPart p14:bwMode="auto" r:id="rId29">
               <p14:nvContentPartPr>
                 <p14:cNvPr id="22" name="Ink 21">
@@ -20582,7 +21120,7 @@
               </p14:xfrm>
             </p:contentPart>
           </mc:Choice>
-          <mc:Fallback>
+          <mc:Fallback xmlns="">
             <p:pic>
               <p:nvPicPr>
                 <p:cNvPr id="22" name="Ink 21">
@@ -20613,8 +21151,8 @@
             </p:pic>
           </mc:Fallback>
         </mc:AlternateContent>
-        <mc:AlternateContent xmlns:mc="http://schemas.openxmlformats.org/markup-compatibility/2006">
-          <mc:Choice xmlns:p14="http://schemas.microsoft.com/office/powerpoint/2010/main" Requires="p14">
+        <mc:AlternateContent xmlns:mc="http://schemas.openxmlformats.org/markup-compatibility/2006" xmlns:p14="http://schemas.microsoft.com/office/powerpoint/2010/main">
+          <mc:Choice Requires="p14">
             <p:contentPart p14:bwMode="auto" r:id="rId31">
               <p14:nvContentPartPr>
                 <p14:cNvPr id="23" name="Ink 22">
@@ -20633,7 +21171,7 @@
               </p14:xfrm>
             </p:contentPart>
           </mc:Choice>
-          <mc:Fallback>
+          <mc:Fallback xmlns="">
             <p:pic>
               <p:nvPicPr>
                 <p:cNvPr id="23" name="Ink 22">
@@ -20664,8 +21202,8 @@
             </p:pic>
           </mc:Fallback>
         </mc:AlternateContent>
-        <mc:AlternateContent xmlns:mc="http://schemas.openxmlformats.org/markup-compatibility/2006">
-          <mc:Choice xmlns:p14="http://schemas.microsoft.com/office/powerpoint/2010/main" Requires="p14">
+        <mc:AlternateContent xmlns:mc="http://schemas.openxmlformats.org/markup-compatibility/2006" xmlns:p14="http://schemas.microsoft.com/office/powerpoint/2010/main">
+          <mc:Choice Requires="p14">
             <p:contentPart p14:bwMode="auto" r:id="rId33">
               <p14:nvContentPartPr>
                 <p14:cNvPr id="24" name="Ink 23">
@@ -20684,7 +21222,7 @@
               </p14:xfrm>
             </p:contentPart>
           </mc:Choice>
-          <mc:Fallback>
+          <mc:Fallback xmlns="">
             <p:pic>
               <p:nvPicPr>
                 <p:cNvPr id="24" name="Ink 23">
@@ -20715,8 +21253,8 @@
             </p:pic>
           </mc:Fallback>
         </mc:AlternateContent>
-        <mc:AlternateContent xmlns:mc="http://schemas.openxmlformats.org/markup-compatibility/2006">
-          <mc:Choice xmlns:p14="http://schemas.microsoft.com/office/powerpoint/2010/main" Requires="p14">
+        <mc:AlternateContent xmlns:mc="http://schemas.openxmlformats.org/markup-compatibility/2006" xmlns:p14="http://schemas.microsoft.com/office/powerpoint/2010/main">
+          <mc:Choice Requires="p14">
             <p:contentPart p14:bwMode="auto" r:id="rId35">
               <p14:nvContentPartPr>
                 <p14:cNvPr id="25" name="Ink 24">
@@ -20735,7 +21273,7 @@
               </p14:xfrm>
             </p:contentPart>
           </mc:Choice>
-          <mc:Fallback>
+          <mc:Fallback xmlns="">
             <p:pic>
               <p:nvPicPr>
                 <p:cNvPr id="25" name="Ink 24">
@@ -20787,8 +21325,8 @@
             <a:chExt cx="2414520" cy="1988640"/>
           </a:xfrm>
         </p:grpSpPr>
-        <mc:AlternateContent xmlns:mc="http://schemas.openxmlformats.org/markup-compatibility/2006">
-          <mc:Choice xmlns:p14="http://schemas.microsoft.com/office/powerpoint/2010/main" Requires="p14">
+        <mc:AlternateContent xmlns:mc="http://schemas.openxmlformats.org/markup-compatibility/2006" xmlns:p14="http://schemas.microsoft.com/office/powerpoint/2010/main">
+          <mc:Choice Requires="p14">
             <p:contentPart p14:bwMode="auto" r:id="rId37">
               <p14:nvContentPartPr>
                 <p14:cNvPr id="27" name="Ink 26">
@@ -20807,7 +21345,7 @@
               </p14:xfrm>
             </p:contentPart>
           </mc:Choice>
-          <mc:Fallback>
+          <mc:Fallback xmlns="">
             <p:pic>
               <p:nvPicPr>
                 <p:cNvPr id="27" name="Ink 26">
@@ -20838,8 +21376,8 @@
             </p:pic>
           </mc:Fallback>
         </mc:AlternateContent>
-        <mc:AlternateContent xmlns:mc="http://schemas.openxmlformats.org/markup-compatibility/2006">
-          <mc:Choice xmlns:p14="http://schemas.microsoft.com/office/powerpoint/2010/main" Requires="p14">
+        <mc:AlternateContent xmlns:mc="http://schemas.openxmlformats.org/markup-compatibility/2006" xmlns:p14="http://schemas.microsoft.com/office/powerpoint/2010/main">
+          <mc:Choice Requires="p14">
             <p:contentPart p14:bwMode="auto" r:id="rId39">
               <p14:nvContentPartPr>
                 <p14:cNvPr id="28" name="Ink 27">
@@ -20858,7 +21396,7 @@
               </p14:xfrm>
             </p:contentPart>
           </mc:Choice>
-          <mc:Fallback>
+          <mc:Fallback xmlns="">
             <p:pic>
               <p:nvPicPr>
                 <p:cNvPr id="28" name="Ink 27">
@@ -20889,8 +21427,8 @@
             </p:pic>
           </mc:Fallback>
         </mc:AlternateContent>
-        <mc:AlternateContent xmlns:mc="http://schemas.openxmlformats.org/markup-compatibility/2006">
-          <mc:Choice xmlns:p14="http://schemas.microsoft.com/office/powerpoint/2010/main" Requires="p14">
+        <mc:AlternateContent xmlns:mc="http://schemas.openxmlformats.org/markup-compatibility/2006" xmlns:p14="http://schemas.microsoft.com/office/powerpoint/2010/main">
+          <mc:Choice Requires="p14">
             <p:contentPart p14:bwMode="auto" r:id="rId41">
               <p14:nvContentPartPr>
                 <p14:cNvPr id="29" name="Ink 28">
@@ -20909,7 +21447,7 @@
               </p14:xfrm>
             </p:contentPart>
           </mc:Choice>
-          <mc:Fallback>
+          <mc:Fallback xmlns="">
             <p:pic>
               <p:nvPicPr>
                 <p:cNvPr id="29" name="Ink 28">
@@ -20940,8 +21478,8 @@
             </p:pic>
           </mc:Fallback>
         </mc:AlternateContent>
-        <mc:AlternateContent xmlns:mc="http://schemas.openxmlformats.org/markup-compatibility/2006">
-          <mc:Choice xmlns:p14="http://schemas.microsoft.com/office/powerpoint/2010/main" Requires="p14">
+        <mc:AlternateContent xmlns:mc="http://schemas.openxmlformats.org/markup-compatibility/2006" xmlns:p14="http://schemas.microsoft.com/office/powerpoint/2010/main">
+          <mc:Choice Requires="p14">
             <p:contentPart p14:bwMode="auto" r:id="rId43">
               <p14:nvContentPartPr>
                 <p14:cNvPr id="31" name="Ink 30">
@@ -20960,7 +21498,7 @@
               </p14:xfrm>
             </p:contentPart>
           </mc:Choice>
-          <mc:Fallback>
+          <mc:Fallback xmlns="">
             <p:pic>
               <p:nvPicPr>
                 <p:cNvPr id="31" name="Ink 30">
@@ -20991,8 +21529,8 @@
             </p:pic>
           </mc:Fallback>
         </mc:AlternateContent>
-        <mc:AlternateContent xmlns:mc="http://schemas.openxmlformats.org/markup-compatibility/2006">
-          <mc:Choice xmlns:p14="http://schemas.microsoft.com/office/powerpoint/2010/main" Requires="p14">
+        <mc:AlternateContent xmlns:mc="http://schemas.openxmlformats.org/markup-compatibility/2006" xmlns:p14="http://schemas.microsoft.com/office/powerpoint/2010/main">
+          <mc:Choice Requires="p14">
             <p:contentPart p14:bwMode="auto" r:id="rId45">
               <p14:nvContentPartPr>
                 <p14:cNvPr id="32" name="Ink 31">
@@ -21011,7 +21549,7 @@
               </p14:xfrm>
             </p:contentPart>
           </mc:Choice>
-          <mc:Fallback>
+          <mc:Fallback xmlns="">
             <p:pic>
               <p:nvPicPr>
                 <p:cNvPr id="32" name="Ink 31">
@@ -21042,8 +21580,8 @@
             </p:pic>
           </mc:Fallback>
         </mc:AlternateContent>
-        <mc:AlternateContent xmlns:mc="http://schemas.openxmlformats.org/markup-compatibility/2006">
-          <mc:Choice xmlns:p14="http://schemas.microsoft.com/office/powerpoint/2010/main" Requires="p14">
+        <mc:AlternateContent xmlns:mc="http://schemas.openxmlformats.org/markup-compatibility/2006" xmlns:p14="http://schemas.microsoft.com/office/powerpoint/2010/main">
+          <mc:Choice Requires="p14">
             <p:contentPart p14:bwMode="auto" r:id="rId47">
               <p14:nvContentPartPr>
                 <p14:cNvPr id="34" name="Ink 33">
@@ -21062,7 +21600,7 @@
               </p14:xfrm>
             </p:contentPart>
           </mc:Choice>
-          <mc:Fallback>
+          <mc:Fallback xmlns="">
             <p:pic>
               <p:nvPicPr>
                 <p:cNvPr id="34" name="Ink 33">
@@ -21093,8 +21631,8 @@
             </p:pic>
           </mc:Fallback>
         </mc:AlternateContent>
-        <mc:AlternateContent xmlns:mc="http://schemas.openxmlformats.org/markup-compatibility/2006">
-          <mc:Choice xmlns:p14="http://schemas.microsoft.com/office/powerpoint/2010/main" Requires="p14">
+        <mc:AlternateContent xmlns:mc="http://schemas.openxmlformats.org/markup-compatibility/2006" xmlns:p14="http://schemas.microsoft.com/office/powerpoint/2010/main">
+          <mc:Choice Requires="p14">
             <p:contentPart p14:bwMode="auto" r:id="rId49">
               <p14:nvContentPartPr>
                 <p14:cNvPr id="35" name="Ink 34">
@@ -21113,7 +21651,7 @@
               </p14:xfrm>
             </p:contentPart>
           </mc:Choice>
-          <mc:Fallback>
+          <mc:Fallback xmlns="">
             <p:pic>
               <p:nvPicPr>
                 <p:cNvPr id="35" name="Ink 34">
@@ -21144,8 +21682,8 @@
             </p:pic>
           </mc:Fallback>
         </mc:AlternateContent>
-        <mc:AlternateContent xmlns:mc="http://schemas.openxmlformats.org/markup-compatibility/2006">
-          <mc:Choice xmlns:p14="http://schemas.microsoft.com/office/powerpoint/2010/main" Requires="p14">
+        <mc:AlternateContent xmlns:mc="http://schemas.openxmlformats.org/markup-compatibility/2006" xmlns:p14="http://schemas.microsoft.com/office/powerpoint/2010/main">
+          <mc:Choice Requires="p14">
             <p:contentPart p14:bwMode="auto" r:id="rId51">
               <p14:nvContentPartPr>
                 <p14:cNvPr id="36" name="Ink 35">
@@ -21164,7 +21702,7 @@
               </p14:xfrm>
             </p:contentPart>
           </mc:Choice>
-          <mc:Fallback>
+          <mc:Fallback xmlns="">
             <p:pic>
               <p:nvPicPr>
                 <p:cNvPr id="36" name="Ink 35">
@@ -21195,8 +21733,8 @@
             </p:pic>
           </mc:Fallback>
         </mc:AlternateContent>
-        <mc:AlternateContent xmlns:mc="http://schemas.openxmlformats.org/markup-compatibility/2006">
-          <mc:Choice xmlns:p14="http://schemas.microsoft.com/office/powerpoint/2010/main" Requires="p14">
+        <mc:AlternateContent xmlns:mc="http://schemas.openxmlformats.org/markup-compatibility/2006" xmlns:p14="http://schemas.microsoft.com/office/powerpoint/2010/main">
+          <mc:Choice Requires="p14">
             <p:contentPart p14:bwMode="auto" r:id="rId53">
               <p14:nvContentPartPr>
                 <p14:cNvPr id="37" name="Ink 36">
@@ -21215,7 +21753,7 @@
               </p14:xfrm>
             </p:contentPart>
           </mc:Choice>
-          <mc:Fallback>
+          <mc:Fallback xmlns="">
             <p:pic>
               <p:nvPicPr>
                 <p:cNvPr id="37" name="Ink 36">
@@ -21246,8 +21784,8 @@
             </p:pic>
           </mc:Fallback>
         </mc:AlternateContent>
-        <mc:AlternateContent xmlns:mc="http://schemas.openxmlformats.org/markup-compatibility/2006">
-          <mc:Choice xmlns:p14="http://schemas.microsoft.com/office/powerpoint/2010/main" Requires="p14">
+        <mc:AlternateContent xmlns:mc="http://schemas.openxmlformats.org/markup-compatibility/2006" xmlns:p14="http://schemas.microsoft.com/office/powerpoint/2010/main">
+          <mc:Choice Requires="p14">
             <p:contentPart p14:bwMode="auto" r:id="rId55">
               <p14:nvContentPartPr>
                 <p14:cNvPr id="38" name="Ink 37">
@@ -21266,7 +21804,7 @@
               </p14:xfrm>
             </p:contentPart>
           </mc:Choice>
-          <mc:Fallback>
+          <mc:Fallback xmlns="">
             <p:pic>
               <p:nvPicPr>
                 <p:cNvPr id="38" name="Ink 37">
@@ -21297,8 +21835,8 @@
             </p:pic>
           </mc:Fallback>
         </mc:AlternateContent>
-        <mc:AlternateContent xmlns:mc="http://schemas.openxmlformats.org/markup-compatibility/2006">
-          <mc:Choice xmlns:p14="http://schemas.microsoft.com/office/powerpoint/2010/main" Requires="p14">
+        <mc:AlternateContent xmlns:mc="http://schemas.openxmlformats.org/markup-compatibility/2006" xmlns:p14="http://schemas.microsoft.com/office/powerpoint/2010/main">
+          <mc:Choice Requires="p14">
             <p:contentPart p14:bwMode="auto" r:id="rId57">
               <p14:nvContentPartPr>
                 <p14:cNvPr id="39" name="Ink 38">
@@ -21317,7 +21855,7 @@
               </p14:xfrm>
             </p:contentPart>
           </mc:Choice>
-          <mc:Fallback>
+          <mc:Fallback xmlns="">
             <p:pic>
               <p:nvPicPr>
                 <p:cNvPr id="39" name="Ink 38">
@@ -21348,8 +21886,8 @@
             </p:pic>
           </mc:Fallback>
         </mc:AlternateContent>
-        <mc:AlternateContent xmlns:mc="http://schemas.openxmlformats.org/markup-compatibility/2006">
-          <mc:Choice xmlns:p14="http://schemas.microsoft.com/office/powerpoint/2010/main" Requires="p14">
+        <mc:AlternateContent xmlns:mc="http://schemas.openxmlformats.org/markup-compatibility/2006" xmlns:p14="http://schemas.microsoft.com/office/powerpoint/2010/main">
+          <mc:Choice Requires="p14">
             <p:contentPart p14:bwMode="auto" r:id="rId59">
               <p14:nvContentPartPr>
                 <p14:cNvPr id="40" name="Ink 39">
@@ -21368,7 +21906,7 @@
               </p14:xfrm>
             </p:contentPart>
           </mc:Choice>
-          <mc:Fallback>
+          <mc:Fallback xmlns="">
             <p:pic>
               <p:nvPicPr>
                 <p:cNvPr id="40" name="Ink 39">
@@ -21399,8 +21937,8 @@
             </p:pic>
           </mc:Fallback>
         </mc:AlternateContent>
-        <mc:AlternateContent xmlns:mc="http://schemas.openxmlformats.org/markup-compatibility/2006">
-          <mc:Choice xmlns:p14="http://schemas.microsoft.com/office/powerpoint/2010/main" Requires="p14">
+        <mc:AlternateContent xmlns:mc="http://schemas.openxmlformats.org/markup-compatibility/2006" xmlns:p14="http://schemas.microsoft.com/office/powerpoint/2010/main">
+          <mc:Choice Requires="p14">
             <p:contentPart p14:bwMode="auto" r:id="rId61">
               <p14:nvContentPartPr>
                 <p14:cNvPr id="41" name="Ink 40">
@@ -21419,7 +21957,7 @@
               </p14:xfrm>
             </p:contentPart>
           </mc:Choice>
-          <mc:Fallback>
+          <mc:Fallback xmlns="">
             <p:pic>
               <p:nvPicPr>
                 <p:cNvPr id="41" name="Ink 40">
@@ -21450,8 +21988,8 @@
             </p:pic>
           </mc:Fallback>
         </mc:AlternateContent>
-        <mc:AlternateContent xmlns:mc="http://schemas.openxmlformats.org/markup-compatibility/2006">
-          <mc:Choice xmlns:p14="http://schemas.microsoft.com/office/powerpoint/2010/main" Requires="p14">
+        <mc:AlternateContent xmlns:mc="http://schemas.openxmlformats.org/markup-compatibility/2006" xmlns:p14="http://schemas.microsoft.com/office/powerpoint/2010/main">
+          <mc:Choice Requires="p14">
             <p:contentPart p14:bwMode="auto" r:id="rId63">
               <p14:nvContentPartPr>
                 <p14:cNvPr id="42" name="Ink 41">
@@ -21470,7 +22008,7 @@
               </p14:xfrm>
             </p:contentPart>
           </mc:Choice>
-          <mc:Fallback>
+          <mc:Fallback xmlns="">
             <p:pic>
               <p:nvPicPr>
                 <p:cNvPr id="42" name="Ink 41">
@@ -21501,8 +22039,8 @@
             </p:pic>
           </mc:Fallback>
         </mc:AlternateContent>
-        <mc:AlternateContent xmlns:mc="http://schemas.openxmlformats.org/markup-compatibility/2006">
-          <mc:Choice xmlns:p14="http://schemas.microsoft.com/office/powerpoint/2010/main" Requires="p14">
+        <mc:AlternateContent xmlns:mc="http://schemas.openxmlformats.org/markup-compatibility/2006" xmlns:p14="http://schemas.microsoft.com/office/powerpoint/2010/main">
+          <mc:Choice Requires="p14">
             <p:contentPart p14:bwMode="auto" r:id="rId65">
               <p14:nvContentPartPr>
                 <p14:cNvPr id="44" name="Ink 43">
@@ -21521,7 +22059,7 @@
               </p14:xfrm>
             </p:contentPart>
           </mc:Choice>
-          <mc:Fallback>
+          <mc:Fallback xmlns="">
             <p:pic>
               <p:nvPicPr>
                 <p:cNvPr id="44" name="Ink 43">
@@ -21553,8 +22091,8 @@
           </mc:Fallback>
         </mc:AlternateContent>
       </p:grpSp>
-      <mc:AlternateContent xmlns:mc="http://schemas.openxmlformats.org/markup-compatibility/2006">
-        <mc:Choice xmlns:p14="http://schemas.microsoft.com/office/powerpoint/2010/main" Requires="p14">
+      <mc:AlternateContent xmlns:mc="http://schemas.openxmlformats.org/markup-compatibility/2006" xmlns:p14="http://schemas.microsoft.com/office/powerpoint/2010/main">
+        <mc:Choice Requires="p14">
           <p:contentPart p14:bwMode="auto" r:id="rId67">
             <p14:nvContentPartPr>
               <p14:cNvPr id="50" name="Ink 49">
@@ -21573,7 +22111,7 @@
             </p14:xfrm>
           </p:contentPart>
         </mc:Choice>
-        <mc:Fallback>
+        <mc:Fallback xmlns="">
           <p:pic>
             <p:nvPicPr>
               <p:cNvPr id="50" name="Ink 49">
@@ -21604,8 +22142,8 @@
           </p:pic>
         </mc:Fallback>
       </mc:AlternateContent>
-      <mc:AlternateContent xmlns:mc="http://schemas.openxmlformats.org/markup-compatibility/2006">
-        <mc:Choice xmlns:p14="http://schemas.microsoft.com/office/powerpoint/2010/main" Requires="p14">
+      <mc:AlternateContent xmlns:mc="http://schemas.openxmlformats.org/markup-compatibility/2006" xmlns:p14="http://schemas.microsoft.com/office/powerpoint/2010/main">
+        <mc:Choice Requires="p14">
           <p:contentPart p14:bwMode="auto" r:id="rId69">
             <p14:nvContentPartPr>
               <p14:cNvPr id="51" name="Ink 50">
@@ -21624,7 +22162,7 @@
             </p14:xfrm>
           </p:contentPart>
         </mc:Choice>
-        <mc:Fallback>
+        <mc:Fallback xmlns="">
           <p:pic>
             <p:nvPicPr>
               <p:cNvPr id="51" name="Ink 50">
@@ -21655,8 +22193,8 @@
           </p:pic>
         </mc:Fallback>
       </mc:AlternateContent>
-      <mc:AlternateContent xmlns:mc="http://schemas.openxmlformats.org/markup-compatibility/2006">
-        <mc:Choice xmlns:p14="http://schemas.microsoft.com/office/powerpoint/2010/main" Requires="p14">
+      <mc:AlternateContent xmlns:mc="http://schemas.openxmlformats.org/markup-compatibility/2006" xmlns:p14="http://schemas.microsoft.com/office/powerpoint/2010/main">
+        <mc:Choice Requires="p14">
           <p:contentPart p14:bwMode="auto" r:id="rId71">
             <p14:nvContentPartPr>
               <p14:cNvPr id="52" name="Ink 51">
@@ -21675,7 +22213,7 @@
             </p14:xfrm>
           </p:contentPart>
         </mc:Choice>
-        <mc:Fallback>
+        <mc:Fallback xmlns="">
           <p:pic>
             <p:nvPicPr>
               <p:cNvPr id="52" name="Ink 51">
@@ -21706,8 +22244,8 @@
           </p:pic>
         </mc:Fallback>
       </mc:AlternateContent>
-      <mc:AlternateContent xmlns:mc="http://schemas.openxmlformats.org/markup-compatibility/2006">
-        <mc:Choice xmlns:p14="http://schemas.microsoft.com/office/powerpoint/2010/main" Requires="p14">
+      <mc:AlternateContent xmlns:mc="http://schemas.openxmlformats.org/markup-compatibility/2006" xmlns:p14="http://schemas.microsoft.com/office/powerpoint/2010/main">
+        <mc:Choice Requires="p14">
           <p:contentPart p14:bwMode="auto" r:id="rId73">
             <p14:nvContentPartPr>
               <p14:cNvPr id="54" name="Ink 53">
@@ -21726,7 +22264,7 @@
             </p14:xfrm>
           </p:contentPart>
         </mc:Choice>
-        <mc:Fallback>
+        <mc:Fallback xmlns="">
           <p:pic>
             <p:nvPicPr>
               <p:cNvPr id="54" name="Ink 53">
@@ -21757,8 +22295,8 @@
           </p:pic>
         </mc:Fallback>
       </mc:AlternateContent>
-      <mc:AlternateContent xmlns:mc="http://schemas.openxmlformats.org/markup-compatibility/2006">
-        <mc:Choice xmlns:p14="http://schemas.microsoft.com/office/powerpoint/2010/main" Requires="p14">
+      <mc:AlternateContent xmlns:mc="http://schemas.openxmlformats.org/markup-compatibility/2006" xmlns:p14="http://schemas.microsoft.com/office/powerpoint/2010/main">
+        <mc:Choice Requires="p14">
           <p:contentPart p14:bwMode="auto" r:id="rId75">
             <p14:nvContentPartPr>
               <p14:cNvPr id="55" name="Ink 54">
@@ -21777,7 +22315,7 @@
             </p14:xfrm>
           </p:contentPart>
         </mc:Choice>
-        <mc:Fallback>
+        <mc:Fallback xmlns="">
           <p:pic>
             <p:nvPicPr>
               <p:cNvPr id="55" name="Ink 54">
@@ -21808,8 +22346,8 @@
           </p:pic>
         </mc:Fallback>
       </mc:AlternateContent>
-      <mc:AlternateContent xmlns:mc="http://schemas.openxmlformats.org/markup-compatibility/2006">
-        <mc:Choice xmlns:p14="http://schemas.microsoft.com/office/powerpoint/2010/main" Requires="p14">
+      <mc:AlternateContent xmlns:mc="http://schemas.openxmlformats.org/markup-compatibility/2006" xmlns:p14="http://schemas.microsoft.com/office/powerpoint/2010/main">
+        <mc:Choice Requires="p14">
           <p:contentPart p14:bwMode="auto" r:id="rId77">
             <p14:nvContentPartPr>
               <p14:cNvPr id="56" name="Ink 55">
@@ -21828,7 +22366,7 @@
             </p14:xfrm>
           </p:contentPart>
         </mc:Choice>
-        <mc:Fallback>
+        <mc:Fallback xmlns="">
           <p:pic>
             <p:nvPicPr>
               <p:cNvPr id="56" name="Ink 55">
@@ -21859,8 +22397,8 @@
           </p:pic>
         </mc:Fallback>
       </mc:AlternateContent>
-      <mc:AlternateContent xmlns:mc="http://schemas.openxmlformats.org/markup-compatibility/2006">
-        <mc:Choice xmlns:p14="http://schemas.microsoft.com/office/powerpoint/2010/main" Requires="p14">
+      <mc:AlternateContent xmlns:mc="http://schemas.openxmlformats.org/markup-compatibility/2006" xmlns:p14="http://schemas.microsoft.com/office/powerpoint/2010/main">
+        <mc:Choice Requires="p14">
           <p:contentPart p14:bwMode="auto" r:id="rId79">
             <p14:nvContentPartPr>
               <p14:cNvPr id="57" name="Ink 56">
@@ -21879,7 +22417,7 @@
             </p14:xfrm>
           </p:contentPart>
         </mc:Choice>
-        <mc:Fallback>
+        <mc:Fallback xmlns="">
           <p:pic>
             <p:nvPicPr>
               <p:cNvPr id="57" name="Ink 56">
@@ -21930,8 +22468,8 @@
             <a:chExt cx="942120" cy="260640"/>
           </a:xfrm>
         </p:grpSpPr>
-        <mc:AlternateContent xmlns:mc="http://schemas.openxmlformats.org/markup-compatibility/2006">
-          <mc:Choice xmlns:p14="http://schemas.microsoft.com/office/powerpoint/2010/main" Requires="p14">
+        <mc:AlternateContent xmlns:mc="http://schemas.openxmlformats.org/markup-compatibility/2006" xmlns:p14="http://schemas.microsoft.com/office/powerpoint/2010/main">
+          <mc:Choice Requires="p14">
             <p:contentPart p14:bwMode="auto" r:id="rId81">
               <p14:nvContentPartPr>
                 <p14:cNvPr id="58" name="Ink 57">
@@ -21950,7 +22488,7 @@
               </p14:xfrm>
             </p:contentPart>
           </mc:Choice>
-          <mc:Fallback>
+          <mc:Fallback xmlns="">
             <p:pic>
               <p:nvPicPr>
                 <p:cNvPr id="58" name="Ink 57">
@@ -21981,8 +22519,8 @@
             </p:pic>
           </mc:Fallback>
         </mc:AlternateContent>
-        <mc:AlternateContent xmlns:mc="http://schemas.openxmlformats.org/markup-compatibility/2006">
-          <mc:Choice xmlns:p14="http://schemas.microsoft.com/office/powerpoint/2010/main" Requires="p14">
+        <mc:AlternateContent xmlns:mc="http://schemas.openxmlformats.org/markup-compatibility/2006" xmlns:p14="http://schemas.microsoft.com/office/powerpoint/2010/main">
+          <mc:Choice Requires="p14">
             <p:contentPart p14:bwMode="auto" r:id="rId83">
               <p14:nvContentPartPr>
                 <p14:cNvPr id="60" name="Ink 59">
@@ -22001,7 +22539,7 @@
               </p14:xfrm>
             </p:contentPart>
           </mc:Choice>
-          <mc:Fallback>
+          <mc:Fallback xmlns="">
             <p:pic>
               <p:nvPicPr>
                 <p:cNvPr id="60" name="Ink 59">
@@ -22032,8 +22570,8 @@
             </p:pic>
           </mc:Fallback>
         </mc:AlternateContent>
-        <mc:AlternateContent xmlns:mc="http://schemas.openxmlformats.org/markup-compatibility/2006">
-          <mc:Choice xmlns:p14="http://schemas.microsoft.com/office/powerpoint/2010/main" Requires="p14">
+        <mc:AlternateContent xmlns:mc="http://schemas.openxmlformats.org/markup-compatibility/2006" xmlns:p14="http://schemas.microsoft.com/office/powerpoint/2010/main">
+          <mc:Choice Requires="p14">
             <p:contentPart p14:bwMode="auto" r:id="rId85">
               <p14:nvContentPartPr>
                 <p14:cNvPr id="62" name="Ink 61">
@@ -22052,7 +22590,7 @@
               </p14:xfrm>
             </p:contentPart>
           </mc:Choice>
-          <mc:Fallback>
+          <mc:Fallback xmlns="">
             <p:pic>
               <p:nvPicPr>
                 <p:cNvPr id="62" name="Ink 61">
@@ -22083,8 +22621,8 @@
             </p:pic>
           </mc:Fallback>
         </mc:AlternateContent>
-        <mc:AlternateContent xmlns:mc="http://schemas.openxmlformats.org/markup-compatibility/2006">
-          <mc:Choice xmlns:p14="http://schemas.microsoft.com/office/powerpoint/2010/main" Requires="p14">
+        <mc:AlternateContent xmlns:mc="http://schemas.openxmlformats.org/markup-compatibility/2006" xmlns:p14="http://schemas.microsoft.com/office/powerpoint/2010/main">
+          <mc:Choice Requires="p14">
             <p:contentPart p14:bwMode="auto" r:id="rId87">
               <p14:nvContentPartPr>
                 <p14:cNvPr id="63" name="Ink 62">
@@ -22103,7 +22641,7 @@
               </p14:xfrm>
             </p:contentPart>
           </mc:Choice>
-          <mc:Fallback>
+          <mc:Fallback xmlns="">
             <p:pic>
               <p:nvPicPr>
                 <p:cNvPr id="63" name="Ink 62">
@@ -22134,8 +22672,8 @@
             </p:pic>
           </mc:Fallback>
         </mc:AlternateContent>
-        <mc:AlternateContent xmlns:mc="http://schemas.openxmlformats.org/markup-compatibility/2006">
-          <mc:Choice xmlns:p14="http://schemas.microsoft.com/office/powerpoint/2010/main" Requires="p14">
+        <mc:AlternateContent xmlns:mc="http://schemas.openxmlformats.org/markup-compatibility/2006" xmlns:p14="http://schemas.microsoft.com/office/powerpoint/2010/main">
+          <mc:Choice Requires="p14">
             <p:contentPart p14:bwMode="auto" r:id="rId89">
               <p14:nvContentPartPr>
                 <p14:cNvPr id="64" name="Ink 63">
@@ -22154,7 +22692,7 @@
               </p14:xfrm>
             </p:contentPart>
           </mc:Choice>
-          <mc:Fallback>
+          <mc:Fallback xmlns="">
             <p:pic>
               <p:nvPicPr>
                 <p:cNvPr id="64" name="Ink 63">
@@ -22185,8 +22723,8 @@
             </p:pic>
           </mc:Fallback>
         </mc:AlternateContent>
-        <mc:AlternateContent xmlns:mc="http://schemas.openxmlformats.org/markup-compatibility/2006">
-          <mc:Choice xmlns:p14="http://schemas.microsoft.com/office/powerpoint/2010/main" Requires="p14">
+        <mc:AlternateContent xmlns:mc="http://schemas.openxmlformats.org/markup-compatibility/2006" xmlns:p14="http://schemas.microsoft.com/office/powerpoint/2010/main">
+          <mc:Choice Requires="p14">
             <p:contentPart p14:bwMode="auto" r:id="rId91">
               <p14:nvContentPartPr>
                 <p14:cNvPr id="65" name="Ink 64">
@@ -22205,7 +22743,7 @@
               </p14:xfrm>
             </p:contentPart>
           </mc:Choice>
-          <mc:Fallback>
+          <mc:Fallback xmlns="">
             <p:pic>
               <p:nvPicPr>
                 <p:cNvPr id="65" name="Ink 64">
@@ -22237,8 +22775,8 @@
           </mc:Fallback>
         </mc:AlternateContent>
       </p:grpSp>
-      <mc:AlternateContent xmlns:mc="http://schemas.openxmlformats.org/markup-compatibility/2006">
-        <mc:Choice xmlns:p14="http://schemas.microsoft.com/office/powerpoint/2010/main" Requires="p14">
+      <mc:AlternateContent xmlns:mc="http://schemas.openxmlformats.org/markup-compatibility/2006" xmlns:p14="http://schemas.microsoft.com/office/powerpoint/2010/main">
+        <mc:Choice Requires="p14">
           <p:contentPart p14:bwMode="auto" r:id="rId93">
             <p14:nvContentPartPr>
               <p14:cNvPr id="67" name="Ink 66">
@@ -22257,7 +22795,7 @@
             </p14:xfrm>
           </p:contentPart>
         </mc:Choice>
-        <mc:Fallback>
+        <mc:Fallback xmlns="">
           <p:pic>
             <p:nvPicPr>
               <p:cNvPr id="67" name="Ink 66">
@@ -22308,8 +22846,8 @@
             <a:chExt cx="949320" cy="728280"/>
           </a:xfrm>
         </p:grpSpPr>
-        <mc:AlternateContent xmlns:mc="http://schemas.openxmlformats.org/markup-compatibility/2006">
-          <mc:Choice xmlns:p14="http://schemas.microsoft.com/office/powerpoint/2010/main" Requires="p14">
+        <mc:AlternateContent xmlns:mc="http://schemas.openxmlformats.org/markup-compatibility/2006" xmlns:p14="http://schemas.microsoft.com/office/powerpoint/2010/main">
+          <mc:Choice Requires="p14">
             <p:contentPart p14:bwMode="auto" r:id="rId95">
               <p14:nvContentPartPr>
                 <p14:cNvPr id="76" name="Ink 75">
@@ -22328,7 +22866,7 @@
               </p14:xfrm>
             </p:contentPart>
           </mc:Choice>
-          <mc:Fallback>
+          <mc:Fallback xmlns="">
             <p:pic>
               <p:nvPicPr>
                 <p:cNvPr id="76" name="Ink 75">
@@ -22359,8 +22897,8 @@
             </p:pic>
           </mc:Fallback>
         </mc:AlternateContent>
-        <mc:AlternateContent xmlns:mc="http://schemas.openxmlformats.org/markup-compatibility/2006">
-          <mc:Choice xmlns:p14="http://schemas.microsoft.com/office/powerpoint/2010/main" Requires="p14">
+        <mc:AlternateContent xmlns:mc="http://schemas.openxmlformats.org/markup-compatibility/2006" xmlns:p14="http://schemas.microsoft.com/office/powerpoint/2010/main">
+          <mc:Choice Requires="p14">
             <p:contentPart p14:bwMode="auto" r:id="rId97">
               <p14:nvContentPartPr>
                 <p14:cNvPr id="77" name="Ink 76">
@@ -22379,7 +22917,7 @@
               </p14:xfrm>
             </p:contentPart>
           </mc:Choice>
-          <mc:Fallback>
+          <mc:Fallback xmlns="">
             <p:pic>
               <p:nvPicPr>
                 <p:cNvPr id="77" name="Ink 76">
@@ -22410,8 +22948,8 @@
             </p:pic>
           </mc:Fallback>
         </mc:AlternateContent>
-        <mc:AlternateContent xmlns:mc="http://schemas.openxmlformats.org/markup-compatibility/2006">
-          <mc:Choice xmlns:p14="http://schemas.microsoft.com/office/powerpoint/2010/main" Requires="p14">
+        <mc:AlternateContent xmlns:mc="http://schemas.openxmlformats.org/markup-compatibility/2006" xmlns:p14="http://schemas.microsoft.com/office/powerpoint/2010/main">
+          <mc:Choice Requires="p14">
             <p:contentPart p14:bwMode="auto" r:id="rId99">
               <p14:nvContentPartPr>
                 <p14:cNvPr id="78" name="Ink 77">
@@ -22430,7 +22968,7 @@
               </p14:xfrm>
             </p:contentPart>
           </mc:Choice>
-          <mc:Fallback>
+          <mc:Fallback xmlns="">
             <p:pic>
               <p:nvPicPr>
                 <p:cNvPr id="78" name="Ink 77">
@@ -22461,8 +22999,8 @@
             </p:pic>
           </mc:Fallback>
         </mc:AlternateContent>
-        <mc:AlternateContent xmlns:mc="http://schemas.openxmlformats.org/markup-compatibility/2006">
-          <mc:Choice xmlns:p14="http://schemas.microsoft.com/office/powerpoint/2010/main" Requires="p14">
+        <mc:AlternateContent xmlns:mc="http://schemas.openxmlformats.org/markup-compatibility/2006" xmlns:p14="http://schemas.microsoft.com/office/powerpoint/2010/main">
+          <mc:Choice Requires="p14">
             <p:contentPart p14:bwMode="auto" r:id="rId101">
               <p14:nvContentPartPr>
                 <p14:cNvPr id="79" name="Ink 78">
@@ -22481,7 +23019,7 @@
               </p14:xfrm>
             </p:contentPart>
           </mc:Choice>
-          <mc:Fallback>
+          <mc:Fallback xmlns="">
             <p:pic>
               <p:nvPicPr>
                 <p:cNvPr id="79" name="Ink 78">
@@ -22512,8 +23050,8 @@
             </p:pic>
           </mc:Fallback>
         </mc:AlternateContent>
-        <mc:AlternateContent xmlns:mc="http://schemas.openxmlformats.org/markup-compatibility/2006">
-          <mc:Choice xmlns:p14="http://schemas.microsoft.com/office/powerpoint/2010/main" Requires="p14">
+        <mc:AlternateContent xmlns:mc="http://schemas.openxmlformats.org/markup-compatibility/2006" xmlns:p14="http://schemas.microsoft.com/office/powerpoint/2010/main">
+          <mc:Choice Requires="p14">
             <p:contentPart p14:bwMode="auto" r:id="rId103">
               <p14:nvContentPartPr>
                 <p14:cNvPr id="80" name="Ink 79">
@@ -22532,7 +23070,7 @@
               </p14:xfrm>
             </p:contentPart>
           </mc:Choice>
-          <mc:Fallback>
+          <mc:Fallback xmlns="">
             <p:pic>
               <p:nvPicPr>
                 <p:cNvPr id="80" name="Ink 79">
@@ -22563,8 +23101,8 @@
             </p:pic>
           </mc:Fallback>
         </mc:AlternateContent>
-        <mc:AlternateContent xmlns:mc="http://schemas.openxmlformats.org/markup-compatibility/2006">
-          <mc:Choice xmlns:p14="http://schemas.microsoft.com/office/powerpoint/2010/main" Requires="p14">
+        <mc:AlternateContent xmlns:mc="http://schemas.openxmlformats.org/markup-compatibility/2006" xmlns:p14="http://schemas.microsoft.com/office/powerpoint/2010/main">
+          <mc:Choice Requires="p14">
             <p:contentPart p14:bwMode="auto" r:id="rId105">
               <p14:nvContentPartPr>
                 <p14:cNvPr id="81" name="Ink 80">
@@ -22583,7 +23121,7 @@
               </p14:xfrm>
             </p:contentPart>
           </mc:Choice>
-          <mc:Fallback>
+          <mc:Fallback xmlns="">
             <p:pic>
               <p:nvPicPr>
                 <p:cNvPr id="81" name="Ink 80">
@@ -22614,8 +23152,8 @@
             </p:pic>
           </mc:Fallback>
         </mc:AlternateContent>
-        <mc:AlternateContent xmlns:mc="http://schemas.openxmlformats.org/markup-compatibility/2006">
-          <mc:Choice xmlns:p14="http://schemas.microsoft.com/office/powerpoint/2010/main" Requires="p14">
+        <mc:AlternateContent xmlns:mc="http://schemas.openxmlformats.org/markup-compatibility/2006" xmlns:p14="http://schemas.microsoft.com/office/powerpoint/2010/main">
+          <mc:Choice Requires="p14">
             <p:contentPart p14:bwMode="auto" r:id="rId107">
               <p14:nvContentPartPr>
                 <p14:cNvPr id="82" name="Ink 81">
@@ -22634,7 +23172,7 @@
               </p14:xfrm>
             </p:contentPart>
           </mc:Choice>
-          <mc:Fallback>
+          <mc:Fallback xmlns="">
             <p:pic>
               <p:nvPicPr>
                 <p:cNvPr id="82" name="Ink 81">
@@ -22686,8 +23224,8 @@
             <a:chExt cx="934560" cy="624960"/>
           </a:xfrm>
         </p:grpSpPr>
-        <mc:AlternateContent xmlns:mc="http://schemas.openxmlformats.org/markup-compatibility/2006">
-          <mc:Choice xmlns:p14="http://schemas.microsoft.com/office/powerpoint/2010/main" Requires="p14">
+        <mc:AlternateContent xmlns:mc="http://schemas.openxmlformats.org/markup-compatibility/2006" xmlns:p14="http://schemas.microsoft.com/office/powerpoint/2010/main">
+          <mc:Choice Requires="p14">
             <p:contentPart p14:bwMode="auto" r:id="rId109">
               <p14:nvContentPartPr>
                 <p14:cNvPr id="68" name="Ink 67">
@@ -22706,7 +23244,7 @@
               </p14:xfrm>
             </p:contentPart>
           </mc:Choice>
-          <mc:Fallback>
+          <mc:Fallback xmlns="">
             <p:pic>
               <p:nvPicPr>
                 <p:cNvPr id="68" name="Ink 67">
@@ -22737,8 +23275,8 @@
             </p:pic>
           </mc:Fallback>
         </mc:AlternateContent>
-        <mc:AlternateContent xmlns:mc="http://schemas.openxmlformats.org/markup-compatibility/2006">
-          <mc:Choice xmlns:p14="http://schemas.microsoft.com/office/powerpoint/2010/main" Requires="p14">
+        <mc:AlternateContent xmlns:mc="http://schemas.openxmlformats.org/markup-compatibility/2006" xmlns:p14="http://schemas.microsoft.com/office/powerpoint/2010/main">
+          <mc:Choice Requires="p14">
             <p:contentPart p14:bwMode="auto" r:id="rId111">
               <p14:nvContentPartPr>
                 <p14:cNvPr id="69" name="Ink 68">
@@ -22757,7 +23295,7 @@
               </p14:xfrm>
             </p:contentPart>
           </mc:Choice>
-          <mc:Fallback>
+          <mc:Fallback xmlns="">
             <p:pic>
               <p:nvPicPr>
                 <p:cNvPr id="69" name="Ink 68">
@@ -22788,8 +23326,8 @@
             </p:pic>
           </mc:Fallback>
         </mc:AlternateContent>
-        <mc:AlternateContent xmlns:mc="http://schemas.openxmlformats.org/markup-compatibility/2006">
-          <mc:Choice xmlns:p14="http://schemas.microsoft.com/office/powerpoint/2010/main" Requires="p14">
+        <mc:AlternateContent xmlns:mc="http://schemas.openxmlformats.org/markup-compatibility/2006" xmlns:p14="http://schemas.microsoft.com/office/powerpoint/2010/main">
+          <mc:Choice Requires="p14">
             <p:contentPart p14:bwMode="auto" r:id="rId113">
               <p14:nvContentPartPr>
                 <p14:cNvPr id="70" name="Ink 69">
@@ -22808,7 +23346,7 @@
               </p14:xfrm>
             </p:contentPart>
           </mc:Choice>
-          <mc:Fallback>
+          <mc:Fallback xmlns="">
             <p:pic>
               <p:nvPicPr>
                 <p:cNvPr id="70" name="Ink 69">
@@ -22839,8 +23377,8 @@
             </p:pic>
           </mc:Fallback>
         </mc:AlternateContent>
-        <mc:AlternateContent xmlns:mc="http://schemas.openxmlformats.org/markup-compatibility/2006">
-          <mc:Choice xmlns:p14="http://schemas.microsoft.com/office/powerpoint/2010/main" Requires="p14">
+        <mc:AlternateContent xmlns:mc="http://schemas.openxmlformats.org/markup-compatibility/2006" xmlns:p14="http://schemas.microsoft.com/office/powerpoint/2010/main">
+          <mc:Choice Requires="p14">
             <p:contentPart p14:bwMode="auto" r:id="rId115">
               <p14:nvContentPartPr>
                 <p14:cNvPr id="71" name="Ink 70">
@@ -22859,7 +23397,7 @@
               </p14:xfrm>
             </p:contentPart>
           </mc:Choice>
-          <mc:Fallback>
+          <mc:Fallback xmlns="">
             <p:pic>
               <p:nvPicPr>
                 <p:cNvPr id="71" name="Ink 70">
@@ -22890,8 +23428,8 @@
             </p:pic>
           </mc:Fallback>
         </mc:AlternateContent>
-        <mc:AlternateContent xmlns:mc="http://schemas.openxmlformats.org/markup-compatibility/2006">
-          <mc:Choice xmlns:p14="http://schemas.microsoft.com/office/powerpoint/2010/main" Requires="p14">
+        <mc:AlternateContent xmlns:mc="http://schemas.openxmlformats.org/markup-compatibility/2006" xmlns:p14="http://schemas.microsoft.com/office/powerpoint/2010/main">
+          <mc:Choice Requires="p14">
             <p:contentPart p14:bwMode="auto" r:id="rId117">
               <p14:nvContentPartPr>
                 <p14:cNvPr id="72" name="Ink 71">
@@ -22910,7 +23448,7 @@
               </p14:xfrm>
             </p:contentPart>
           </mc:Choice>
-          <mc:Fallback>
+          <mc:Fallback xmlns="">
             <p:pic>
               <p:nvPicPr>
                 <p:cNvPr id="72" name="Ink 71">
@@ -22941,8 +23479,8 @@
             </p:pic>
           </mc:Fallback>
         </mc:AlternateContent>
-        <mc:AlternateContent xmlns:mc="http://schemas.openxmlformats.org/markup-compatibility/2006">
-          <mc:Choice xmlns:p14="http://schemas.microsoft.com/office/powerpoint/2010/main" Requires="p14">
+        <mc:AlternateContent xmlns:mc="http://schemas.openxmlformats.org/markup-compatibility/2006" xmlns:p14="http://schemas.microsoft.com/office/powerpoint/2010/main">
+          <mc:Choice Requires="p14">
             <p:contentPart p14:bwMode="auto" r:id="rId119">
               <p14:nvContentPartPr>
                 <p14:cNvPr id="73" name="Ink 72">
@@ -22961,7 +23499,7 @@
               </p14:xfrm>
             </p:contentPart>
           </mc:Choice>
-          <mc:Fallback>
+          <mc:Fallback xmlns="">
             <p:pic>
               <p:nvPicPr>
                 <p:cNvPr id="73" name="Ink 72">
@@ -22992,8 +23530,8 @@
             </p:pic>
           </mc:Fallback>
         </mc:AlternateContent>
-        <mc:AlternateContent xmlns:mc="http://schemas.openxmlformats.org/markup-compatibility/2006">
-          <mc:Choice xmlns:p14="http://schemas.microsoft.com/office/powerpoint/2010/main" Requires="p14">
+        <mc:AlternateContent xmlns:mc="http://schemas.openxmlformats.org/markup-compatibility/2006" xmlns:p14="http://schemas.microsoft.com/office/powerpoint/2010/main">
+          <mc:Choice Requires="p14">
             <p:contentPart p14:bwMode="auto" r:id="rId121">
               <p14:nvContentPartPr>
                 <p14:cNvPr id="74" name="Ink 73">
@@ -23012,7 +23550,7 @@
               </p14:xfrm>
             </p:contentPart>
           </mc:Choice>
-          <mc:Fallback>
+          <mc:Fallback xmlns="">
             <p:pic>
               <p:nvPicPr>
                 <p:cNvPr id="74" name="Ink 73">
@@ -23043,8 +23581,8 @@
             </p:pic>
           </mc:Fallback>
         </mc:AlternateContent>
-        <mc:AlternateContent xmlns:mc="http://schemas.openxmlformats.org/markup-compatibility/2006">
-          <mc:Choice xmlns:p14="http://schemas.microsoft.com/office/powerpoint/2010/main" Requires="p14">
+        <mc:AlternateContent xmlns:mc="http://schemas.openxmlformats.org/markup-compatibility/2006" xmlns:p14="http://schemas.microsoft.com/office/powerpoint/2010/main">
+          <mc:Choice Requires="p14">
             <p:contentPart p14:bwMode="auto" r:id="rId123">
               <p14:nvContentPartPr>
                 <p14:cNvPr id="84" name="Ink 83">
@@ -23063,7 +23601,7 @@
               </p14:xfrm>
             </p:contentPart>
           </mc:Choice>
-          <mc:Fallback>
+          <mc:Fallback xmlns="">
             <p:pic>
               <p:nvPicPr>
                 <p:cNvPr id="84" name="Ink 83">
@@ -23105,13 +23643,13 @@
   <p:clrMapOvr>
     <a:masterClrMapping/>
   </p:clrMapOvr>
-  <mc:AlternateContent xmlns:mc="http://schemas.openxmlformats.org/markup-compatibility/2006">
-    <mc:Choice xmlns:p14="http://schemas.microsoft.com/office/powerpoint/2010/main" Requires="p14">
+  <mc:AlternateContent xmlns:mc="http://schemas.openxmlformats.org/markup-compatibility/2006" xmlns:p14="http://schemas.microsoft.com/office/powerpoint/2010/main">
+    <mc:Choice Requires="p14">
       <p:transition spd="med" p14:dur="700">
         <p:fade/>
       </p:transition>
     </mc:Choice>
-    <mc:Fallback>
+    <mc:Fallback xmlns="">
       <p:transition spd="med">
         <p:fade/>
       </p:transition>
@@ -23232,13 +23770,13 @@
   <p:clrMapOvr>
     <a:masterClrMapping/>
   </p:clrMapOvr>
-  <mc:AlternateContent xmlns:mc="http://schemas.openxmlformats.org/markup-compatibility/2006">
-    <mc:Choice xmlns:p14="http://schemas.microsoft.com/office/powerpoint/2010/main" Requires="p14">
+  <mc:AlternateContent xmlns:mc="http://schemas.openxmlformats.org/markup-compatibility/2006" xmlns:p14="http://schemas.microsoft.com/office/powerpoint/2010/main">
+    <mc:Choice Requires="p14">
       <p:transition spd="med" p14:dur="700">
         <p:fade/>
       </p:transition>
     </mc:Choice>
-    <mc:Fallback>
+    <mc:Fallback xmlns="">
       <p:transition spd="med">
         <p:fade/>
       </p:transition>
@@ -23444,8 +23982,8 @@
             <a:chExt cx="3515040" cy="3455640"/>
           </a:xfrm>
         </p:grpSpPr>
-        <mc:AlternateContent xmlns:mc="http://schemas.openxmlformats.org/markup-compatibility/2006">
-          <mc:Choice xmlns:p14="http://schemas.microsoft.com/office/powerpoint/2010/main" Requires="p14">
+        <mc:AlternateContent xmlns:mc="http://schemas.openxmlformats.org/markup-compatibility/2006" xmlns:p14="http://schemas.microsoft.com/office/powerpoint/2010/main">
+          <mc:Choice Requires="p14">
             <p:contentPart p14:bwMode="auto" r:id="rId3">
               <p14:nvContentPartPr>
                 <p14:cNvPr id="64" name="Ink 63">
@@ -23464,7 +24002,7 @@
               </p14:xfrm>
             </p:contentPart>
           </mc:Choice>
-          <mc:Fallback>
+          <mc:Fallback xmlns="">
             <p:pic>
               <p:nvPicPr>
                 <p:cNvPr id="64" name="Ink 63">
@@ -23495,8 +24033,8 @@
             </p:pic>
           </mc:Fallback>
         </mc:AlternateContent>
-        <mc:AlternateContent xmlns:mc="http://schemas.openxmlformats.org/markup-compatibility/2006">
-          <mc:Choice xmlns:p14="http://schemas.microsoft.com/office/powerpoint/2010/main" Requires="p14">
+        <mc:AlternateContent xmlns:mc="http://schemas.openxmlformats.org/markup-compatibility/2006" xmlns:p14="http://schemas.microsoft.com/office/powerpoint/2010/main">
+          <mc:Choice Requires="p14">
             <p:contentPart p14:bwMode="auto" r:id="rId5">
               <p14:nvContentPartPr>
                 <p14:cNvPr id="65" name="Ink 64">
@@ -23515,7 +24053,7 @@
               </p14:xfrm>
             </p:contentPart>
           </mc:Choice>
-          <mc:Fallback>
+          <mc:Fallback xmlns="">
             <p:pic>
               <p:nvPicPr>
                 <p:cNvPr id="65" name="Ink 64">
@@ -23546,8 +24084,8 @@
             </p:pic>
           </mc:Fallback>
         </mc:AlternateContent>
-        <mc:AlternateContent xmlns:mc="http://schemas.openxmlformats.org/markup-compatibility/2006">
-          <mc:Choice xmlns:p14="http://schemas.microsoft.com/office/powerpoint/2010/main" Requires="p14">
+        <mc:AlternateContent xmlns:mc="http://schemas.openxmlformats.org/markup-compatibility/2006" xmlns:p14="http://schemas.microsoft.com/office/powerpoint/2010/main">
+          <mc:Choice Requires="p14">
             <p:contentPart p14:bwMode="auto" r:id="rId7">
               <p14:nvContentPartPr>
                 <p14:cNvPr id="66" name="Ink 65">
@@ -23566,7 +24104,7 @@
               </p14:xfrm>
             </p:contentPart>
           </mc:Choice>
-          <mc:Fallback>
+          <mc:Fallback xmlns="">
             <p:pic>
               <p:nvPicPr>
                 <p:cNvPr id="66" name="Ink 65">
@@ -23597,8 +24135,8 @@
             </p:pic>
           </mc:Fallback>
         </mc:AlternateContent>
-        <mc:AlternateContent xmlns:mc="http://schemas.openxmlformats.org/markup-compatibility/2006">
-          <mc:Choice xmlns:p14="http://schemas.microsoft.com/office/powerpoint/2010/main" Requires="p14">
+        <mc:AlternateContent xmlns:mc="http://schemas.openxmlformats.org/markup-compatibility/2006" xmlns:p14="http://schemas.microsoft.com/office/powerpoint/2010/main">
+          <mc:Choice Requires="p14">
             <p:contentPart p14:bwMode="auto" r:id="rId9">
               <p14:nvContentPartPr>
                 <p14:cNvPr id="67" name="Ink 66">
@@ -23617,7 +24155,7 @@
               </p14:xfrm>
             </p:contentPart>
           </mc:Choice>
-          <mc:Fallback>
+          <mc:Fallback xmlns="">
             <p:pic>
               <p:nvPicPr>
                 <p:cNvPr id="67" name="Ink 66">
@@ -23648,8 +24186,8 @@
             </p:pic>
           </mc:Fallback>
         </mc:AlternateContent>
-        <mc:AlternateContent xmlns:mc="http://schemas.openxmlformats.org/markup-compatibility/2006">
-          <mc:Choice xmlns:p14="http://schemas.microsoft.com/office/powerpoint/2010/main" Requires="p14">
+        <mc:AlternateContent xmlns:mc="http://schemas.openxmlformats.org/markup-compatibility/2006" xmlns:p14="http://schemas.microsoft.com/office/powerpoint/2010/main">
+          <mc:Choice Requires="p14">
             <p:contentPart p14:bwMode="auto" r:id="rId11">
               <p14:nvContentPartPr>
                 <p14:cNvPr id="69" name="Ink 68">
@@ -23668,7 +24206,7 @@
               </p14:xfrm>
             </p:contentPart>
           </mc:Choice>
-          <mc:Fallback>
+          <mc:Fallback xmlns="">
             <p:pic>
               <p:nvPicPr>
                 <p:cNvPr id="69" name="Ink 68">
@@ -23699,8 +24237,8 @@
             </p:pic>
           </mc:Fallback>
         </mc:AlternateContent>
-        <mc:AlternateContent xmlns:mc="http://schemas.openxmlformats.org/markup-compatibility/2006">
-          <mc:Choice xmlns:p14="http://schemas.microsoft.com/office/powerpoint/2010/main" Requires="p14">
+        <mc:AlternateContent xmlns:mc="http://schemas.openxmlformats.org/markup-compatibility/2006" xmlns:p14="http://schemas.microsoft.com/office/powerpoint/2010/main">
+          <mc:Choice Requires="p14">
             <p:contentPart p14:bwMode="auto" r:id="rId13">
               <p14:nvContentPartPr>
                 <p14:cNvPr id="70" name="Ink 69">
@@ -23719,7 +24257,7 @@
               </p14:xfrm>
             </p:contentPart>
           </mc:Choice>
-          <mc:Fallback>
+          <mc:Fallback xmlns="">
             <p:pic>
               <p:nvPicPr>
                 <p:cNvPr id="70" name="Ink 69">
@@ -23750,8 +24288,8 @@
             </p:pic>
           </mc:Fallback>
         </mc:AlternateContent>
-        <mc:AlternateContent xmlns:mc="http://schemas.openxmlformats.org/markup-compatibility/2006">
-          <mc:Choice xmlns:p14="http://schemas.microsoft.com/office/powerpoint/2010/main" Requires="p14">
+        <mc:AlternateContent xmlns:mc="http://schemas.openxmlformats.org/markup-compatibility/2006" xmlns:p14="http://schemas.microsoft.com/office/powerpoint/2010/main">
+          <mc:Choice Requires="p14">
             <p:contentPart p14:bwMode="auto" r:id="rId15">
               <p14:nvContentPartPr>
                 <p14:cNvPr id="71" name="Ink 70">
@@ -23770,7 +24308,7 @@
               </p14:xfrm>
             </p:contentPart>
           </mc:Choice>
-          <mc:Fallback>
+          <mc:Fallback xmlns="">
             <p:pic>
               <p:nvPicPr>
                 <p:cNvPr id="71" name="Ink 70">
@@ -23801,8 +24339,8 @@
             </p:pic>
           </mc:Fallback>
         </mc:AlternateContent>
-        <mc:AlternateContent xmlns:mc="http://schemas.openxmlformats.org/markup-compatibility/2006">
-          <mc:Choice xmlns:p14="http://schemas.microsoft.com/office/powerpoint/2010/main" Requires="p14">
+        <mc:AlternateContent xmlns:mc="http://schemas.openxmlformats.org/markup-compatibility/2006" xmlns:p14="http://schemas.microsoft.com/office/powerpoint/2010/main">
+          <mc:Choice Requires="p14">
             <p:contentPart p14:bwMode="auto" r:id="rId17">
               <p14:nvContentPartPr>
                 <p14:cNvPr id="72" name="Ink 71">
@@ -23821,7 +24359,7 @@
               </p14:xfrm>
             </p:contentPart>
           </mc:Choice>
-          <mc:Fallback>
+          <mc:Fallback xmlns="">
             <p:pic>
               <p:nvPicPr>
                 <p:cNvPr id="72" name="Ink 71">
@@ -23852,8 +24390,8 @@
             </p:pic>
           </mc:Fallback>
         </mc:AlternateContent>
-        <mc:AlternateContent xmlns:mc="http://schemas.openxmlformats.org/markup-compatibility/2006">
-          <mc:Choice xmlns:p14="http://schemas.microsoft.com/office/powerpoint/2010/main" Requires="p14">
+        <mc:AlternateContent xmlns:mc="http://schemas.openxmlformats.org/markup-compatibility/2006" xmlns:p14="http://schemas.microsoft.com/office/powerpoint/2010/main">
+          <mc:Choice Requires="p14">
             <p:contentPart p14:bwMode="auto" r:id="rId19">
               <p14:nvContentPartPr>
                 <p14:cNvPr id="73" name="Ink 72">
@@ -23872,7 +24410,7 @@
               </p14:xfrm>
             </p:contentPart>
           </mc:Choice>
-          <mc:Fallback>
+          <mc:Fallback xmlns="">
             <p:pic>
               <p:nvPicPr>
                 <p:cNvPr id="73" name="Ink 72">
@@ -23903,8 +24441,8 @@
             </p:pic>
           </mc:Fallback>
         </mc:AlternateContent>
-        <mc:AlternateContent xmlns:mc="http://schemas.openxmlformats.org/markup-compatibility/2006">
-          <mc:Choice xmlns:p14="http://schemas.microsoft.com/office/powerpoint/2010/main" Requires="p14">
+        <mc:AlternateContent xmlns:mc="http://schemas.openxmlformats.org/markup-compatibility/2006" xmlns:p14="http://schemas.microsoft.com/office/powerpoint/2010/main">
+          <mc:Choice Requires="p14">
             <p:contentPart p14:bwMode="auto" r:id="rId21">
               <p14:nvContentPartPr>
                 <p14:cNvPr id="75" name="Ink 74">
@@ -23923,7 +24461,7 @@
               </p14:xfrm>
             </p:contentPart>
           </mc:Choice>
-          <mc:Fallback>
+          <mc:Fallback xmlns="">
             <p:pic>
               <p:nvPicPr>
                 <p:cNvPr id="75" name="Ink 74">
@@ -23954,8 +24492,8 @@
             </p:pic>
           </mc:Fallback>
         </mc:AlternateContent>
-        <mc:AlternateContent xmlns:mc="http://schemas.openxmlformats.org/markup-compatibility/2006">
-          <mc:Choice xmlns:p14="http://schemas.microsoft.com/office/powerpoint/2010/main" Requires="p14">
+        <mc:AlternateContent xmlns:mc="http://schemas.openxmlformats.org/markup-compatibility/2006" xmlns:p14="http://schemas.microsoft.com/office/powerpoint/2010/main">
+          <mc:Choice Requires="p14">
             <p:contentPart p14:bwMode="auto" r:id="rId23">
               <p14:nvContentPartPr>
                 <p14:cNvPr id="77" name="Ink 76">
@@ -23974,7 +24512,7 @@
               </p14:xfrm>
             </p:contentPart>
           </mc:Choice>
-          <mc:Fallback>
+          <mc:Fallback xmlns="">
             <p:pic>
               <p:nvPicPr>
                 <p:cNvPr id="77" name="Ink 76">
@@ -24005,8 +24543,8 @@
             </p:pic>
           </mc:Fallback>
         </mc:AlternateContent>
-        <mc:AlternateContent xmlns:mc="http://schemas.openxmlformats.org/markup-compatibility/2006">
-          <mc:Choice xmlns:p14="http://schemas.microsoft.com/office/powerpoint/2010/main" Requires="p14">
+        <mc:AlternateContent xmlns:mc="http://schemas.openxmlformats.org/markup-compatibility/2006" xmlns:p14="http://schemas.microsoft.com/office/powerpoint/2010/main">
+          <mc:Choice Requires="p14">
             <p:contentPart p14:bwMode="auto" r:id="rId25">
               <p14:nvContentPartPr>
                 <p14:cNvPr id="78" name="Ink 77">
@@ -24025,7 +24563,7 @@
               </p14:xfrm>
             </p:contentPart>
           </mc:Choice>
-          <mc:Fallback>
+          <mc:Fallback xmlns="">
             <p:pic>
               <p:nvPicPr>
                 <p:cNvPr id="78" name="Ink 77">
@@ -24056,8 +24594,8 @@
             </p:pic>
           </mc:Fallback>
         </mc:AlternateContent>
-        <mc:AlternateContent xmlns:mc="http://schemas.openxmlformats.org/markup-compatibility/2006">
-          <mc:Choice xmlns:p14="http://schemas.microsoft.com/office/powerpoint/2010/main" Requires="p14">
+        <mc:AlternateContent xmlns:mc="http://schemas.openxmlformats.org/markup-compatibility/2006" xmlns:p14="http://schemas.microsoft.com/office/powerpoint/2010/main">
+          <mc:Choice Requires="p14">
             <p:contentPart p14:bwMode="auto" r:id="rId27">
               <p14:nvContentPartPr>
                 <p14:cNvPr id="79" name="Ink 78">
@@ -24076,7 +24614,7 @@
               </p14:xfrm>
             </p:contentPart>
           </mc:Choice>
-          <mc:Fallback>
+          <mc:Fallback xmlns="">
             <p:pic>
               <p:nvPicPr>
                 <p:cNvPr id="79" name="Ink 78">
@@ -24107,8 +24645,8 @@
             </p:pic>
           </mc:Fallback>
         </mc:AlternateContent>
-        <mc:AlternateContent xmlns:mc="http://schemas.openxmlformats.org/markup-compatibility/2006">
-          <mc:Choice xmlns:p14="http://schemas.microsoft.com/office/powerpoint/2010/main" Requires="p14">
+        <mc:AlternateContent xmlns:mc="http://schemas.openxmlformats.org/markup-compatibility/2006" xmlns:p14="http://schemas.microsoft.com/office/powerpoint/2010/main">
+          <mc:Choice Requires="p14">
             <p:contentPart p14:bwMode="auto" r:id="rId29">
               <p14:nvContentPartPr>
                 <p14:cNvPr id="81" name="Ink 80">
@@ -24127,7 +24665,7 @@
               </p14:xfrm>
             </p:contentPart>
           </mc:Choice>
-          <mc:Fallback>
+          <mc:Fallback xmlns="">
             <p:pic>
               <p:nvPicPr>
                 <p:cNvPr id="81" name="Ink 80">
@@ -24158,8 +24696,8 @@
             </p:pic>
           </mc:Fallback>
         </mc:AlternateContent>
-        <mc:AlternateContent xmlns:mc="http://schemas.openxmlformats.org/markup-compatibility/2006">
-          <mc:Choice xmlns:p14="http://schemas.microsoft.com/office/powerpoint/2010/main" Requires="p14">
+        <mc:AlternateContent xmlns:mc="http://schemas.openxmlformats.org/markup-compatibility/2006" xmlns:p14="http://schemas.microsoft.com/office/powerpoint/2010/main">
+          <mc:Choice Requires="p14">
             <p:contentPart p14:bwMode="auto" r:id="rId31">
               <p14:nvContentPartPr>
                 <p14:cNvPr id="83" name="Ink 82">
@@ -24178,7 +24716,7 @@
               </p14:xfrm>
             </p:contentPart>
           </mc:Choice>
-          <mc:Fallback>
+          <mc:Fallback xmlns="">
             <p:pic>
               <p:nvPicPr>
                 <p:cNvPr id="83" name="Ink 82">
@@ -24209,8 +24747,8 @@
             </p:pic>
           </mc:Fallback>
         </mc:AlternateContent>
-        <mc:AlternateContent xmlns:mc="http://schemas.openxmlformats.org/markup-compatibility/2006">
-          <mc:Choice xmlns:p14="http://schemas.microsoft.com/office/powerpoint/2010/main" Requires="p14">
+        <mc:AlternateContent xmlns:mc="http://schemas.openxmlformats.org/markup-compatibility/2006" xmlns:p14="http://schemas.microsoft.com/office/powerpoint/2010/main">
+          <mc:Choice Requires="p14">
             <p:contentPart p14:bwMode="auto" r:id="rId33">
               <p14:nvContentPartPr>
                 <p14:cNvPr id="84" name="Ink 83">
@@ -24229,7 +24767,7 @@
               </p14:xfrm>
             </p:contentPart>
           </mc:Choice>
-          <mc:Fallback>
+          <mc:Fallback xmlns="">
             <p:pic>
               <p:nvPicPr>
                 <p:cNvPr id="84" name="Ink 83">
@@ -24260,8 +24798,8 @@
             </p:pic>
           </mc:Fallback>
         </mc:AlternateContent>
-        <mc:AlternateContent xmlns:mc="http://schemas.openxmlformats.org/markup-compatibility/2006">
-          <mc:Choice xmlns:p14="http://schemas.microsoft.com/office/powerpoint/2010/main" Requires="p14">
+        <mc:AlternateContent xmlns:mc="http://schemas.openxmlformats.org/markup-compatibility/2006" xmlns:p14="http://schemas.microsoft.com/office/powerpoint/2010/main">
+          <mc:Choice Requires="p14">
             <p:contentPart p14:bwMode="auto" r:id="rId35">
               <p14:nvContentPartPr>
                 <p14:cNvPr id="85" name="Ink 84">
@@ -24280,7 +24818,7 @@
               </p14:xfrm>
             </p:contentPart>
           </mc:Choice>
-          <mc:Fallback>
+          <mc:Fallback xmlns="">
             <p:pic>
               <p:nvPicPr>
                 <p:cNvPr id="85" name="Ink 84">
@@ -24311,8 +24849,8 @@
             </p:pic>
           </mc:Fallback>
         </mc:AlternateContent>
-        <mc:AlternateContent xmlns:mc="http://schemas.openxmlformats.org/markup-compatibility/2006">
-          <mc:Choice xmlns:p14="http://schemas.microsoft.com/office/powerpoint/2010/main" Requires="p14">
+        <mc:AlternateContent xmlns:mc="http://schemas.openxmlformats.org/markup-compatibility/2006" xmlns:p14="http://schemas.microsoft.com/office/powerpoint/2010/main">
+          <mc:Choice Requires="p14">
             <p:contentPart p14:bwMode="auto" r:id="rId37">
               <p14:nvContentPartPr>
                 <p14:cNvPr id="87" name="Ink 86">
@@ -24331,7 +24869,7 @@
               </p14:xfrm>
             </p:contentPart>
           </mc:Choice>
-          <mc:Fallback>
+          <mc:Fallback xmlns="">
             <p:pic>
               <p:nvPicPr>
                 <p:cNvPr id="87" name="Ink 86">
@@ -24362,8 +24900,8 @@
             </p:pic>
           </mc:Fallback>
         </mc:AlternateContent>
-        <mc:AlternateContent xmlns:mc="http://schemas.openxmlformats.org/markup-compatibility/2006">
-          <mc:Choice xmlns:p14="http://schemas.microsoft.com/office/powerpoint/2010/main" Requires="p14">
+        <mc:AlternateContent xmlns:mc="http://schemas.openxmlformats.org/markup-compatibility/2006" xmlns:p14="http://schemas.microsoft.com/office/powerpoint/2010/main">
+          <mc:Choice Requires="p14">
             <p:contentPart p14:bwMode="auto" r:id="rId39">
               <p14:nvContentPartPr>
                 <p14:cNvPr id="88" name="Ink 87">
@@ -24382,7 +24920,7 @@
               </p14:xfrm>
             </p:contentPart>
           </mc:Choice>
-          <mc:Fallback>
+          <mc:Fallback xmlns="">
             <p:pic>
               <p:nvPicPr>
                 <p:cNvPr id="88" name="Ink 87">
@@ -24413,8 +24951,8 @@
             </p:pic>
           </mc:Fallback>
         </mc:AlternateContent>
-        <mc:AlternateContent xmlns:mc="http://schemas.openxmlformats.org/markup-compatibility/2006">
-          <mc:Choice xmlns:p14="http://schemas.microsoft.com/office/powerpoint/2010/main" Requires="p14">
+        <mc:AlternateContent xmlns:mc="http://schemas.openxmlformats.org/markup-compatibility/2006" xmlns:p14="http://schemas.microsoft.com/office/powerpoint/2010/main">
+          <mc:Choice Requires="p14">
             <p:contentPart p14:bwMode="auto" r:id="rId41">
               <p14:nvContentPartPr>
                 <p14:cNvPr id="89" name="Ink 88">
@@ -24433,7 +24971,7 @@
               </p14:xfrm>
             </p:contentPart>
           </mc:Choice>
-          <mc:Fallback>
+          <mc:Fallback xmlns="">
             <p:pic>
               <p:nvPicPr>
                 <p:cNvPr id="89" name="Ink 88">
@@ -24464,8 +25002,8 @@
             </p:pic>
           </mc:Fallback>
         </mc:AlternateContent>
-        <mc:AlternateContent xmlns:mc="http://schemas.openxmlformats.org/markup-compatibility/2006">
-          <mc:Choice xmlns:p14="http://schemas.microsoft.com/office/powerpoint/2010/main" Requires="p14">
+        <mc:AlternateContent xmlns:mc="http://schemas.openxmlformats.org/markup-compatibility/2006" xmlns:p14="http://schemas.microsoft.com/office/powerpoint/2010/main">
+          <mc:Choice Requires="p14">
             <p:contentPart p14:bwMode="auto" r:id="rId43">
               <p14:nvContentPartPr>
                 <p14:cNvPr id="90" name="Ink 89">
@@ -24484,7 +25022,7 @@
               </p14:xfrm>
             </p:contentPart>
           </mc:Choice>
-          <mc:Fallback>
+          <mc:Fallback xmlns="">
             <p:pic>
               <p:nvPicPr>
                 <p:cNvPr id="90" name="Ink 89">
@@ -24515,8 +25053,8 @@
             </p:pic>
           </mc:Fallback>
         </mc:AlternateContent>
-        <mc:AlternateContent xmlns:mc="http://schemas.openxmlformats.org/markup-compatibility/2006">
-          <mc:Choice xmlns:p14="http://schemas.microsoft.com/office/powerpoint/2010/main" Requires="p14">
+        <mc:AlternateContent xmlns:mc="http://schemas.openxmlformats.org/markup-compatibility/2006" xmlns:p14="http://schemas.microsoft.com/office/powerpoint/2010/main">
+          <mc:Choice Requires="p14">
             <p:contentPart p14:bwMode="auto" r:id="rId45">
               <p14:nvContentPartPr>
                 <p14:cNvPr id="91" name="Ink 90">
@@ -24535,7 +25073,7 @@
               </p14:xfrm>
             </p:contentPart>
           </mc:Choice>
-          <mc:Fallback>
+          <mc:Fallback xmlns="">
             <p:pic>
               <p:nvPicPr>
                 <p:cNvPr id="91" name="Ink 90">
@@ -24566,8 +25104,8 @@
             </p:pic>
           </mc:Fallback>
         </mc:AlternateContent>
-        <mc:AlternateContent xmlns:mc="http://schemas.openxmlformats.org/markup-compatibility/2006">
-          <mc:Choice xmlns:p14="http://schemas.microsoft.com/office/powerpoint/2010/main" Requires="p14">
+        <mc:AlternateContent xmlns:mc="http://schemas.openxmlformats.org/markup-compatibility/2006" xmlns:p14="http://schemas.microsoft.com/office/powerpoint/2010/main">
+          <mc:Choice Requires="p14">
             <p:contentPart p14:bwMode="auto" r:id="rId47">
               <p14:nvContentPartPr>
                 <p14:cNvPr id="92" name="Ink 91">
@@ -24586,7 +25124,7 @@
               </p14:xfrm>
             </p:contentPart>
           </mc:Choice>
-          <mc:Fallback>
+          <mc:Fallback xmlns="">
             <p:pic>
               <p:nvPicPr>
                 <p:cNvPr id="92" name="Ink 91">
@@ -24617,8 +25155,8 @@
             </p:pic>
           </mc:Fallback>
         </mc:AlternateContent>
-        <mc:AlternateContent xmlns:mc="http://schemas.openxmlformats.org/markup-compatibility/2006">
-          <mc:Choice xmlns:p14="http://schemas.microsoft.com/office/powerpoint/2010/main" Requires="p14">
+        <mc:AlternateContent xmlns:mc="http://schemas.openxmlformats.org/markup-compatibility/2006" xmlns:p14="http://schemas.microsoft.com/office/powerpoint/2010/main">
+          <mc:Choice Requires="p14">
             <p:contentPart p14:bwMode="auto" r:id="rId49">
               <p14:nvContentPartPr>
                 <p14:cNvPr id="93" name="Ink 92">
@@ -24637,7 +25175,7 @@
               </p14:xfrm>
             </p:contentPart>
           </mc:Choice>
-          <mc:Fallback>
+          <mc:Fallback xmlns="">
             <p:pic>
               <p:nvPicPr>
                 <p:cNvPr id="93" name="Ink 92">
@@ -24668,8 +25206,8 @@
             </p:pic>
           </mc:Fallback>
         </mc:AlternateContent>
-        <mc:AlternateContent xmlns:mc="http://schemas.openxmlformats.org/markup-compatibility/2006">
-          <mc:Choice xmlns:p14="http://schemas.microsoft.com/office/powerpoint/2010/main" Requires="p14">
+        <mc:AlternateContent xmlns:mc="http://schemas.openxmlformats.org/markup-compatibility/2006" xmlns:p14="http://schemas.microsoft.com/office/powerpoint/2010/main">
+          <mc:Choice Requires="p14">
             <p:contentPart p14:bwMode="auto" r:id="rId51">
               <p14:nvContentPartPr>
                 <p14:cNvPr id="95" name="Ink 94">
@@ -24688,7 +25226,7 @@
               </p14:xfrm>
             </p:contentPart>
           </mc:Choice>
-          <mc:Fallback>
+          <mc:Fallback xmlns="">
             <p:pic>
               <p:nvPicPr>
                 <p:cNvPr id="95" name="Ink 94">
@@ -24740,8 +25278,8 @@
             <a:chExt cx="3024000" cy="790920"/>
           </a:xfrm>
         </p:grpSpPr>
-        <mc:AlternateContent xmlns:mc="http://schemas.openxmlformats.org/markup-compatibility/2006">
-          <mc:Choice xmlns:p14="http://schemas.microsoft.com/office/powerpoint/2010/main" Requires="p14">
+        <mc:AlternateContent xmlns:mc="http://schemas.openxmlformats.org/markup-compatibility/2006" xmlns:p14="http://schemas.microsoft.com/office/powerpoint/2010/main">
+          <mc:Choice Requires="p14">
             <p:contentPart p14:bwMode="auto" r:id="rId53">
               <p14:nvContentPartPr>
                 <p14:cNvPr id="97" name="Ink 96">
@@ -24760,7 +25298,7 @@
               </p14:xfrm>
             </p:contentPart>
           </mc:Choice>
-          <mc:Fallback>
+          <mc:Fallback xmlns="">
             <p:pic>
               <p:nvPicPr>
                 <p:cNvPr id="97" name="Ink 96">
@@ -24791,8 +25329,8 @@
             </p:pic>
           </mc:Fallback>
         </mc:AlternateContent>
-        <mc:AlternateContent xmlns:mc="http://schemas.openxmlformats.org/markup-compatibility/2006">
-          <mc:Choice xmlns:p14="http://schemas.microsoft.com/office/powerpoint/2010/main" Requires="p14">
+        <mc:AlternateContent xmlns:mc="http://schemas.openxmlformats.org/markup-compatibility/2006" xmlns:p14="http://schemas.microsoft.com/office/powerpoint/2010/main">
+          <mc:Choice Requires="p14">
             <p:contentPart p14:bwMode="auto" r:id="rId55">
               <p14:nvContentPartPr>
                 <p14:cNvPr id="98" name="Ink 97">
@@ -24811,7 +25349,7 @@
               </p14:xfrm>
             </p:contentPart>
           </mc:Choice>
-          <mc:Fallback>
+          <mc:Fallback xmlns="">
             <p:pic>
               <p:nvPicPr>
                 <p:cNvPr id="98" name="Ink 97">
@@ -24842,8 +25380,8 @@
             </p:pic>
           </mc:Fallback>
         </mc:AlternateContent>
-        <mc:AlternateContent xmlns:mc="http://schemas.openxmlformats.org/markup-compatibility/2006">
-          <mc:Choice xmlns:p14="http://schemas.microsoft.com/office/powerpoint/2010/main" Requires="p14">
+        <mc:AlternateContent xmlns:mc="http://schemas.openxmlformats.org/markup-compatibility/2006" xmlns:p14="http://schemas.microsoft.com/office/powerpoint/2010/main">
+          <mc:Choice Requires="p14">
             <p:contentPart p14:bwMode="auto" r:id="rId57">
               <p14:nvContentPartPr>
                 <p14:cNvPr id="100" name="Ink 99">
@@ -24862,7 +25400,7 @@
               </p14:xfrm>
             </p:contentPart>
           </mc:Choice>
-          <mc:Fallback>
+          <mc:Fallback xmlns="">
             <p:pic>
               <p:nvPicPr>
                 <p:cNvPr id="100" name="Ink 99">
@@ -24893,8 +25431,8 @@
             </p:pic>
           </mc:Fallback>
         </mc:AlternateContent>
-        <mc:AlternateContent xmlns:mc="http://schemas.openxmlformats.org/markup-compatibility/2006">
-          <mc:Choice xmlns:p14="http://schemas.microsoft.com/office/powerpoint/2010/main" Requires="p14">
+        <mc:AlternateContent xmlns:mc="http://schemas.openxmlformats.org/markup-compatibility/2006" xmlns:p14="http://schemas.microsoft.com/office/powerpoint/2010/main">
+          <mc:Choice Requires="p14">
             <p:contentPart p14:bwMode="auto" r:id="rId59">
               <p14:nvContentPartPr>
                 <p14:cNvPr id="102" name="Ink 101">
@@ -24913,7 +25451,7 @@
               </p14:xfrm>
             </p:contentPart>
           </mc:Choice>
-          <mc:Fallback>
+          <mc:Fallback xmlns="">
             <p:pic>
               <p:nvPicPr>
                 <p:cNvPr id="102" name="Ink 101">
@@ -24944,8 +25482,8 @@
             </p:pic>
           </mc:Fallback>
         </mc:AlternateContent>
-        <mc:AlternateContent xmlns:mc="http://schemas.openxmlformats.org/markup-compatibility/2006">
-          <mc:Choice xmlns:p14="http://schemas.microsoft.com/office/powerpoint/2010/main" Requires="p14">
+        <mc:AlternateContent xmlns:mc="http://schemas.openxmlformats.org/markup-compatibility/2006" xmlns:p14="http://schemas.microsoft.com/office/powerpoint/2010/main">
+          <mc:Choice Requires="p14">
             <p:contentPart p14:bwMode="auto" r:id="rId61">
               <p14:nvContentPartPr>
                 <p14:cNvPr id="103" name="Ink 102">
@@ -24964,7 +25502,7 @@
               </p14:xfrm>
             </p:contentPart>
           </mc:Choice>
-          <mc:Fallback>
+          <mc:Fallback xmlns="">
             <p:pic>
               <p:nvPicPr>
                 <p:cNvPr id="103" name="Ink 102">
@@ -25016,8 +25554,8 @@
             <a:chExt cx="3095640" cy="652680"/>
           </a:xfrm>
         </p:grpSpPr>
-        <mc:AlternateContent xmlns:mc="http://schemas.openxmlformats.org/markup-compatibility/2006">
-          <mc:Choice xmlns:p14="http://schemas.microsoft.com/office/powerpoint/2010/main" Requires="p14">
+        <mc:AlternateContent xmlns:mc="http://schemas.openxmlformats.org/markup-compatibility/2006" xmlns:p14="http://schemas.microsoft.com/office/powerpoint/2010/main">
+          <mc:Choice Requires="p14">
             <p:contentPart p14:bwMode="auto" r:id="rId63">
               <p14:nvContentPartPr>
                 <p14:cNvPr id="113" name="Ink 112">
@@ -25036,7 +25574,7 @@
               </p14:xfrm>
             </p:contentPart>
           </mc:Choice>
-          <mc:Fallback>
+          <mc:Fallback xmlns="">
             <p:pic>
               <p:nvPicPr>
                 <p:cNvPr id="113" name="Ink 112">
@@ -25067,8 +25605,8 @@
             </p:pic>
           </mc:Fallback>
         </mc:AlternateContent>
-        <mc:AlternateContent xmlns:mc="http://schemas.openxmlformats.org/markup-compatibility/2006">
-          <mc:Choice xmlns:p14="http://schemas.microsoft.com/office/powerpoint/2010/main" Requires="p14">
+        <mc:AlternateContent xmlns:mc="http://schemas.openxmlformats.org/markup-compatibility/2006" xmlns:p14="http://schemas.microsoft.com/office/powerpoint/2010/main">
+          <mc:Choice Requires="p14">
             <p:contentPart p14:bwMode="auto" r:id="rId65">
               <p14:nvContentPartPr>
                 <p14:cNvPr id="114" name="Ink 113">
@@ -25087,7 +25625,7 @@
               </p14:xfrm>
             </p:contentPart>
           </mc:Choice>
-          <mc:Fallback>
+          <mc:Fallback xmlns="">
             <p:pic>
               <p:nvPicPr>
                 <p:cNvPr id="114" name="Ink 113">
@@ -25118,8 +25656,8 @@
             </p:pic>
           </mc:Fallback>
         </mc:AlternateContent>
-        <mc:AlternateContent xmlns:mc="http://schemas.openxmlformats.org/markup-compatibility/2006">
-          <mc:Choice xmlns:p14="http://schemas.microsoft.com/office/powerpoint/2010/main" Requires="p14">
+        <mc:AlternateContent xmlns:mc="http://schemas.openxmlformats.org/markup-compatibility/2006" xmlns:p14="http://schemas.microsoft.com/office/powerpoint/2010/main">
+          <mc:Choice Requires="p14">
             <p:contentPart p14:bwMode="auto" r:id="rId67">
               <p14:nvContentPartPr>
                 <p14:cNvPr id="115" name="Ink 114">
@@ -25138,7 +25676,7 @@
               </p14:xfrm>
             </p:contentPart>
           </mc:Choice>
-          <mc:Fallback>
+          <mc:Fallback xmlns="">
             <p:pic>
               <p:nvPicPr>
                 <p:cNvPr id="115" name="Ink 114">
@@ -25169,8 +25707,8 @@
             </p:pic>
           </mc:Fallback>
         </mc:AlternateContent>
-        <mc:AlternateContent xmlns:mc="http://schemas.openxmlformats.org/markup-compatibility/2006">
-          <mc:Choice xmlns:p14="http://schemas.microsoft.com/office/powerpoint/2010/main" Requires="p14">
+        <mc:AlternateContent xmlns:mc="http://schemas.openxmlformats.org/markup-compatibility/2006" xmlns:p14="http://schemas.microsoft.com/office/powerpoint/2010/main">
+          <mc:Choice Requires="p14">
             <p:contentPart p14:bwMode="auto" r:id="rId69">
               <p14:nvContentPartPr>
                 <p14:cNvPr id="117" name="Ink 116">
@@ -25189,7 +25727,7 @@
               </p14:xfrm>
             </p:contentPart>
           </mc:Choice>
-          <mc:Fallback>
+          <mc:Fallback xmlns="">
             <p:pic>
               <p:nvPicPr>
                 <p:cNvPr id="117" name="Ink 116">
@@ -25220,8 +25758,8 @@
             </p:pic>
           </mc:Fallback>
         </mc:AlternateContent>
-        <mc:AlternateContent xmlns:mc="http://schemas.openxmlformats.org/markup-compatibility/2006">
-          <mc:Choice xmlns:p14="http://schemas.microsoft.com/office/powerpoint/2010/main" Requires="p14">
+        <mc:AlternateContent xmlns:mc="http://schemas.openxmlformats.org/markup-compatibility/2006" xmlns:p14="http://schemas.microsoft.com/office/powerpoint/2010/main">
+          <mc:Choice Requires="p14">
             <p:contentPart p14:bwMode="auto" r:id="rId71">
               <p14:nvContentPartPr>
                 <p14:cNvPr id="106" name="Ink 105">
@@ -25240,7 +25778,7 @@
               </p14:xfrm>
             </p:contentPart>
           </mc:Choice>
-          <mc:Fallback>
+          <mc:Fallback xmlns="">
             <p:pic>
               <p:nvPicPr>
                 <p:cNvPr id="106" name="Ink 105">
@@ -25271,8 +25809,8 @@
             </p:pic>
           </mc:Fallback>
         </mc:AlternateContent>
-        <mc:AlternateContent xmlns:mc="http://schemas.openxmlformats.org/markup-compatibility/2006">
-          <mc:Choice xmlns:p14="http://schemas.microsoft.com/office/powerpoint/2010/main" Requires="p14">
+        <mc:AlternateContent xmlns:mc="http://schemas.openxmlformats.org/markup-compatibility/2006" xmlns:p14="http://schemas.microsoft.com/office/powerpoint/2010/main">
+          <mc:Choice Requires="p14">
             <p:contentPart p14:bwMode="auto" r:id="rId73">
               <p14:nvContentPartPr>
                 <p14:cNvPr id="107" name="Ink 106">
@@ -25291,7 +25829,7 @@
               </p14:xfrm>
             </p:contentPart>
           </mc:Choice>
-          <mc:Fallback>
+          <mc:Fallback xmlns="">
             <p:pic>
               <p:nvPicPr>
                 <p:cNvPr id="107" name="Ink 106">
@@ -25322,8 +25860,8 @@
             </p:pic>
           </mc:Fallback>
         </mc:AlternateContent>
-        <mc:AlternateContent xmlns:mc="http://schemas.openxmlformats.org/markup-compatibility/2006">
-          <mc:Choice xmlns:p14="http://schemas.microsoft.com/office/powerpoint/2010/main" Requires="p14">
+        <mc:AlternateContent xmlns:mc="http://schemas.openxmlformats.org/markup-compatibility/2006" xmlns:p14="http://schemas.microsoft.com/office/powerpoint/2010/main">
+          <mc:Choice Requires="p14">
             <p:contentPart p14:bwMode="auto" r:id="rId75">
               <p14:nvContentPartPr>
                 <p14:cNvPr id="108" name="Ink 107">
@@ -25342,7 +25880,7 @@
               </p14:xfrm>
             </p:contentPart>
           </mc:Choice>
-          <mc:Fallback>
+          <mc:Fallback xmlns="">
             <p:pic>
               <p:nvPicPr>
                 <p:cNvPr id="108" name="Ink 107">
@@ -25373,8 +25911,8 @@
             </p:pic>
           </mc:Fallback>
         </mc:AlternateContent>
-        <mc:AlternateContent xmlns:mc="http://schemas.openxmlformats.org/markup-compatibility/2006">
-          <mc:Choice xmlns:p14="http://schemas.microsoft.com/office/powerpoint/2010/main" Requires="p14">
+        <mc:AlternateContent xmlns:mc="http://schemas.openxmlformats.org/markup-compatibility/2006" xmlns:p14="http://schemas.microsoft.com/office/powerpoint/2010/main">
+          <mc:Choice Requires="p14">
             <p:contentPart p14:bwMode="auto" r:id="rId77">
               <p14:nvContentPartPr>
                 <p14:cNvPr id="109" name="Ink 108">
@@ -25393,7 +25931,7 @@
               </p14:xfrm>
             </p:contentPart>
           </mc:Choice>
-          <mc:Fallback>
+          <mc:Fallback xmlns="">
             <p:pic>
               <p:nvPicPr>
                 <p:cNvPr id="109" name="Ink 108">
@@ -25424,8 +25962,8 @@
             </p:pic>
           </mc:Fallback>
         </mc:AlternateContent>
-        <mc:AlternateContent xmlns:mc="http://schemas.openxmlformats.org/markup-compatibility/2006">
-          <mc:Choice xmlns:p14="http://schemas.microsoft.com/office/powerpoint/2010/main" Requires="p14">
+        <mc:AlternateContent xmlns:mc="http://schemas.openxmlformats.org/markup-compatibility/2006" xmlns:p14="http://schemas.microsoft.com/office/powerpoint/2010/main">
+          <mc:Choice Requires="p14">
             <p:contentPart p14:bwMode="auto" r:id="rId79">
               <p14:nvContentPartPr>
                 <p14:cNvPr id="110" name="Ink 109">
@@ -25444,7 +25982,7 @@
               </p14:xfrm>
             </p:contentPart>
           </mc:Choice>
-          <mc:Fallback>
+          <mc:Fallback xmlns="">
             <p:pic>
               <p:nvPicPr>
                 <p:cNvPr id="110" name="Ink 109">
@@ -25475,8 +26013,8 @@
             </p:pic>
           </mc:Fallback>
         </mc:AlternateContent>
-        <mc:AlternateContent xmlns:mc="http://schemas.openxmlformats.org/markup-compatibility/2006">
-          <mc:Choice xmlns:p14="http://schemas.microsoft.com/office/powerpoint/2010/main" Requires="p14">
+        <mc:AlternateContent xmlns:mc="http://schemas.openxmlformats.org/markup-compatibility/2006" xmlns:p14="http://schemas.microsoft.com/office/powerpoint/2010/main">
+          <mc:Choice Requires="p14">
             <p:contentPart p14:bwMode="auto" r:id="rId81">
               <p14:nvContentPartPr>
                 <p14:cNvPr id="111" name="Ink 110">
@@ -25495,7 +26033,7 @@
               </p14:xfrm>
             </p:contentPart>
           </mc:Choice>
-          <mc:Fallback>
+          <mc:Fallback xmlns="">
             <p:pic>
               <p:nvPicPr>
                 <p:cNvPr id="111" name="Ink 110">
@@ -25526,8 +26064,8 @@
             </p:pic>
           </mc:Fallback>
         </mc:AlternateContent>
-        <mc:AlternateContent xmlns:mc="http://schemas.openxmlformats.org/markup-compatibility/2006">
-          <mc:Choice xmlns:p14="http://schemas.microsoft.com/office/powerpoint/2010/main" Requires="p14">
+        <mc:AlternateContent xmlns:mc="http://schemas.openxmlformats.org/markup-compatibility/2006" xmlns:p14="http://schemas.microsoft.com/office/powerpoint/2010/main">
+          <mc:Choice Requires="p14">
             <p:contentPart p14:bwMode="auto" r:id="rId83">
               <p14:nvContentPartPr>
                 <p14:cNvPr id="112" name="Ink 111">
@@ -25546,7 +26084,7 @@
               </p14:xfrm>
             </p:contentPart>
           </mc:Choice>
-          <mc:Fallback>
+          <mc:Fallback xmlns="">
             <p:pic>
               <p:nvPicPr>
                 <p:cNvPr id="112" name="Ink 111">
@@ -25577,8 +26115,8 @@
             </p:pic>
           </mc:Fallback>
         </mc:AlternateContent>
-        <mc:AlternateContent xmlns:mc="http://schemas.openxmlformats.org/markup-compatibility/2006">
-          <mc:Choice xmlns:p14="http://schemas.microsoft.com/office/powerpoint/2010/main" Requires="p14">
+        <mc:AlternateContent xmlns:mc="http://schemas.openxmlformats.org/markup-compatibility/2006" xmlns:p14="http://schemas.microsoft.com/office/powerpoint/2010/main">
+          <mc:Choice Requires="p14">
             <p:contentPart p14:bwMode="auto" r:id="rId85">
               <p14:nvContentPartPr>
                 <p14:cNvPr id="119" name="Ink 118">
@@ -25597,7 +26135,7 @@
               </p14:xfrm>
             </p:contentPart>
           </mc:Choice>
-          <mc:Fallback>
+          <mc:Fallback xmlns="">
             <p:pic>
               <p:nvPicPr>
                 <p:cNvPr id="119" name="Ink 118">
@@ -25649,8 +26187,8 @@
             <a:chExt cx="3252960" cy="970200"/>
           </a:xfrm>
         </p:grpSpPr>
-        <mc:AlternateContent xmlns:mc="http://schemas.openxmlformats.org/markup-compatibility/2006">
-          <mc:Choice xmlns:p14="http://schemas.microsoft.com/office/powerpoint/2010/main" Requires="p14">
+        <mc:AlternateContent xmlns:mc="http://schemas.openxmlformats.org/markup-compatibility/2006" xmlns:p14="http://schemas.microsoft.com/office/powerpoint/2010/main">
+          <mc:Choice Requires="p14">
             <p:contentPart p14:bwMode="auto" r:id="rId87">
               <p14:nvContentPartPr>
                 <p14:cNvPr id="122" name="Ink 121">
@@ -25669,7 +26207,7 @@
               </p14:xfrm>
             </p:contentPart>
           </mc:Choice>
-          <mc:Fallback>
+          <mc:Fallback xmlns="">
             <p:pic>
               <p:nvPicPr>
                 <p:cNvPr id="122" name="Ink 121">
@@ -25700,8 +26238,8 @@
             </p:pic>
           </mc:Fallback>
         </mc:AlternateContent>
-        <mc:AlternateContent xmlns:mc="http://schemas.openxmlformats.org/markup-compatibility/2006">
-          <mc:Choice xmlns:p14="http://schemas.microsoft.com/office/powerpoint/2010/main" Requires="p14">
+        <mc:AlternateContent xmlns:mc="http://schemas.openxmlformats.org/markup-compatibility/2006" xmlns:p14="http://schemas.microsoft.com/office/powerpoint/2010/main">
+          <mc:Choice Requires="p14">
             <p:contentPart p14:bwMode="auto" r:id="rId89">
               <p14:nvContentPartPr>
                 <p14:cNvPr id="123" name="Ink 122">
@@ -25720,7 +26258,7 @@
               </p14:xfrm>
             </p:contentPart>
           </mc:Choice>
-          <mc:Fallback>
+          <mc:Fallback xmlns="">
             <p:pic>
               <p:nvPicPr>
                 <p:cNvPr id="123" name="Ink 122">
@@ -25751,8 +26289,8 @@
             </p:pic>
           </mc:Fallback>
         </mc:AlternateContent>
-        <mc:AlternateContent xmlns:mc="http://schemas.openxmlformats.org/markup-compatibility/2006">
-          <mc:Choice xmlns:p14="http://schemas.microsoft.com/office/powerpoint/2010/main" Requires="p14">
+        <mc:AlternateContent xmlns:mc="http://schemas.openxmlformats.org/markup-compatibility/2006" xmlns:p14="http://schemas.microsoft.com/office/powerpoint/2010/main">
+          <mc:Choice Requires="p14">
             <p:contentPart p14:bwMode="auto" r:id="rId91">
               <p14:nvContentPartPr>
                 <p14:cNvPr id="124" name="Ink 123">
@@ -25771,7 +26309,7 @@
               </p14:xfrm>
             </p:contentPart>
           </mc:Choice>
-          <mc:Fallback>
+          <mc:Fallback xmlns="">
             <p:pic>
               <p:nvPicPr>
                 <p:cNvPr id="124" name="Ink 123">
@@ -25802,8 +26340,8 @@
             </p:pic>
           </mc:Fallback>
         </mc:AlternateContent>
-        <mc:AlternateContent xmlns:mc="http://schemas.openxmlformats.org/markup-compatibility/2006">
-          <mc:Choice xmlns:p14="http://schemas.microsoft.com/office/powerpoint/2010/main" Requires="p14">
+        <mc:AlternateContent xmlns:mc="http://schemas.openxmlformats.org/markup-compatibility/2006" xmlns:p14="http://schemas.microsoft.com/office/powerpoint/2010/main">
+          <mc:Choice Requires="p14">
             <p:contentPart p14:bwMode="auto" r:id="rId93">
               <p14:nvContentPartPr>
                 <p14:cNvPr id="125" name="Ink 124">
@@ -25822,7 +26360,7 @@
               </p14:xfrm>
             </p:contentPart>
           </mc:Choice>
-          <mc:Fallback>
+          <mc:Fallback xmlns="">
             <p:pic>
               <p:nvPicPr>
                 <p:cNvPr id="125" name="Ink 124">
@@ -25853,8 +26391,8 @@
             </p:pic>
           </mc:Fallback>
         </mc:AlternateContent>
-        <mc:AlternateContent xmlns:mc="http://schemas.openxmlformats.org/markup-compatibility/2006">
-          <mc:Choice xmlns:p14="http://schemas.microsoft.com/office/powerpoint/2010/main" Requires="p14">
+        <mc:AlternateContent xmlns:mc="http://schemas.openxmlformats.org/markup-compatibility/2006" xmlns:p14="http://schemas.microsoft.com/office/powerpoint/2010/main">
+          <mc:Choice Requires="p14">
             <p:contentPart p14:bwMode="auto" r:id="rId95">
               <p14:nvContentPartPr>
                 <p14:cNvPr id="126" name="Ink 125">
@@ -25873,7 +26411,7 @@
               </p14:xfrm>
             </p:contentPart>
           </mc:Choice>
-          <mc:Fallback>
+          <mc:Fallback xmlns="">
             <p:pic>
               <p:nvPicPr>
                 <p:cNvPr id="126" name="Ink 125">
@@ -25904,8 +26442,8 @@
             </p:pic>
           </mc:Fallback>
         </mc:AlternateContent>
-        <mc:AlternateContent xmlns:mc="http://schemas.openxmlformats.org/markup-compatibility/2006">
-          <mc:Choice xmlns:p14="http://schemas.microsoft.com/office/powerpoint/2010/main" Requires="p14">
+        <mc:AlternateContent xmlns:mc="http://schemas.openxmlformats.org/markup-compatibility/2006" xmlns:p14="http://schemas.microsoft.com/office/powerpoint/2010/main">
+          <mc:Choice Requires="p14">
             <p:contentPart p14:bwMode="auto" r:id="rId97">
               <p14:nvContentPartPr>
                 <p14:cNvPr id="127" name="Ink 126">
@@ -25924,7 +26462,7 @@
               </p14:xfrm>
             </p:contentPart>
           </mc:Choice>
-          <mc:Fallback>
+          <mc:Fallback xmlns="">
             <p:pic>
               <p:nvPicPr>
                 <p:cNvPr id="127" name="Ink 126">
@@ -25955,8 +26493,8 @@
             </p:pic>
           </mc:Fallback>
         </mc:AlternateContent>
-        <mc:AlternateContent xmlns:mc="http://schemas.openxmlformats.org/markup-compatibility/2006">
-          <mc:Choice xmlns:p14="http://schemas.microsoft.com/office/powerpoint/2010/main" Requires="p14">
+        <mc:AlternateContent xmlns:mc="http://schemas.openxmlformats.org/markup-compatibility/2006" xmlns:p14="http://schemas.microsoft.com/office/powerpoint/2010/main">
+          <mc:Choice Requires="p14">
             <p:contentPart p14:bwMode="auto" r:id="rId99">
               <p14:nvContentPartPr>
                 <p14:cNvPr id="128" name="Ink 127">
@@ -25975,7 +26513,7 @@
               </p14:xfrm>
             </p:contentPart>
           </mc:Choice>
-          <mc:Fallback>
+          <mc:Fallback xmlns="">
             <p:pic>
               <p:nvPicPr>
                 <p:cNvPr id="128" name="Ink 127">
@@ -26006,8 +26544,8 @@
             </p:pic>
           </mc:Fallback>
         </mc:AlternateContent>
-        <mc:AlternateContent xmlns:mc="http://schemas.openxmlformats.org/markup-compatibility/2006">
-          <mc:Choice xmlns:p14="http://schemas.microsoft.com/office/powerpoint/2010/main" Requires="p14">
+        <mc:AlternateContent xmlns:mc="http://schemas.openxmlformats.org/markup-compatibility/2006" xmlns:p14="http://schemas.microsoft.com/office/powerpoint/2010/main">
+          <mc:Choice Requires="p14">
             <p:contentPart p14:bwMode="auto" r:id="rId101">
               <p14:nvContentPartPr>
                 <p14:cNvPr id="129" name="Ink 128">
@@ -26026,7 +26564,7 @@
               </p14:xfrm>
             </p:contentPart>
           </mc:Choice>
-          <mc:Fallback>
+          <mc:Fallback xmlns="">
             <p:pic>
               <p:nvPicPr>
                 <p:cNvPr id="129" name="Ink 128">
@@ -26057,8 +26595,8 @@
             </p:pic>
           </mc:Fallback>
         </mc:AlternateContent>
-        <mc:AlternateContent xmlns:mc="http://schemas.openxmlformats.org/markup-compatibility/2006">
-          <mc:Choice xmlns:p14="http://schemas.microsoft.com/office/powerpoint/2010/main" Requires="p14">
+        <mc:AlternateContent xmlns:mc="http://schemas.openxmlformats.org/markup-compatibility/2006" xmlns:p14="http://schemas.microsoft.com/office/powerpoint/2010/main">
+          <mc:Choice Requires="p14">
             <p:contentPart p14:bwMode="auto" r:id="rId103">
               <p14:nvContentPartPr>
                 <p14:cNvPr id="130" name="Ink 129">
@@ -26077,7 +26615,7 @@
               </p14:xfrm>
             </p:contentPart>
           </mc:Choice>
-          <mc:Fallback>
+          <mc:Fallback xmlns="">
             <p:pic>
               <p:nvPicPr>
                 <p:cNvPr id="130" name="Ink 129">
@@ -26108,8 +26646,8 @@
             </p:pic>
           </mc:Fallback>
         </mc:AlternateContent>
-        <mc:AlternateContent xmlns:mc="http://schemas.openxmlformats.org/markup-compatibility/2006">
-          <mc:Choice xmlns:p14="http://schemas.microsoft.com/office/powerpoint/2010/main" Requires="p14">
+        <mc:AlternateContent xmlns:mc="http://schemas.openxmlformats.org/markup-compatibility/2006" xmlns:p14="http://schemas.microsoft.com/office/powerpoint/2010/main">
+          <mc:Choice Requires="p14">
             <p:contentPart p14:bwMode="auto" r:id="rId105">
               <p14:nvContentPartPr>
                 <p14:cNvPr id="131" name="Ink 130">
@@ -26128,7 +26666,7 @@
               </p14:xfrm>
             </p:contentPart>
           </mc:Choice>
-          <mc:Fallback>
+          <mc:Fallback xmlns="">
             <p:pic>
               <p:nvPicPr>
                 <p:cNvPr id="131" name="Ink 130">
@@ -26159,8 +26697,8 @@
             </p:pic>
           </mc:Fallback>
         </mc:AlternateContent>
-        <mc:AlternateContent xmlns:mc="http://schemas.openxmlformats.org/markup-compatibility/2006">
-          <mc:Choice xmlns:p14="http://schemas.microsoft.com/office/powerpoint/2010/main" Requires="p14">
+        <mc:AlternateContent xmlns:mc="http://schemas.openxmlformats.org/markup-compatibility/2006" xmlns:p14="http://schemas.microsoft.com/office/powerpoint/2010/main">
+          <mc:Choice Requires="p14">
             <p:contentPart p14:bwMode="auto" r:id="rId107">
               <p14:nvContentPartPr>
                 <p14:cNvPr id="132" name="Ink 131">
@@ -26179,7 +26717,7 @@
               </p14:xfrm>
             </p:contentPart>
           </mc:Choice>
-          <mc:Fallback>
+          <mc:Fallback xmlns="">
             <p:pic>
               <p:nvPicPr>
                 <p:cNvPr id="132" name="Ink 131">
@@ -26210,8 +26748,8 @@
             </p:pic>
           </mc:Fallback>
         </mc:AlternateContent>
-        <mc:AlternateContent xmlns:mc="http://schemas.openxmlformats.org/markup-compatibility/2006">
-          <mc:Choice xmlns:p14="http://schemas.microsoft.com/office/powerpoint/2010/main" Requires="p14">
+        <mc:AlternateContent xmlns:mc="http://schemas.openxmlformats.org/markup-compatibility/2006" xmlns:p14="http://schemas.microsoft.com/office/powerpoint/2010/main">
+          <mc:Choice Requires="p14">
             <p:contentPart p14:bwMode="auto" r:id="rId109">
               <p14:nvContentPartPr>
                 <p14:cNvPr id="134" name="Ink 133">
@@ -26230,7 +26768,7 @@
               </p14:xfrm>
             </p:contentPart>
           </mc:Choice>
-          <mc:Fallback>
+          <mc:Fallback xmlns="">
             <p:pic>
               <p:nvPicPr>
                 <p:cNvPr id="134" name="Ink 133">
@@ -26261,8 +26799,8 @@
             </p:pic>
           </mc:Fallback>
         </mc:AlternateContent>
-        <mc:AlternateContent xmlns:mc="http://schemas.openxmlformats.org/markup-compatibility/2006">
-          <mc:Choice xmlns:p14="http://schemas.microsoft.com/office/powerpoint/2010/main" Requires="p14">
+        <mc:AlternateContent xmlns:mc="http://schemas.openxmlformats.org/markup-compatibility/2006" xmlns:p14="http://schemas.microsoft.com/office/powerpoint/2010/main">
+          <mc:Choice Requires="p14">
             <p:contentPart p14:bwMode="auto" r:id="rId111">
               <p14:nvContentPartPr>
                 <p14:cNvPr id="135" name="Ink 134">
@@ -26281,7 +26819,7 @@
               </p14:xfrm>
             </p:contentPart>
           </mc:Choice>
-          <mc:Fallback>
+          <mc:Fallback xmlns="">
             <p:pic>
               <p:nvPicPr>
                 <p:cNvPr id="135" name="Ink 134">
@@ -26333,8 +26871,8 @@
             <a:chExt cx="3417840" cy="1400760"/>
           </a:xfrm>
         </p:grpSpPr>
-        <mc:AlternateContent xmlns:mc="http://schemas.openxmlformats.org/markup-compatibility/2006">
-          <mc:Choice xmlns:p14="http://schemas.microsoft.com/office/powerpoint/2010/main" Requires="p14">
+        <mc:AlternateContent xmlns:mc="http://schemas.openxmlformats.org/markup-compatibility/2006" xmlns:p14="http://schemas.microsoft.com/office/powerpoint/2010/main">
+          <mc:Choice Requires="p14">
             <p:contentPart p14:bwMode="auto" r:id="rId113">
               <p14:nvContentPartPr>
                 <p14:cNvPr id="137" name="Ink 136">
@@ -26353,7 +26891,7 @@
               </p14:xfrm>
             </p:contentPart>
           </mc:Choice>
-          <mc:Fallback>
+          <mc:Fallback xmlns="">
             <p:pic>
               <p:nvPicPr>
                 <p:cNvPr id="137" name="Ink 136">
@@ -26384,8 +26922,8 @@
             </p:pic>
           </mc:Fallback>
         </mc:AlternateContent>
-        <mc:AlternateContent xmlns:mc="http://schemas.openxmlformats.org/markup-compatibility/2006">
-          <mc:Choice xmlns:p14="http://schemas.microsoft.com/office/powerpoint/2010/main" Requires="p14">
+        <mc:AlternateContent xmlns:mc="http://schemas.openxmlformats.org/markup-compatibility/2006" xmlns:p14="http://schemas.microsoft.com/office/powerpoint/2010/main">
+          <mc:Choice Requires="p14">
             <p:contentPart p14:bwMode="auto" r:id="rId115">
               <p14:nvContentPartPr>
                 <p14:cNvPr id="138" name="Ink 137">
@@ -26404,7 +26942,7 @@
               </p14:xfrm>
             </p:contentPart>
           </mc:Choice>
-          <mc:Fallback>
+          <mc:Fallback xmlns="">
             <p:pic>
               <p:nvPicPr>
                 <p:cNvPr id="138" name="Ink 137">
@@ -26435,8 +26973,8 @@
             </p:pic>
           </mc:Fallback>
         </mc:AlternateContent>
-        <mc:AlternateContent xmlns:mc="http://schemas.openxmlformats.org/markup-compatibility/2006">
-          <mc:Choice xmlns:p14="http://schemas.microsoft.com/office/powerpoint/2010/main" Requires="p14">
+        <mc:AlternateContent xmlns:mc="http://schemas.openxmlformats.org/markup-compatibility/2006" xmlns:p14="http://schemas.microsoft.com/office/powerpoint/2010/main">
+          <mc:Choice Requires="p14">
             <p:contentPart p14:bwMode="auto" r:id="rId117">
               <p14:nvContentPartPr>
                 <p14:cNvPr id="139" name="Ink 138">
@@ -26455,7 +26993,7 @@
               </p14:xfrm>
             </p:contentPart>
           </mc:Choice>
-          <mc:Fallback>
+          <mc:Fallback xmlns="">
             <p:pic>
               <p:nvPicPr>
                 <p:cNvPr id="139" name="Ink 138">
@@ -26486,8 +27024,8 @@
             </p:pic>
           </mc:Fallback>
         </mc:AlternateContent>
-        <mc:AlternateContent xmlns:mc="http://schemas.openxmlformats.org/markup-compatibility/2006">
-          <mc:Choice xmlns:p14="http://schemas.microsoft.com/office/powerpoint/2010/main" Requires="p14">
+        <mc:AlternateContent xmlns:mc="http://schemas.openxmlformats.org/markup-compatibility/2006" xmlns:p14="http://schemas.microsoft.com/office/powerpoint/2010/main">
+          <mc:Choice Requires="p14">
             <p:contentPart p14:bwMode="auto" r:id="rId119">
               <p14:nvContentPartPr>
                 <p14:cNvPr id="140" name="Ink 139">
@@ -26506,7 +27044,7 @@
               </p14:xfrm>
             </p:contentPart>
           </mc:Choice>
-          <mc:Fallback>
+          <mc:Fallback xmlns="">
             <p:pic>
               <p:nvPicPr>
                 <p:cNvPr id="140" name="Ink 139">
@@ -26537,8 +27075,8 @@
             </p:pic>
           </mc:Fallback>
         </mc:AlternateContent>
-        <mc:AlternateContent xmlns:mc="http://schemas.openxmlformats.org/markup-compatibility/2006">
-          <mc:Choice xmlns:p14="http://schemas.microsoft.com/office/powerpoint/2010/main" Requires="p14">
+        <mc:AlternateContent xmlns:mc="http://schemas.openxmlformats.org/markup-compatibility/2006" xmlns:p14="http://schemas.microsoft.com/office/powerpoint/2010/main">
+          <mc:Choice Requires="p14">
             <p:contentPart p14:bwMode="auto" r:id="rId121">
               <p14:nvContentPartPr>
                 <p14:cNvPr id="141" name="Ink 140">
@@ -26557,7 +27095,7 @@
               </p14:xfrm>
             </p:contentPart>
           </mc:Choice>
-          <mc:Fallback>
+          <mc:Fallback xmlns="">
             <p:pic>
               <p:nvPicPr>
                 <p:cNvPr id="141" name="Ink 140">
@@ -26588,8 +27126,8 @@
             </p:pic>
           </mc:Fallback>
         </mc:AlternateContent>
-        <mc:AlternateContent xmlns:mc="http://schemas.openxmlformats.org/markup-compatibility/2006">
-          <mc:Choice xmlns:p14="http://schemas.microsoft.com/office/powerpoint/2010/main" Requires="p14">
+        <mc:AlternateContent xmlns:mc="http://schemas.openxmlformats.org/markup-compatibility/2006" xmlns:p14="http://schemas.microsoft.com/office/powerpoint/2010/main">
+          <mc:Choice Requires="p14">
             <p:contentPart p14:bwMode="auto" r:id="rId123">
               <p14:nvContentPartPr>
                 <p14:cNvPr id="142" name="Ink 141">
@@ -26608,7 +27146,7 @@
               </p14:xfrm>
             </p:contentPart>
           </mc:Choice>
-          <mc:Fallback>
+          <mc:Fallback xmlns="">
             <p:pic>
               <p:nvPicPr>
                 <p:cNvPr id="142" name="Ink 141">
@@ -26639,8 +27177,8 @@
             </p:pic>
           </mc:Fallback>
         </mc:AlternateContent>
-        <mc:AlternateContent xmlns:mc="http://schemas.openxmlformats.org/markup-compatibility/2006">
-          <mc:Choice xmlns:p14="http://schemas.microsoft.com/office/powerpoint/2010/main" Requires="p14">
+        <mc:AlternateContent xmlns:mc="http://schemas.openxmlformats.org/markup-compatibility/2006" xmlns:p14="http://schemas.microsoft.com/office/powerpoint/2010/main">
+          <mc:Choice Requires="p14">
             <p:contentPart p14:bwMode="auto" r:id="rId125">
               <p14:nvContentPartPr>
                 <p14:cNvPr id="143" name="Ink 142">
@@ -26659,7 +27197,7 @@
               </p14:xfrm>
             </p:contentPart>
           </mc:Choice>
-          <mc:Fallback>
+          <mc:Fallback xmlns="">
             <p:pic>
               <p:nvPicPr>
                 <p:cNvPr id="143" name="Ink 142">
@@ -26690,8 +27228,8 @@
             </p:pic>
           </mc:Fallback>
         </mc:AlternateContent>
-        <mc:AlternateContent xmlns:mc="http://schemas.openxmlformats.org/markup-compatibility/2006">
-          <mc:Choice xmlns:p14="http://schemas.microsoft.com/office/powerpoint/2010/main" Requires="p14">
+        <mc:AlternateContent xmlns:mc="http://schemas.openxmlformats.org/markup-compatibility/2006" xmlns:p14="http://schemas.microsoft.com/office/powerpoint/2010/main">
+          <mc:Choice Requires="p14">
             <p:contentPart p14:bwMode="auto" r:id="rId127">
               <p14:nvContentPartPr>
                 <p14:cNvPr id="144" name="Ink 143">
@@ -26710,7 +27248,7 @@
               </p14:xfrm>
             </p:contentPart>
           </mc:Choice>
-          <mc:Fallback>
+          <mc:Fallback xmlns="">
             <p:pic>
               <p:nvPicPr>
                 <p:cNvPr id="144" name="Ink 143">
@@ -26741,8 +27279,8 @@
             </p:pic>
           </mc:Fallback>
         </mc:AlternateContent>
-        <mc:AlternateContent xmlns:mc="http://schemas.openxmlformats.org/markup-compatibility/2006">
-          <mc:Choice xmlns:p14="http://schemas.microsoft.com/office/powerpoint/2010/main" Requires="p14">
+        <mc:AlternateContent xmlns:mc="http://schemas.openxmlformats.org/markup-compatibility/2006" xmlns:p14="http://schemas.microsoft.com/office/powerpoint/2010/main">
+          <mc:Choice Requires="p14">
             <p:contentPart p14:bwMode="auto" r:id="rId129">
               <p14:nvContentPartPr>
                 <p14:cNvPr id="145" name="Ink 144">
@@ -26761,7 +27299,7 @@
               </p14:xfrm>
             </p:contentPart>
           </mc:Choice>
-          <mc:Fallback>
+          <mc:Fallback xmlns="">
             <p:pic>
               <p:nvPicPr>
                 <p:cNvPr id="145" name="Ink 144">
@@ -26792,8 +27330,8 @@
             </p:pic>
           </mc:Fallback>
         </mc:AlternateContent>
-        <mc:AlternateContent xmlns:mc="http://schemas.openxmlformats.org/markup-compatibility/2006">
-          <mc:Choice xmlns:p14="http://schemas.microsoft.com/office/powerpoint/2010/main" Requires="p14">
+        <mc:AlternateContent xmlns:mc="http://schemas.openxmlformats.org/markup-compatibility/2006" xmlns:p14="http://schemas.microsoft.com/office/powerpoint/2010/main">
+          <mc:Choice Requires="p14">
             <p:contentPart p14:bwMode="auto" r:id="rId131">
               <p14:nvContentPartPr>
                 <p14:cNvPr id="146" name="Ink 145">
@@ -26812,7 +27350,7 @@
               </p14:xfrm>
             </p:contentPart>
           </mc:Choice>
-          <mc:Fallback>
+          <mc:Fallback xmlns="">
             <p:pic>
               <p:nvPicPr>
                 <p:cNvPr id="146" name="Ink 145">
@@ -26843,8 +27381,8 @@
             </p:pic>
           </mc:Fallback>
         </mc:AlternateContent>
-        <mc:AlternateContent xmlns:mc="http://schemas.openxmlformats.org/markup-compatibility/2006">
-          <mc:Choice xmlns:p14="http://schemas.microsoft.com/office/powerpoint/2010/main" Requires="p14">
+        <mc:AlternateContent xmlns:mc="http://schemas.openxmlformats.org/markup-compatibility/2006" xmlns:p14="http://schemas.microsoft.com/office/powerpoint/2010/main">
+          <mc:Choice Requires="p14">
             <p:contentPart p14:bwMode="auto" r:id="rId133">
               <p14:nvContentPartPr>
                 <p14:cNvPr id="149" name="Ink 148">
@@ -26863,7 +27401,7 @@
               </p14:xfrm>
             </p:contentPart>
           </mc:Choice>
-          <mc:Fallback>
+          <mc:Fallback xmlns="">
             <p:pic>
               <p:nvPicPr>
                 <p:cNvPr id="149" name="Ink 148">
@@ -26915,8 +27453,8 @@
             <a:chExt cx="2772000" cy="976320"/>
           </a:xfrm>
         </p:grpSpPr>
-        <mc:AlternateContent xmlns:mc="http://schemas.openxmlformats.org/markup-compatibility/2006">
-          <mc:Choice xmlns:p14="http://schemas.microsoft.com/office/powerpoint/2010/main" Requires="p14">
+        <mc:AlternateContent xmlns:mc="http://schemas.openxmlformats.org/markup-compatibility/2006" xmlns:p14="http://schemas.microsoft.com/office/powerpoint/2010/main">
+          <mc:Choice Requires="p14">
             <p:contentPart p14:bwMode="auto" r:id="rId135">
               <p14:nvContentPartPr>
                 <p14:cNvPr id="150" name="Ink 149">
@@ -26935,7 +27473,7 @@
               </p14:xfrm>
             </p:contentPart>
           </mc:Choice>
-          <mc:Fallback>
+          <mc:Fallback xmlns="">
             <p:pic>
               <p:nvPicPr>
                 <p:cNvPr id="150" name="Ink 149">
@@ -26966,8 +27504,8 @@
             </p:pic>
           </mc:Fallback>
         </mc:AlternateContent>
-        <mc:AlternateContent xmlns:mc="http://schemas.openxmlformats.org/markup-compatibility/2006">
-          <mc:Choice xmlns:p14="http://schemas.microsoft.com/office/powerpoint/2010/main" Requires="p14">
+        <mc:AlternateContent xmlns:mc="http://schemas.openxmlformats.org/markup-compatibility/2006" xmlns:p14="http://schemas.microsoft.com/office/powerpoint/2010/main">
+          <mc:Choice Requires="p14">
             <p:contentPart p14:bwMode="auto" r:id="rId137">
               <p14:nvContentPartPr>
                 <p14:cNvPr id="151" name="Ink 150">
@@ -26986,7 +27524,7 @@
               </p14:xfrm>
             </p:contentPart>
           </mc:Choice>
-          <mc:Fallback>
+          <mc:Fallback xmlns="">
             <p:pic>
               <p:nvPicPr>
                 <p:cNvPr id="151" name="Ink 150">
@@ -27017,8 +27555,8 @@
             </p:pic>
           </mc:Fallback>
         </mc:AlternateContent>
-        <mc:AlternateContent xmlns:mc="http://schemas.openxmlformats.org/markup-compatibility/2006">
-          <mc:Choice xmlns:p14="http://schemas.microsoft.com/office/powerpoint/2010/main" Requires="p14">
+        <mc:AlternateContent xmlns:mc="http://schemas.openxmlformats.org/markup-compatibility/2006" xmlns:p14="http://schemas.microsoft.com/office/powerpoint/2010/main">
+          <mc:Choice Requires="p14">
             <p:contentPart p14:bwMode="auto" r:id="rId139">
               <p14:nvContentPartPr>
                 <p14:cNvPr id="152" name="Ink 151">
@@ -27037,7 +27575,7 @@
               </p14:xfrm>
             </p:contentPart>
           </mc:Choice>
-          <mc:Fallback>
+          <mc:Fallback xmlns="">
             <p:pic>
               <p:nvPicPr>
                 <p:cNvPr id="152" name="Ink 151">
@@ -27068,8 +27606,8 @@
             </p:pic>
           </mc:Fallback>
         </mc:AlternateContent>
-        <mc:AlternateContent xmlns:mc="http://schemas.openxmlformats.org/markup-compatibility/2006">
-          <mc:Choice xmlns:p14="http://schemas.microsoft.com/office/powerpoint/2010/main" Requires="p14">
+        <mc:AlternateContent xmlns:mc="http://schemas.openxmlformats.org/markup-compatibility/2006" xmlns:p14="http://schemas.microsoft.com/office/powerpoint/2010/main">
+          <mc:Choice Requires="p14">
             <p:contentPart p14:bwMode="auto" r:id="rId141">
               <p14:nvContentPartPr>
                 <p14:cNvPr id="153" name="Ink 152">
@@ -27088,7 +27626,7 @@
               </p14:xfrm>
             </p:contentPart>
           </mc:Choice>
-          <mc:Fallback>
+          <mc:Fallback xmlns="">
             <p:pic>
               <p:nvPicPr>
                 <p:cNvPr id="153" name="Ink 152">
@@ -27119,8 +27657,8 @@
             </p:pic>
           </mc:Fallback>
         </mc:AlternateContent>
-        <mc:AlternateContent xmlns:mc="http://schemas.openxmlformats.org/markup-compatibility/2006">
-          <mc:Choice xmlns:p14="http://schemas.microsoft.com/office/powerpoint/2010/main" Requires="p14">
+        <mc:AlternateContent xmlns:mc="http://schemas.openxmlformats.org/markup-compatibility/2006" xmlns:p14="http://schemas.microsoft.com/office/powerpoint/2010/main">
+          <mc:Choice Requires="p14">
             <p:contentPart p14:bwMode="auto" r:id="rId143">
               <p14:nvContentPartPr>
                 <p14:cNvPr id="154" name="Ink 153">
@@ -27139,7 +27677,7 @@
               </p14:xfrm>
             </p:contentPart>
           </mc:Choice>
-          <mc:Fallback>
+          <mc:Fallback xmlns="">
             <p:pic>
               <p:nvPicPr>
                 <p:cNvPr id="154" name="Ink 153">
@@ -27170,8 +27708,8 @@
             </p:pic>
           </mc:Fallback>
         </mc:AlternateContent>
-        <mc:AlternateContent xmlns:mc="http://schemas.openxmlformats.org/markup-compatibility/2006">
-          <mc:Choice xmlns:p14="http://schemas.microsoft.com/office/powerpoint/2010/main" Requires="p14">
+        <mc:AlternateContent xmlns:mc="http://schemas.openxmlformats.org/markup-compatibility/2006" xmlns:p14="http://schemas.microsoft.com/office/powerpoint/2010/main">
+          <mc:Choice Requires="p14">
             <p:contentPart p14:bwMode="auto" r:id="rId145">
               <p14:nvContentPartPr>
                 <p14:cNvPr id="155" name="Ink 154">
@@ -27190,7 +27728,7 @@
               </p14:xfrm>
             </p:contentPart>
           </mc:Choice>
-          <mc:Fallback>
+          <mc:Fallback xmlns="">
             <p:pic>
               <p:nvPicPr>
                 <p:cNvPr id="155" name="Ink 154">
@@ -27221,8 +27759,8 @@
             </p:pic>
           </mc:Fallback>
         </mc:AlternateContent>
-        <mc:AlternateContent xmlns:mc="http://schemas.openxmlformats.org/markup-compatibility/2006">
-          <mc:Choice xmlns:p14="http://schemas.microsoft.com/office/powerpoint/2010/main" Requires="p14">
+        <mc:AlternateContent xmlns:mc="http://schemas.openxmlformats.org/markup-compatibility/2006" xmlns:p14="http://schemas.microsoft.com/office/powerpoint/2010/main">
+          <mc:Choice Requires="p14">
             <p:contentPart p14:bwMode="auto" r:id="rId147">
               <p14:nvContentPartPr>
                 <p14:cNvPr id="156" name="Ink 155">
@@ -27241,7 +27779,7 @@
               </p14:xfrm>
             </p:contentPart>
           </mc:Choice>
-          <mc:Fallback>
+          <mc:Fallback xmlns="">
             <p:pic>
               <p:nvPicPr>
                 <p:cNvPr id="156" name="Ink 155">
@@ -27272,8 +27810,8 @@
             </p:pic>
           </mc:Fallback>
         </mc:AlternateContent>
-        <mc:AlternateContent xmlns:mc="http://schemas.openxmlformats.org/markup-compatibility/2006">
-          <mc:Choice xmlns:p14="http://schemas.microsoft.com/office/powerpoint/2010/main" Requires="p14">
+        <mc:AlternateContent xmlns:mc="http://schemas.openxmlformats.org/markup-compatibility/2006" xmlns:p14="http://schemas.microsoft.com/office/powerpoint/2010/main">
+          <mc:Choice Requires="p14">
             <p:contentPart p14:bwMode="auto" r:id="rId149">
               <p14:nvContentPartPr>
                 <p14:cNvPr id="158" name="Ink 157">
@@ -27292,7 +27830,7 @@
               </p14:xfrm>
             </p:contentPart>
           </mc:Choice>
-          <mc:Fallback>
+          <mc:Fallback xmlns="">
             <p:pic>
               <p:nvPicPr>
                 <p:cNvPr id="158" name="Ink 157">
@@ -27323,8 +27861,8 @@
             </p:pic>
           </mc:Fallback>
         </mc:AlternateContent>
-        <mc:AlternateContent xmlns:mc="http://schemas.openxmlformats.org/markup-compatibility/2006">
-          <mc:Choice xmlns:p14="http://schemas.microsoft.com/office/powerpoint/2010/main" Requires="p14">
+        <mc:AlternateContent xmlns:mc="http://schemas.openxmlformats.org/markup-compatibility/2006" xmlns:p14="http://schemas.microsoft.com/office/powerpoint/2010/main">
+          <mc:Choice Requires="p14">
             <p:contentPart p14:bwMode="auto" r:id="rId151">
               <p14:nvContentPartPr>
                 <p14:cNvPr id="159" name="Ink 158">
@@ -27343,7 +27881,7 @@
               </p14:xfrm>
             </p:contentPart>
           </mc:Choice>
-          <mc:Fallback>
+          <mc:Fallback xmlns="">
             <p:pic>
               <p:nvPicPr>
                 <p:cNvPr id="159" name="Ink 158">
@@ -27395,8 +27933,8 @@
             <a:chExt cx="3707280" cy="3133440"/>
           </a:xfrm>
         </p:grpSpPr>
-        <mc:AlternateContent xmlns:mc="http://schemas.openxmlformats.org/markup-compatibility/2006">
-          <mc:Choice xmlns:p14="http://schemas.microsoft.com/office/powerpoint/2010/main" Requires="p14">
+        <mc:AlternateContent xmlns:mc="http://schemas.openxmlformats.org/markup-compatibility/2006" xmlns:p14="http://schemas.microsoft.com/office/powerpoint/2010/main">
+          <mc:Choice Requires="p14">
             <p:contentPart p14:bwMode="auto" r:id="rId153">
               <p14:nvContentPartPr>
                 <p14:cNvPr id="197" name="Ink 196">
@@ -27415,7 +27953,7 @@
               </p14:xfrm>
             </p:contentPart>
           </mc:Choice>
-          <mc:Fallback>
+          <mc:Fallback xmlns="">
             <p:pic>
               <p:nvPicPr>
                 <p:cNvPr id="197" name="Ink 196">
@@ -27466,8 +28004,8 @@
               <a:chExt cx="1295280" cy="563400"/>
             </a:xfrm>
           </p:grpSpPr>
-          <mc:AlternateContent xmlns:mc="http://schemas.openxmlformats.org/markup-compatibility/2006">
-            <mc:Choice xmlns:p14="http://schemas.microsoft.com/office/powerpoint/2010/main" Requires="p14">
+          <mc:AlternateContent xmlns:mc="http://schemas.openxmlformats.org/markup-compatibility/2006" xmlns:p14="http://schemas.microsoft.com/office/powerpoint/2010/main">
+            <mc:Choice Requires="p14">
               <p:contentPart p14:bwMode="auto" r:id="rId155">
                 <p14:nvContentPartPr>
                   <p14:cNvPr id="199" name="Ink 198">
@@ -27486,7 +28024,7 @@
                 </p14:xfrm>
               </p:contentPart>
             </mc:Choice>
-            <mc:Fallback>
+            <mc:Fallback xmlns="">
               <p:pic>
                 <p:nvPicPr>
                   <p:cNvPr id="199" name="Ink 198">
@@ -27517,8 +28055,8 @@
               </p:pic>
             </mc:Fallback>
           </mc:AlternateContent>
-          <mc:AlternateContent xmlns:mc="http://schemas.openxmlformats.org/markup-compatibility/2006">
-            <mc:Choice xmlns:p14="http://schemas.microsoft.com/office/powerpoint/2010/main" Requires="p14">
+          <mc:AlternateContent xmlns:mc="http://schemas.openxmlformats.org/markup-compatibility/2006" xmlns:p14="http://schemas.microsoft.com/office/powerpoint/2010/main">
+            <mc:Choice Requires="p14">
               <p:contentPart p14:bwMode="auto" r:id="rId157">
                 <p14:nvContentPartPr>
                   <p14:cNvPr id="200" name="Ink 199">
@@ -27537,7 +28075,7 @@
                 </p14:xfrm>
               </p:contentPart>
             </mc:Choice>
-            <mc:Fallback>
+            <mc:Fallback xmlns="">
               <p:pic>
                 <p:nvPicPr>
                   <p:cNvPr id="200" name="Ink 199">
@@ -27568,8 +28106,8 @@
               </p:pic>
             </mc:Fallback>
           </mc:AlternateContent>
-          <mc:AlternateContent xmlns:mc="http://schemas.openxmlformats.org/markup-compatibility/2006">
-            <mc:Choice xmlns:p14="http://schemas.microsoft.com/office/powerpoint/2010/main" Requires="p14">
+          <mc:AlternateContent xmlns:mc="http://schemas.openxmlformats.org/markup-compatibility/2006" xmlns:p14="http://schemas.microsoft.com/office/powerpoint/2010/main">
+            <mc:Choice Requires="p14">
               <p:contentPart p14:bwMode="auto" r:id="rId159">
                 <p14:nvContentPartPr>
                   <p14:cNvPr id="201" name="Ink 200">
@@ -27588,7 +28126,7 @@
                 </p14:xfrm>
               </p:contentPart>
             </mc:Choice>
-            <mc:Fallback>
+            <mc:Fallback xmlns="">
               <p:pic>
                 <p:nvPicPr>
                   <p:cNvPr id="201" name="Ink 200">
@@ -27619,8 +28157,8 @@
               </p:pic>
             </mc:Fallback>
           </mc:AlternateContent>
-          <mc:AlternateContent xmlns:mc="http://schemas.openxmlformats.org/markup-compatibility/2006">
-            <mc:Choice xmlns:p14="http://schemas.microsoft.com/office/powerpoint/2010/main" Requires="p14">
+          <mc:AlternateContent xmlns:mc="http://schemas.openxmlformats.org/markup-compatibility/2006" xmlns:p14="http://schemas.microsoft.com/office/powerpoint/2010/main">
+            <mc:Choice Requires="p14">
               <p:contentPart p14:bwMode="auto" r:id="rId161">
                 <p14:nvContentPartPr>
                   <p14:cNvPr id="202" name="Ink 201">
@@ -27639,7 +28177,7 @@
                 </p14:xfrm>
               </p:contentPart>
             </mc:Choice>
-            <mc:Fallback>
+            <mc:Fallback xmlns="">
               <p:pic>
                 <p:nvPicPr>
                   <p:cNvPr id="202" name="Ink 201">
@@ -27670,8 +28208,8 @@
               </p:pic>
             </mc:Fallback>
           </mc:AlternateContent>
-          <mc:AlternateContent xmlns:mc="http://schemas.openxmlformats.org/markup-compatibility/2006">
-            <mc:Choice xmlns:p14="http://schemas.microsoft.com/office/powerpoint/2010/main" Requires="p14">
+          <mc:AlternateContent xmlns:mc="http://schemas.openxmlformats.org/markup-compatibility/2006" xmlns:p14="http://schemas.microsoft.com/office/powerpoint/2010/main">
+            <mc:Choice Requires="p14">
               <p:contentPart p14:bwMode="auto" r:id="rId163">
                 <p14:nvContentPartPr>
                   <p14:cNvPr id="203" name="Ink 202">
@@ -27690,7 +28228,7 @@
                 </p14:xfrm>
               </p:contentPart>
             </mc:Choice>
-            <mc:Fallback>
+            <mc:Fallback xmlns="">
               <p:pic>
                 <p:nvPicPr>
                   <p:cNvPr id="203" name="Ink 202">
@@ -27721,8 +28259,8 @@
               </p:pic>
             </mc:Fallback>
           </mc:AlternateContent>
-          <mc:AlternateContent xmlns:mc="http://schemas.openxmlformats.org/markup-compatibility/2006">
-            <mc:Choice xmlns:p14="http://schemas.microsoft.com/office/powerpoint/2010/main" Requires="p14">
+          <mc:AlternateContent xmlns:mc="http://schemas.openxmlformats.org/markup-compatibility/2006" xmlns:p14="http://schemas.microsoft.com/office/powerpoint/2010/main">
+            <mc:Choice Requires="p14">
               <p:contentPart p14:bwMode="auto" r:id="rId165">
                 <p14:nvContentPartPr>
                   <p14:cNvPr id="204" name="Ink 203">
@@ -27741,7 +28279,7 @@
                 </p14:xfrm>
               </p:contentPart>
             </mc:Choice>
-            <mc:Fallback>
+            <mc:Fallback xmlns="">
               <p:pic>
                 <p:nvPicPr>
                   <p:cNvPr id="204" name="Ink 203">
@@ -27773,8 +28311,8 @@
             </mc:Fallback>
           </mc:AlternateContent>
         </p:grpSp>
-        <mc:AlternateContent xmlns:mc="http://schemas.openxmlformats.org/markup-compatibility/2006">
-          <mc:Choice xmlns:p14="http://schemas.microsoft.com/office/powerpoint/2010/main" Requires="p14">
+        <mc:AlternateContent xmlns:mc="http://schemas.openxmlformats.org/markup-compatibility/2006" xmlns:p14="http://schemas.microsoft.com/office/powerpoint/2010/main">
+          <mc:Choice Requires="p14">
             <p:contentPart p14:bwMode="auto" r:id="rId167">
               <p14:nvContentPartPr>
                 <p14:cNvPr id="205" name="Ink 204">
@@ -27793,7 +28331,7 @@
               </p14:xfrm>
             </p:contentPart>
           </mc:Choice>
-          <mc:Fallback>
+          <mc:Fallback xmlns="">
             <p:pic>
               <p:nvPicPr>
                 <p:cNvPr id="205" name="Ink 204">
@@ -27824,8 +28362,8 @@
             </p:pic>
           </mc:Fallback>
         </mc:AlternateContent>
-        <mc:AlternateContent xmlns:mc="http://schemas.openxmlformats.org/markup-compatibility/2006">
-          <mc:Choice xmlns:p14="http://schemas.microsoft.com/office/powerpoint/2010/main" Requires="p14">
+        <mc:AlternateContent xmlns:mc="http://schemas.openxmlformats.org/markup-compatibility/2006" xmlns:p14="http://schemas.microsoft.com/office/powerpoint/2010/main">
+          <mc:Choice Requires="p14">
             <p:contentPart p14:bwMode="auto" r:id="rId169">
               <p14:nvContentPartPr>
                 <p14:cNvPr id="206" name="Ink 205">
@@ -27844,7 +28382,7 @@
               </p14:xfrm>
             </p:contentPart>
           </mc:Choice>
-          <mc:Fallback>
+          <mc:Fallback xmlns="">
             <p:pic>
               <p:nvPicPr>
                 <p:cNvPr id="206" name="Ink 205">
@@ -27895,8 +28433,8 @@
               <a:chExt cx="910440" cy="515520"/>
             </a:xfrm>
           </p:grpSpPr>
-          <mc:AlternateContent xmlns:mc="http://schemas.openxmlformats.org/markup-compatibility/2006">
-            <mc:Choice xmlns:p14="http://schemas.microsoft.com/office/powerpoint/2010/main" Requires="p14">
+          <mc:AlternateContent xmlns:mc="http://schemas.openxmlformats.org/markup-compatibility/2006" xmlns:p14="http://schemas.microsoft.com/office/powerpoint/2010/main">
+            <mc:Choice Requires="p14">
               <p:contentPart p14:bwMode="auto" r:id="rId171">
                 <p14:nvContentPartPr>
                   <p14:cNvPr id="208" name="Ink 207">
@@ -27915,7 +28453,7 @@
                 </p14:xfrm>
               </p:contentPart>
             </mc:Choice>
-            <mc:Fallback>
+            <mc:Fallback xmlns="">
               <p:pic>
                 <p:nvPicPr>
                   <p:cNvPr id="208" name="Ink 207">
@@ -27946,8 +28484,8 @@
               </p:pic>
             </mc:Fallback>
           </mc:AlternateContent>
-          <mc:AlternateContent xmlns:mc="http://schemas.openxmlformats.org/markup-compatibility/2006">
-            <mc:Choice xmlns:p14="http://schemas.microsoft.com/office/powerpoint/2010/main" Requires="p14">
+          <mc:AlternateContent xmlns:mc="http://schemas.openxmlformats.org/markup-compatibility/2006" xmlns:p14="http://schemas.microsoft.com/office/powerpoint/2010/main">
+            <mc:Choice Requires="p14">
               <p:contentPart p14:bwMode="auto" r:id="rId173">
                 <p14:nvContentPartPr>
                   <p14:cNvPr id="209" name="Ink 208">
@@ -27966,7 +28504,7 @@
                 </p14:xfrm>
               </p:contentPart>
             </mc:Choice>
-            <mc:Fallback>
+            <mc:Fallback xmlns="">
               <p:pic>
                 <p:nvPicPr>
                   <p:cNvPr id="209" name="Ink 208">
@@ -27997,8 +28535,8 @@
               </p:pic>
             </mc:Fallback>
           </mc:AlternateContent>
-          <mc:AlternateContent xmlns:mc="http://schemas.openxmlformats.org/markup-compatibility/2006">
-            <mc:Choice xmlns:p14="http://schemas.microsoft.com/office/powerpoint/2010/main" Requires="p14">
+          <mc:AlternateContent xmlns:mc="http://schemas.openxmlformats.org/markup-compatibility/2006" xmlns:p14="http://schemas.microsoft.com/office/powerpoint/2010/main">
+            <mc:Choice Requires="p14">
               <p:contentPart p14:bwMode="auto" r:id="rId175">
                 <p14:nvContentPartPr>
                   <p14:cNvPr id="210" name="Ink 209">
@@ -28017,7 +28555,7 @@
                 </p14:xfrm>
               </p:contentPart>
             </mc:Choice>
-            <mc:Fallback>
+            <mc:Fallback xmlns="">
               <p:pic>
                 <p:nvPicPr>
                   <p:cNvPr id="210" name="Ink 209">
@@ -28048,8 +28586,8 @@
               </p:pic>
             </mc:Fallback>
           </mc:AlternateContent>
-          <mc:AlternateContent xmlns:mc="http://schemas.openxmlformats.org/markup-compatibility/2006">
-            <mc:Choice xmlns:p14="http://schemas.microsoft.com/office/powerpoint/2010/main" Requires="p14">
+          <mc:AlternateContent xmlns:mc="http://schemas.openxmlformats.org/markup-compatibility/2006" xmlns:p14="http://schemas.microsoft.com/office/powerpoint/2010/main">
+            <mc:Choice Requires="p14">
               <p:contentPart p14:bwMode="auto" r:id="rId177">
                 <p14:nvContentPartPr>
                   <p14:cNvPr id="211" name="Ink 210">
@@ -28068,7 +28606,7 @@
                 </p14:xfrm>
               </p:contentPart>
             </mc:Choice>
-            <mc:Fallback>
+            <mc:Fallback xmlns="">
               <p:pic>
                 <p:nvPicPr>
                   <p:cNvPr id="211" name="Ink 210">
@@ -28099,8 +28637,8 @@
               </p:pic>
             </mc:Fallback>
           </mc:AlternateContent>
-          <mc:AlternateContent xmlns:mc="http://schemas.openxmlformats.org/markup-compatibility/2006">
-            <mc:Choice xmlns:p14="http://schemas.microsoft.com/office/powerpoint/2010/main" Requires="p14">
+          <mc:AlternateContent xmlns:mc="http://schemas.openxmlformats.org/markup-compatibility/2006" xmlns:p14="http://schemas.microsoft.com/office/powerpoint/2010/main">
+            <mc:Choice Requires="p14">
               <p:contentPart p14:bwMode="auto" r:id="rId179">
                 <p14:nvContentPartPr>
                   <p14:cNvPr id="212" name="Ink 211">
@@ -28119,7 +28657,7 @@
                 </p14:xfrm>
               </p:contentPart>
             </mc:Choice>
-            <mc:Fallback>
+            <mc:Fallback xmlns="">
               <p:pic>
                 <p:nvPicPr>
                   <p:cNvPr id="212" name="Ink 211">
@@ -28150,8 +28688,8 @@
               </p:pic>
             </mc:Fallback>
           </mc:AlternateContent>
-          <mc:AlternateContent xmlns:mc="http://schemas.openxmlformats.org/markup-compatibility/2006">
-            <mc:Choice xmlns:p14="http://schemas.microsoft.com/office/powerpoint/2010/main" Requires="p14">
+          <mc:AlternateContent xmlns:mc="http://schemas.openxmlformats.org/markup-compatibility/2006" xmlns:p14="http://schemas.microsoft.com/office/powerpoint/2010/main">
+            <mc:Choice Requires="p14">
               <p:contentPart p14:bwMode="auto" r:id="rId181">
                 <p14:nvContentPartPr>
                   <p14:cNvPr id="213" name="Ink 212">
@@ -28170,7 +28708,7 @@
                 </p14:xfrm>
               </p:contentPart>
             </mc:Choice>
-            <mc:Fallback>
+            <mc:Fallback xmlns="">
               <p:pic>
                 <p:nvPicPr>
                   <p:cNvPr id="213" name="Ink 212">
@@ -28201,8 +28739,8 @@
               </p:pic>
             </mc:Fallback>
           </mc:AlternateContent>
-          <mc:AlternateContent xmlns:mc="http://schemas.openxmlformats.org/markup-compatibility/2006">
-            <mc:Choice xmlns:p14="http://schemas.microsoft.com/office/powerpoint/2010/main" Requires="p14">
+          <mc:AlternateContent xmlns:mc="http://schemas.openxmlformats.org/markup-compatibility/2006" xmlns:p14="http://schemas.microsoft.com/office/powerpoint/2010/main">
+            <mc:Choice Requires="p14">
               <p:contentPart p14:bwMode="auto" r:id="rId183">
                 <p14:nvContentPartPr>
                   <p14:cNvPr id="214" name="Ink 213">
@@ -28221,7 +28759,7 @@
                 </p14:xfrm>
               </p:contentPart>
             </mc:Choice>
-            <mc:Fallback>
+            <mc:Fallback xmlns="">
               <p:pic>
                 <p:nvPicPr>
                   <p:cNvPr id="214" name="Ink 213">
@@ -28252,8 +28790,8 @@
               </p:pic>
             </mc:Fallback>
           </mc:AlternateContent>
-          <mc:AlternateContent xmlns:mc="http://schemas.openxmlformats.org/markup-compatibility/2006">
-            <mc:Choice xmlns:p14="http://schemas.microsoft.com/office/powerpoint/2010/main" Requires="p14">
+          <mc:AlternateContent xmlns:mc="http://schemas.openxmlformats.org/markup-compatibility/2006" xmlns:p14="http://schemas.microsoft.com/office/powerpoint/2010/main">
+            <mc:Choice Requires="p14">
               <p:contentPart p14:bwMode="auto" r:id="rId185">
                 <p14:nvContentPartPr>
                   <p14:cNvPr id="215" name="Ink 214">
@@ -28272,7 +28810,7 @@
                 </p14:xfrm>
               </p:contentPart>
             </mc:Choice>
-            <mc:Fallback>
+            <mc:Fallback xmlns="">
               <p:pic>
                 <p:nvPicPr>
                   <p:cNvPr id="215" name="Ink 214">
@@ -28324,8 +28862,8 @@
               <a:chExt cx="870840" cy="368640"/>
             </a:xfrm>
           </p:grpSpPr>
-          <mc:AlternateContent xmlns:mc="http://schemas.openxmlformats.org/markup-compatibility/2006">
-            <mc:Choice xmlns:p14="http://schemas.microsoft.com/office/powerpoint/2010/main" Requires="p14">
+          <mc:AlternateContent xmlns:mc="http://schemas.openxmlformats.org/markup-compatibility/2006" xmlns:p14="http://schemas.microsoft.com/office/powerpoint/2010/main">
+            <mc:Choice Requires="p14">
               <p:contentPart p14:bwMode="auto" r:id="rId187">
                 <p14:nvContentPartPr>
                   <p14:cNvPr id="217" name="Ink 216">
@@ -28344,7 +28882,7 @@
                 </p14:xfrm>
               </p:contentPart>
             </mc:Choice>
-            <mc:Fallback>
+            <mc:Fallback xmlns="">
               <p:pic>
                 <p:nvPicPr>
                   <p:cNvPr id="217" name="Ink 216">
@@ -28375,8 +28913,8 @@
               </p:pic>
             </mc:Fallback>
           </mc:AlternateContent>
-          <mc:AlternateContent xmlns:mc="http://schemas.openxmlformats.org/markup-compatibility/2006">
-            <mc:Choice xmlns:p14="http://schemas.microsoft.com/office/powerpoint/2010/main" Requires="p14">
+          <mc:AlternateContent xmlns:mc="http://schemas.openxmlformats.org/markup-compatibility/2006" xmlns:p14="http://schemas.microsoft.com/office/powerpoint/2010/main">
+            <mc:Choice Requires="p14">
               <p:contentPart p14:bwMode="auto" r:id="rId189">
                 <p14:nvContentPartPr>
                   <p14:cNvPr id="218" name="Ink 217">
@@ -28395,7 +28933,7 @@
                 </p14:xfrm>
               </p:contentPart>
             </mc:Choice>
-            <mc:Fallback>
+            <mc:Fallback xmlns="">
               <p:pic>
                 <p:nvPicPr>
                   <p:cNvPr id="218" name="Ink 217">
@@ -28426,8 +28964,8 @@
               </p:pic>
             </mc:Fallback>
           </mc:AlternateContent>
-          <mc:AlternateContent xmlns:mc="http://schemas.openxmlformats.org/markup-compatibility/2006">
-            <mc:Choice xmlns:p14="http://schemas.microsoft.com/office/powerpoint/2010/main" Requires="p14">
+          <mc:AlternateContent xmlns:mc="http://schemas.openxmlformats.org/markup-compatibility/2006" xmlns:p14="http://schemas.microsoft.com/office/powerpoint/2010/main">
+            <mc:Choice Requires="p14">
               <p:contentPart p14:bwMode="auto" r:id="rId191">
                 <p14:nvContentPartPr>
                   <p14:cNvPr id="219" name="Ink 218">
@@ -28446,7 +28984,7 @@
                 </p14:xfrm>
               </p:contentPart>
             </mc:Choice>
-            <mc:Fallback>
+            <mc:Fallback xmlns="">
               <p:pic>
                 <p:nvPicPr>
                   <p:cNvPr id="219" name="Ink 218">
@@ -28477,8 +29015,8 @@
               </p:pic>
             </mc:Fallback>
           </mc:AlternateContent>
-          <mc:AlternateContent xmlns:mc="http://schemas.openxmlformats.org/markup-compatibility/2006">
-            <mc:Choice xmlns:p14="http://schemas.microsoft.com/office/powerpoint/2010/main" Requires="p14">
+          <mc:AlternateContent xmlns:mc="http://schemas.openxmlformats.org/markup-compatibility/2006" xmlns:p14="http://schemas.microsoft.com/office/powerpoint/2010/main">
+            <mc:Choice Requires="p14">
               <p:contentPart p14:bwMode="auto" r:id="rId193">
                 <p14:nvContentPartPr>
                   <p14:cNvPr id="220" name="Ink 219">
@@ -28497,7 +29035,7 @@
                 </p14:xfrm>
               </p:contentPart>
             </mc:Choice>
-            <mc:Fallback>
+            <mc:Fallback xmlns="">
               <p:pic>
                 <p:nvPicPr>
                   <p:cNvPr id="220" name="Ink 219">
@@ -28528,8 +29066,8 @@
               </p:pic>
             </mc:Fallback>
           </mc:AlternateContent>
-          <mc:AlternateContent xmlns:mc="http://schemas.openxmlformats.org/markup-compatibility/2006">
-            <mc:Choice xmlns:p14="http://schemas.microsoft.com/office/powerpoint/2010/main" Requires="p14">
+          <mc:AlternateContent xmlns:mc="http://schemas.openxmlformats.org/markup-compatibility/2006" xmlns:p14="http://schemas.microsoft.com/office/powerpoint/2010/main">
+            <mc:Choice Requires="p14">
               <p:contentPart p14:bwMode="auto" r:id="rId195">
                 <p14:nvContentPartPr>
                   <p14:cNvPr id="221" name="Ink 220">
@@ -28548,7 +29086,7 @@
                 </p14:xfrm>
               </p:contentPart>
             </mc:Choice>
-            <mc:Fallback>
+            <mc:Fallback xmlns="">
               <p:pic>
                 <p:nvPicPr>
                   <p:cNvPr id="221" name="Ink 220">
@@ -28600,8 +29138,8 @@
               <a:chExt cx="869760" cy="457200"/>
             </a:xfrm>
           </p:grpSpPr>
-          <mc:AlternateContent xmlns:mc="http://schemas.openxmlformats.org/markup-compatibility/2006">
-            <mc:Choice xmlns:p14="http://schemas.microsoft.com/office/powerpoint/2010/main" Requires="p14">
+          <mc:AlternateContent xmlns:mc="http://schemas.openxmlformats.org/markup-compatibility/2006" xmlns:p14="http://schemas.microsoft.com/office/powerpoint/2010/main">
+            <mc:Choice Requires="p14">
               <p:contentPart p14:bwMode="auto" r:id="rId197">
                 <p14:nvContentPartPr>
                   <p14:cNvPr id="223" name="Ink 222">
@@ -28620,7 +29158,7 @@
                 </p14:xfrm>
               </p:contentPart>
             </mc:Choice>
-            <mc:Fallback>
+            <mc:Fallback xmlns="">
               <p:pic>
                 <p:nvPicPr>
                   <p:cNvPr id="223" name="Ink 222">
@@ -28651,8 +29189,8 @@
               </p:pic>
             </mc:Fallback>
           </mc:AlternateContent>
-          <mc:AlternateContent xmlns:mc="http://schemas.openxmlformats.org/markup-compatibility/2006">
-            <mc:Choice xmlns:p14="http://schemas.microsoft.com/office/powerpoint/2010/main" Requires="p14">
+          <mc:AlternateContent xmlns:mc="http://schemas.openxmlformats.org/markup-compatibility/2006" xmlns:p14="http://schemas.microsoft.com/office/powerpoint/2010/main">
+            <mc:Choice Requires="p14">
               <p:contentPart p14:bwMode="auto" r:id="rId199">
                 <p14:nvContentPartPr>
                   <p14:cNvPr id="224" name="Ink 223">
@@ -28671,7 +29209,7 @@
                 </p14:xfrm>
               </p:contentPart>
             </mc:Choice>
-            <mc:Fallback>
+            <mc:Fallback xmlns="">
               <p:pic>
                 <p:nvPicPr>
                   <p:cNvPr id="224" name="Ink 223">
@@ -28702,8 +29240,8 @@
               </p:pic>
             </mc:Fallback>
           </mc:AlternateContent>
-          <mc:AlternateContent xmlns:mc="http://schemas.openxmlformats.org/markup-compatibility/2006">
-            <mc:Choice xmlns:p14="http://schemas.microsoft.com/office/powerpoint/2010/main" Requires="p14">
+          <mc:AlternateContent xmlns:mc="http://schemas.openxmlformats.org/markup-compatibility/2006" xmlns:p14="http://schemas.microsoft.com/office/powerpoint/2010/main">
+            <mc:Choice Requires="p14">
               <p:contentPart p14:bwMode="auto" r:id="rId201">
                 <p14:nvContentPartPr>
                   <p14:cNvPr id="225" name="Ink 224">
@@ -28722,7 +29260,7 @@
                 </p14:xfrm>
               </p:contentPart>
             </mc:Choice>
-            <mc:Fallback>
+            <mc:Fallback xmlns="">
               <p:pic>
                 <p:nvPicPr>
                   <p:cNvPr id="225" name="Ink 224">
@@ -28753,8 +29291,8 @@
               </p:pic>
             </mc:Fallback>
           </mc:AlternateContent>
-          <mc:AlternateContent xmlns:mc="http://schemas.openxmlformats.org/markup-compatibility/2006">
-            <mc:Choice xmlns:p14="http://schemas.microsoft.com/office/powerpoint/2010/main" Requires="p14">
+          <mc:AlternateContent xmlns:mc="http://schemas.openxmlformats.org/markup-compatibility/2006" xmlns:p14="http://schemas.microsoft.com/office/powerpoint/2010/main">
+            <mc:Choice Requires="p14">
               <p:contentPart p14:bwMode="auto" r:id="rId203">
                 <p14:nvContentPartPr>
                   <p14:cNvPr id="226" name="Ink 225">
@@ -28773,7 +29311,7 @@
                 </p14:xfrm>
               </p:contentPart>
             </mc:Choice>
-            <mc:Fallback>
+            <mc:Fallback xmlns="">
               <p:pic>
                 <p:nvPicPr>
                   <p:cNvPr id="226" name="Ink 225">
@@ -28804,8 +29342,8 @@
               </p:pic>
             </mc:Fallback>
           </mc:AlternateContent>
-          <mc:AlternateContent xmlns:mc="http://schemas.openxmlformats.org/markup-compatibility/2006">
-            <mc:Choice xmlns:p14="http://schemas.microsoft.com/office/powerpoint/2010/main" Requires="p14">
+          <mc:AlternateContent xmlns:mc="http://schemas.openxmlformats.org/markup-compatibility/2006" xmlns:p14="http://schemas.microsoft.com/office/powerpoint/2010/main">
+            <mc:Choice Requires="p14">
               <p:contentPart p14:bwMode="auto" r:id="rId205">
                 <p14:nvContentPartPr>
                   <p14:cNvPr id="227" name="Ink 226">
@@ -28824,7 +29362,7 @@
                 </p14:xfrm>
               </p:contentPart>
             </mc:Choice>
-            <mc:Fallback>
+            <mc:Fallback xmlns="">
               <p:pic>
                 <p:nvPicPr>
                   <p:cNvPr id="227" name="Ink 226">
@@ -28855,8 +29393,8 @@
               </p:pic>
             </mc:Fallback>
           </mc:AlternateContent>
-          <mc:AlternateContent xmlns:mc="http://schemas.openxmlformats.org/markup-compatibility/2006">
-            <mc:Choice xmlns:p14="http://schemas.microsoft.com/office/powerpoint/2010/main" Requires="p14">
+          <mc:AlternateContent xmlns:mc="http://schemas.openxmlformats.org/markup-compatibility/2006" xmlns:p14="http://schemas.microsoft.com/office/powerpoint/2010/main">
+            <mc:Choice Requires="p14">
               <p:contentPart p14:bwMode="auto" r:id="rId207">
                 <p14:nvContentPartPr>
                   <p14:cNvPr id="228" name="Ink 227">
@@ -28875,7 +29413,7 @@
                 </p14:xfrm>
               </p:contentPart>
             </mc:Choice>
-            <mc:Fallback>
+            <mc:Fallback xmlns="">
               <p:pic>
                 <p:nvPicPr>
                   <p:cNvPr id="228" name="Ink 227">
@@ -28927,8 +29465,8 @@
               <a:chExt cx="1468440" cy="502920"/>
             </a:xfrm>
           </p:grpSpPr>
-          <mc:AlternateContent xmlns:mc="http://schemas.openxmlformats.org/markup-compatibility/2006">
-            <mc:Choice xmlns:p14="http://schemas.microsoft.com/office/powerpoint/2010/main" Requires="p14">
+          <mc:AlternateContent xmlns:mc="http://schemas.openxmlformats.org/markup-compatibility/2006" xmlns:p14="http://schemas.microsoft.com/office/powerpoint/2010/main">
+            <mc:Choice Requires="p14">
               <p:contentPart p14:bwMode="auto" r:id="rId209">
                 <p14:nvContentPartPr>
                   <p14:cNvPr id="230" name="Ink 229">
@@ -28947,7 +29485,7 @@
                 </p14:xfrm>
               </p:contentPart>
             </mc:Choice>
-            <mc:Fallback>
+            <mc:Fallback xmlns="">
               <p:pic>
                 <p:nvPicPr>
                   <p:cNvPr id="230" name="Ink 229">
@@ -28978,8 +29516,8 @@
               </p:pic>
             </mc:Fallback>
           </mc:AlternateContent>
-          <mc:AlternateContent xmlns:mc="http://schemas.openxmlformats.org/markup-compatibility/2006">
-            <mc:Choice xmlns:p14="http://schemas.microsoft.com/office/powerpoint/2010/main" Requires="p14">
+          <mc:AlternateContent xmlns:mc="http://schemas.openxmlformats.org/markup-compatibility/2006" xmlns:p14="http://schemas.microsoft.com/office/powerpoint/2010/main">
+            <mc:Choice Requires="p14">
               <p:contentPart p14:bwMode="auto" r:id="rId211">
                 <p14:nvContentPartPr>
                   <p14:cNvPr id="231" name="Ink 230">
@@ -28998,7 +29536,7 @@
                 </p14:xfrm>
               </p:contentPart>
             </mc:Choice>
-            <mc:Fallback>
+            <mc:Fallback xmlns="">
               <p:pic>
                 <p:nvPicPr>
                   <p:cNvPr id="231" name="Ink 230">
@@ -29029,8 +29567,8 @@
               </p:pic>
             </mc:Fallback>
           </mc:AlternateContent>
-          <mc:AlternateContent xmlns:mc="http://schemas.openxmlformats.org/markup-compatibility/2006">
-            <mc:Choice xmlns:p14="http://schemas.microsoft.com/office/powerpoint/2010/main" Requires="p14">
+          <mc:AlternateContent xmlns:mc="http://schemas.openxmlformats.org/markup-compatibility/2006" xmlns:p14="http://schemas.microsoft.com/office/powerpoint/2010/main">
+            <mc:Choice Requires="p14">
               <p:contentPart p14:bwMode="auto" r:id="rId213">
                 <p14:nvContentPartPr>
                   <p14:cNvPr id="232" name="Ink 231">
@@ -29049,7 +29587,7 @@
                 </p14:xfrm>
               </p:contentPart>
             </mc:Choice>
-            <mc:Fallback>
+            <mc:Fallback xmlns="">
               <p:pic>
                 <p:nvPicPr>
                   <p:cNvPr id="232" name="Ink 231">
@@ -29080,8 +29618,8 @@
               </p:pic>
             </mc:Fallback>
           </mc:AlternateContent>
-          <mc:AlternateContent xmlns:mc="http://schemas.openxmlformats.org/markup-compatibility/2006">
-            <mc:Choice xmlns:p14="http://schemas.microsoft.com/office/powerpoint/2010/main" Requires="p14">
+          <mc:AlternateContent xmlns:mc="http://schemas.openxmlformats.org/markup-compatibility/2006" xmlns:p14="http://schemas.microsoft.com/office/powerpoint/2010/main">
+            <mc:Choice Requires="p14">
               <p:contentPart p14:bwMode="auto" r:id="rId215">
                 <p14:nvContentPartPr>
                   <p14:cNvPr id="233" name="Ink 232">
@@ -29100,7 +29638,7 @@
                 </p14:xfrm>
               </p:contentPart>
             </mc:Choice>
-            <mc:Fallback>
+            <mc:Fallback xmlns="">
               <p:pic>
                 <p:nvPicPr>
                   <p:cNvPr id="233" name="Ink 232">
@@ -29131,8 +29669,8 @@
               </p:pic>
             </mc:Fallback>
           </mc:AlternateContent>
-          <mc:AlternateContent xmlns:mc="http://schemas.openxmlformats.org/markup-compatibility/2006">
-            <mc:Choice xmlns:p14="http://schemas.microsoft.com/office/powerpoint/2010/main" Requires="p14">
+          <mc:AlternateContent xmlns:mc="http://schemas.openxmlformats.org/markup-compatibility/2006" xmlns:p14="http://schemas.microsoft.com/office/powerpoint/2010/main">
+            <mc:Choice Requires="p14">
               <p:contentPart p14:bwMode="auto" r:id="rId217">
                 <p14:nvContentPartPr>
                   <p14:cNvPr id="234" name="Ink 233">
@@ -29151,7 +29689,7 @@
                 </p14:xfrm>
               </p:contentPart>
             </mc:Choice>
-            <mc:Fallback>
+            <mc:Fallback xmlns="">
               <p:pic>
                 <p:nvPicPr>
                   <p:cNvPr id="234" name="Ink 233">
@@ -29182,8 +29720,8 @@
               </p:pic>
             </mc:Fallback>
           </mc:AlternateContent>
-          <mc:AlternateContent xmlns:mc="http://schemas.openxmlformats.org/markup-compatibility/2006">
-            <mc:Choice xmlns:p14="http://schemas.microsoft.com/office/powerpoint/2010/main" Requires="p14">
+          <mc:AlternateContent xmlns:mc="http://schemas.openxmlformats.org/markup-compatibility/2006" xmlns:p14="http://schemas.microsoft.com/office/powerpoint/2010/main">
+            <mc:Choice Requires="p14">
               <p:contentPart p14:bwMode="auto" r:id="rId219">
                 <p14:nvContentPartPr>
                   <p14:cNvPr id="235" name="Ink 234">
@@ -29202,7 +29740,7 @@
                 </p14:xfrm>
               </p:contentPart>
             </mc:Choice>
-            <mc:Fallback>
+            <mc:Fallback xmlns="">
               <p:pic>
                 <p:nvPicPr>
                   <p:cNvPr id="235" name="Ink 234">
@@ -29233,8 +29771,8 @@
               </p:pic>
             </mc:Fallback>
           </mc:AlternateContent>
-          <mc:AlternateContent xmlns:mc="http://schemas.openxmlformats.org/markup-compatibility/2006">
-            <mc:Choice xmlns:p14="http://schemas.microsoft.com/office/powerpoint/2010/main" Requires="p14">
+          <mc:AlternateContent xmlns:mc="http://schemas.openxmlformats.org/markup-compatibility/2006" xmlns:p14="http://schemas.microsoft.com/office/powerpoint/2010/main">
+            <mc:Choice Requires="p14">
               <p:contentPart p14:bwMode="auto" r:id="rId221">
                 <p14:nvContentPartPr>
                   <p14:cNvPr id="236" name="Ink 235">
@@ -29253,7 +29791,7 @@
                 </p14:xfrm>
               </p:contentPart>
             </mc:Choice>
-            <mc:Fallback>
+            <mc:Fallback xmlns="">
               <p:pic>
                 <p:nvPicPr>
                   <p:cNvPr id="236" name="Ink 235">
@@ -29284,8 +29822,8 @@
               </p:pic>
             </mc:Fallback>
           </mc:AlternateContent>
-          <mc:AlternateContent xmlns:mc="http://schemas.openxmlformats.org/markup-compatibility/2006">
-            <mc:Choice xmlns:p14="http://schemas.microsoft.com/office/powerpoint/2010/main" Requires="p14">
+          <mc:AlternateContent xmlns:mc="http://schemas.openxmlformats.org/markup-compatibility/2006" xmlns:p14="http://schemas.microsoft.com/office/powerpoint/2010/main">
+            <mc:Choice Requires="p14">
               <p:contentPart p14:bwMode="auto" r:id="rId223">
                 <p14:nvContentPartPr>
                   <p14:cNvPr id="237" name="Ink 236">
@@ -29304,7 +29842,7 @@
                 </p14:xfrm>
               </p:contentPart>
             </mc:Choice>
-            <mc:Fallback>
+            <mc:Fallback xmlns="">
               <p:pic>
                 <p:nvPicPr>
                   <p:cNvPr id="237" name="Ink 236">
@@ -29335,8 +29873,8 @@
               </p:pic>
             </mc:Fallback>
           </mc:AlternateContent>
-          <mc:AlternateContent xmlns:mc="http://schemas.openxmlformats.org/markup-compatibility/2006">
-            <mc:Choice xmlns:p14="http://schemas.microsoft.com/office/powerpoint/2010/main" Requires="p14">
+          <mc:AlternateContent xmlns:mc="http://schemas.openxmlformats.org/markup-compatibility/2006" xmlns:p14="http://schemas.microsoft.com/office/powerpoint/2010/main">
+            <mc:Choice Requires="p14">
               <p:contentPart p14:bwMode="auto" r:id="rId225">
                 <p14:nvContentPartPr>
                   <p14:cNvPr id="238" name="Ink 237">
@@ -29355,7 +29893,7 @@
                 </p14:xfrm>
               </p:contentPart>
             </mc:Choice>
-            <mc:Fallback>
+            <mc:Fallback xmlns="">
               <p:pic>
                 <p:nvPicPr>
                   <p:cNvPr id="238" name="Ink 237">
@@ -29386,8 +29924,8 @@
               </p:pic>
             </mc:Fallback>
           </mc:AlternateContent>
-          <mc:AlternateContent xmlns:mc="http://schemas.openxmlformats.org/markup-compatibility/2006">
-            <mc:Choice xmlns:p14="http://schemas.microsoft.com/office/powerpoint/2010/main" Requires="p14">
+          <mc:AlternateContent xmlns:mc="http://schemas.openxmlformats.org/markup-compatibility/2006" xmlns:p14="http://schemas.microsoft.com/office/powerpoint/2010/main">
+            <mc:Choice Requires="p14">
               <p:contentPart p14:bwMode="auto" r:id="rId227">
                 <p14:nvContentPartPr>
                   <p14:cNvPr id="239" name="Ink 238">
@@ -29406,7 +29944,7 @@
                 </p14:xfrm>
               </p:contentPart>
             </mc:Choice>
-            <mc:Fallback>
+            <mc:Fallback xmlns="">
               <p:pic>
                 <p:nvPicPr>
                   <p:cNvPr id="239" name="Ink 238">
@@ -29437,8 +29975,8 @@
               </p:pic>
             </mc:Fallback>
           </mc:AlternateContent>
-          <mc:AlternateContent xmlns:mc="http://schemas.openxmlformats.org/markup-compatibility/2006">
-            <mc:Choice xmlns:p14="http://schemas.microsoft.com/office/powerpoint/2010/main" Requires="p14">
+          <mc:AlternateContent xmlns:mc="http://schemas.openxmlformats.org/markup-compatibility/2006" xmlns:p14="http://schemas.microsoft.com/office/powerpoint/2010/main">
+            <mc:Choice Requires="p14">
               <p:contentPart p14:bwMode="auto" r:id="rId229">
                 <p14:nvContentPartPr>
                   <p14:cNvPr id="240" name="Ink 239">
@@ -29457,7 +29995,7 @@
                 </p14:xfrm>
               </p:contentPart>
             </mc:Choice>
-            <mc:Fallback>
+            <mc:Fallback xmlns="">
               <p:pic>
                 <p:nvPicPr>
                   <p:cNvPr id="240" name="Ink 239">
@@ -29488,8 +30026,8 @@
               </p:pic>
             </mc:Fallback>
           </mc:AlternateContent>
-          <mc:AlternateContent xmlns:mc="http://schemas.openxmlformats.org/markup-compatibility/2006">
-            <mc:Choice xmlns:p14="http://schemas.microsoft.com/office/powerpoint/2010/main" Requires="p14">
+          <mc:AlternateContent xmlns:mc="http://schemas.openxmlformats.org/markup-compatibility/2006" xmlns:p14="http://schemas.microsoft.com/office/powerpoint/2010/main">
+            <mc:Choice Requires="p14">
               <p:contentPart p14:bwMode="auto" r:id="rId231">
                 <p14:nvContentPartPr>
                   <p14:cNvPr id="241" name="Ink 240">
@@ -29508,7 +30046,7 @@
                 </p14:xfrm>
               </p:contentPart>
             </mc:Choice>
-            <mc:Fallback>
+            <mc:Fallback xmlns="">
               <p:pic>
                 <p:nvPicPr>
                   <p:cNvPr id="241" name="Ink 240">
@@ -29560,8 +30098,8 @@
               <a:chExt cx="588960" cy="313560"/>
             </a:xfrm>
           </p:grpSpPr>
-          <mc:AlternateContent xmlns:mc="http://schemas.openxmlformats.org/markup-compatibility/2006">
-            <mc:Choice xmlns:p14="http://schemas.microsoft.com/office/powerpoint/2010/main" Requires="p14">
+          <mc:AlternateContent xmlns:mc="http://schemas.openxmlformats.org/markup-compatibility/2006" xmlns:p14="http://schemas.microsoft.com/office/powerpoint/2010/main">
+            <mc:Choice Requires="p14">
               <p:contentPart p14:bwMode="auto" r:id="rId233">
                 <p14:nvContentPartPr>
                   <p14:cNvPr id="243" name="Ink 242">
@@ -29580,7 +30118,7 @@
                 </p14:xfrm>
               </p:contentPart>
             </mc:Choice>
-            <mc:Fallback>
+            <mc:Fallback xmlns="">
               <p:pic>
                 <p:nvPicPr>
                   <p:cNvPr id="243" name="Ink 242">
@@ -29611,8 +30149,8 @@
               </p:pic>
             </mc:Fallback>
           </mc:AlternateContent>
-          <mc:AlternateContent xmlns:mc="http://schemas.openxmlformats.org/markup-compatibility/2006">
-            <mc:Choice xmlns:p14="http://schemas.microsoft.com/office/powerpoint/2010/main" Requires="p14">
+          <mc:AlternateContent xmlns:mc="http://schemas.openxmlformats.org/markup-compatibility/2006" xmlns:p14="http://schemas.microsoft.com/office/powerpoint/2010/main">
+            <mc:Choice Requires="p14">
               <p:contentPart p14:bwMode="auto" r:id="rId235">
                 <p14:nvContentPartPr>
                   <p14:cNvPr id="244" name="Ink 243">
@@ -29631,7 +30169,7 @@
                 </p14:xfrm>
               </p:contentPart>
             </mc:Choice>
-            <mc:Fallback>
+            <mc:Fallback xmlns="">
               <p:pic>
                 <p:nvPicPr>
                   <p:cNvPr id="244" name="Ink 243">
@@ -29662,8 +30200,8 @@
               </p:pic>
             </mc:Fallback>
           </mc:AlternateContent>
-          <mc:AlternateContent xmlns:mc="http://schemas.openxmlformats.org/markup-compatibility/2006">
-            <mc:Choice xmlns:p14="http://schemas.microsoft.com/office/powerpoint/2010/main" Requires="p14">
+          <mc:AlternateContent xmlns:mc="http://schemas.openxmlformats.org/markup-compatibility/2006" xmlns:p14="http://schemas.microsoft.com/office/powerpoint/2010/main">
+            <mc:Choice Requires="p14">
               <p:contentPart p14:bwMode="auto" r:id="rId237">
                 <p14:nvContentPartPr>
                   <p14:cNvPr id="245" name="Ink 244">
@@ -29682,7 +30220,7 @@
                 </p14:xfrm>
               </p:contentPart>
             </mc:Choice>
-            <mc:Fallback>
+            <mc:Fallback xmlns="">
               <p:pic>
                 <p:nvPicPr>
                   <p:cNvPr id="245" name="Ink 244">
@@ -29734,8 +30272,8 @@
               <a:chExt cx="499680" cy="294840"/>
             </a:xfrm>
           </p:grpSpPr>
-          <mc:AlternateContent xmlns:mc="http://schemas.openxmlformats.org/markup-compatibility/2006">
-            <mc:Choice xmlns:p14="http://schemas.microsoft.com/office/powerpoint/2010/main" Requires="p14">
+          <mc:AlternateContent xmlns:mc="http://schemas.openxmlformats.org/markup-compatibility/2006" xmlns:p14="http://schemas.microsoft.com/office/powerpoint/2010/main">
+            <mc:Choice Requires="p14">
               <p:contentPart p14:bwMode="auto" r:id="rId239">
                 <p14:nvContentPartPr>
                   <p14:cNvPr id="247" name="Ink 246">
@@ -29754,7 +30292,7 @@
                 </p14:xfrm>
               </p:contentPart>
             </mc:Choice>
-            <mc:Fallback>
+            <mc:Fallback xmlns="">
               <p:pic>
                 <p:nvPicPr>
                   <p:cNvPr id="247" name="Ink 246">
@@ -29785,8 +30323,8 @@
               </p:pic>
             </mc:Fallback>
           </mc:AlternateContent>
-          <mc:AlternateContent xmlns:mc="http://schemas.openxmlformats.org/markup-compatibility/2006">
-            <mc:Choice xmlns:p14="http://schemas.microsoft.com/office/powerpoint/2010/main" Requires="p14">
+          <mc:AlternateContent xmlns:mc="http://schemas.openxmlformats.org/markup-compatibility/2006" xmlns:p14="http://schemas.microsoft.com/office/powerpoint/2010/main">
+            <mc:Choice Requires="p14">
               <p:contentPart p14:bwMode="auto" r:id="rId241">
                 <p14:nvContentPartPr>
                   <p14:cNvPr id="248" name="Ink 247">
@@ -29805,7 +30343,7 @@
                 </p14:xfrm>
               </p:contentPart>
             </mc:Choice>
-            <mc:Fallback>
+            <mc:Fallback xmlns="">
               <p:pic>
                 <p:nvPicPr>
                   <p:cNvPr id="248" name="Ink 247">
@@ -29836,8 +30374,8 @@
               </p:pic>
             </mc:Fallback>
           </mc:AlternateContent>
-          <mc:AlternateContent xmlns:mc="http://schemas.openxmlformats.org/markup-compatibility/2006">
-            <mc:Choice xmlns:p14="http://schemas.microsoft.com/office/powerpoint/2010/main" Requires="p14">
+          <mc:AlternateContent xmlns:mc="http://schemas.openxmlformats.org/markup-compatibility/2006" xmlns:p14="http://schemas.microsoft.com/office/powerpoint/2010/main">
+            <mc:Choice Requires="p14">
               <p:contentPart p14:bwMode="auto" r:id="rId243">
                 <p14:nvContentPartPr>
                   <p14:cNvPr id="249" name="Ink 248">
@@ -29856,7 +30394,7 @@
                 </p14:xfrm>
               </p:contentPart>
             </mc:Choice>
-            <mc:Fallback>
+            <mc:Fallback xmlns="">
               <p:pic>
                 <p:nvPicPr>
                   <p:cNvPr id="249" name="Ink 248">
@@ -29887,8 +30425,8 @@
               </p:pic>
             </mc:Fallback>
           </mc:AlternateContent>
-          <mc:AlternateContent xmlns:mc="http://schemas.openxmlformats.org/markup-compatibility/2006">
-            <mc:Choice xmlns:p14="http://schemas.microsoft.com/office/powerpoint/2010/main" Requires="p14">
+          <mc:AlternateContent xmlns:mc="http://schemas.openxmlformats.org/markup-compatibility/2006" xmlns:p14="http://schemas.microsoft.com/office/powerpoint/2010/main">
+            <mc:Choice Requires="p14">
               <p:contentPart p14:bwMode="auto" r:id="rId245">
                 <p14:nvContentPartPr>
                   <p14:cNvPr id="250" name="Ink 249">
@@ -29907,7 +30445,7 @@
                 </p14:xfrm>
               </p:contentPart>
             </mc:Choice>
-            <mc:Fallback>
+            <mc:Fallback xmlns="">
               <p:pic>
                 <p:nvPicPr>
                   <p:cNvPr id="250" name="Ink 249">
@@ -29980,8 +30518,8 @@
               <a:chExt cx="2234520" cy="810000"/>
             </a:xfrm>
           </p:grpSpPr>
-          <mc:AlternateContent xmlns:mc="http://schemas.openxmlformats.org/markup-compatibility/2006">
-            <mc:Choice xmlns:p14="http://schemas.microsoft.com/office/powerpoint/2010/main" Requires="p14">
+          <mc:AlternateContent xmlns:mc="http://schemas.openxmlformats.org/markup-compatibility/2006" xmlns:p14="http://schemas.microsoft.com/office/powerpoint/2010/main">
+            <mc:Choice Requires="p14">
               <p:contentPart p14:bwMode="auto" r:id="rId247">
                 <p14:nvContentPartPr>
                   <p14:cNvPr id="257" name="Ink 256">
@@ -30000,7 +30538,7 @@
                 </p14:xfrm>
               </p:contentPart>
             </mc:Choice>
-            <mc:Fallback>
+            <mc:Fallback xmlns="">
               <p:pic>
                 <p:nvPicPr>
                   <p:cNvPr id="257" name="Ink 256">
@@ -30031,8 +30569,8 @@
               </p:pic>
             </mc:Fallback>
           </mc:AlternateContent>
-          <mc:AlternateContent xmlns:mc="http://schemas.openxmlformats.org/markup-compatibility/2006">
-            <mc:Choice xmlns:p14="http://schemas.microsoft.com/office/powerpoint/2010/main" Requires="p14">
+          <mc:AlternateContent xmlns:mc="http://schemas.openxmlformats.org/markup-compatibility/2006" xmlns:p14="http://schemas.microsoft.com/office/powerpoint/2010/main">
+            <mc:Choice Requires="p14">
               <p:contentPart p14:bwMode="auto" r:id="rId249">
                 <p14:nvContentPartPr>
                   <p14:cNvPr id="258" name="Ink 257">
@@ -30051,7 +30589,7 @@
                 </p14:xfrm>
               </p:contentPart>
             </mc:Choice>
-            <mc:Fallback>
+            <mc:Fallback xmlns="">
               <p:pic>
                 <p:nvPicPr>
                   <p:cNvPr id="258" name="Ink 257">
@@ -30082,8 +30620,8 @@
               </p:pic>
             </mc:Fallback>
           </mc:AlternateContent>
-          <mc:AlternateContent xmlns:mc="http://schemas.openxmlformats.org/markup-compatibility/2006">
-            <mc:Choice xmlns:p14="http://schemas.microsoft.com/office/powerpoint/2010/main" Requires="p14">
+          <mc:AlternateContent xmlns:mc="http://schemas.openxmlformats.org/markup-compatibility/2006" xmlns:p14="http://schemas.microsoft.com/office/powerpoint/2010/main">
+            <mc:Choice Requires="p14">
               <p:contentPart p14:bwMode="auto" r:id="rId251">
                 <p14:nvContentPartPr>
                   <p14:cNvPr id="259" name="Ink 258">
@@ -30102,7 +30640,7 @@
                 </p14:xfrm>
               </p:contentPart>
             </mc:Choice>
-            <mc:Fallback>
+            <mc:Fallback xmlns="">
               <p:pic>
                 <p:nvPicPr>
                   <p:cNvPr id="259" name="Ink 258">
@@ -30133,8 +30671,8 @@
               </p:pic>
             </mc:Fallback>
           </mc:AlternateContent>
-          <mc:AlternateContent xmlns:mc="http://schemas.openxmlformats.org/markup-compatibility/2006">
-            <mc:Choice xmlns:p14="http://schemas.microsoft.com/office/powerpoint/2010/main" Requires="p14">
+          <mc:AlternateContent xmlns:mc="http://schemas.openxmlformats.org/markup-compatibility/2006" xmlns:p14="http://schemas.microsoft.com/office/powerpoint/2010/main">
+            <mc:Choice Requires="p14">
               <p:contentPart p14:bwMode="auto" r:id="rId253">
                 <p14:nvContentPartPr>
                   <p14:cNvPr id="260" name="Ink 259">
@@ -30153,7 +30691,7 @@
                 </p14:xfrm>
               </p:contentPart>
             </mc:Choice>
-            <mc:Fallback>
+            <mc:Fallback xmlns="">
               <p:pic>
                 <p:nvPicPr>
                   <p:cNvPr id="260" name="Ink 259">
@@ -30184,8 +30722,8 @@
               </p:pic>
             </mc:Fallback>
           </mc:AlternateContent>
-          <mc:AlternateContent xmlns:mc="http://schemas.openxmlformats.org/markup-compatibility/2006">
-            <mc:Choice xmlns:p14="http://schemas.microsoft.com/office/powerpoint/2010/main" Requires="p14">
+          <mc:AlternateContent xmlns:mc="http://schemas.openxmlformats.org/markup-compatibility/2006" xmlns:p14="http://schemas.microsoft.com/office/powerpoint/2010/main">
+            <mc:Choice Requires="p14">
               <p:contentPart p14:bwMode="auto" r:id="rId255">
                 <p14:nvContentPartPr>
                   <p14:cNvPr id="261" name="Ink 260">
@@ -30204,7 +30742,7 @@
                 </p14:xfrm>
               </p:contentPart>
             </mc:Choice>
-            <mc:Fallback>
+            <mc:Fallback xmlns="">
               <p:pic>
                 <p:nvPicPr>
                   <p:cNvPr id="261" name="Ink 260">
@@ -30235,8 +30773,8 @@
               </p:pic>
             </mc:Fallback>
           </mc:AlternateContent>
-          <mc:AlternateContent xmlns:mc="http://schemas.openxmlformats.org/markup-compatibility/2006">
-            <mc:Choice xmlns:p14="http://schemas.microsoft.com/office/powerpoint/2010/main" Requires="p14">
+          <mc:AlternateContent xmlns:mc="http://schemas.openxmlformats.org/markup-compatibility/2006" xmlns:p14="http://schemas.microsoft.com/office/powerpoint/2010/main">
+            <mc:Choice Requires="p14">
               <p:contentPart p14:bwMode="auto" r:id="rId257">
                 <p14:nvContentPartPr>
                   <p14:cNvPr id="262" name="Ink 261">
@@ -30255,7 +30793,7 @@
                 </p14:xfrm>
               </p:contentPart>
             </mc:Choice>
-            <mc:Fallback>
+            <mc:Fallback xmlns="">
               <p:pic>
                 <p:nvPicPr>
                   <p:cNvPr id="262" name="Ink 261">
@@ -30286,8 +30824,8 @@
               </p:pic>
             </mc:Fallback>
           </mc:AlternateContent>
-          <mc:AlternateContent xmlns:mc="http://schemas.openxmlformats.org/markup-compatibility/2006">
-            <mc:Choice xmlns:p14="http://schemas.microsoft.com/office/powerpoint/2010/main" Requires="p14">
+          <mc:AlternateContent xmlns:mc="http://schemas.openxmlformats.org/markup-compatibility/2006" xmlns:p14="http://schemas.microsoft.com/office/powerpoint/2010/main">
+            <mc:Choice Requires="p14">
               <p:contentPart p14:bwMode="auto" r:id="rId259">
                 <p14:nvContentPartPr>
                   <p14:cNvPr id="263" name="Ink 262">
@@ -30306,7 +30844,7 @@
                 </p14:xfrm>
               </p:contentPart>
             </mc:Choice>
-            <mc:Fallback>
+            <mc:Fallback xmlns="">
               <p:pic>
                 <p:nvPicPr>
                   <p:cNvPr id="263" name="Ink 262">
@@ -30337,8 +30875,8 @@
               </p:pic>
             </mc:Fallback>
           </mc:AlternateContent>
-          <mc:AlternateContent xmlns:mc="http://schemas.openxmlformats.org/markup-compatibility/2006">
-            <mc:Choice xmlns:p14="http://schemas.microsoft.com/office/powerpoint/2010/main" Requires="p14">
+          <mc:AlternateContent xmlns:mc="http://schemas.openxmlformats.org/markup-compatibility/2006" xmlns:p14="http://schemas.microsoft.com/office/powerpoint/2010/main">
+            <mc:Choice Requires="p14">
               <p:contentPart p14:bwMode="auto" r:id="rId261">
                 <p14:nvContentPartPr>
                   <p14:cNvPr id="264" name="Ink 263">
@@ -30357,7 +30895,7 @@
                 </p14:xfrm>
               </p:contentPart>
             </mc:Choice>
-            <mc:Fallback>
+            <mc:Fallback xmlns="">
               <p:pic>
                 <p:nvPicPr>
                   <p:cNvPr id="264" name="Ink 263">
@@ -30388,8 +30926,8 @@
               </p:pic>
             </mc:Fallback>
           </mc:AlternateContent>
-          <mc:AlternateContent xmlns:mc="http://schemas.openxmlformats.org/markup-compatibility/2006">
-            <mc:Choice xmlns:p14="http://schemas.microsoft.com/office/powerpoint/2010/main" Requires="p14">
+          <mc:AlternateContent xmlns:mc="http://schemas.openxmlformats.org/markup-compatibility/2006" xmlns:p14="http://schemas.microsoft.com/office/powerpoint/2010/main">
+            <mc:Choice Requires="p14">
               <p:contentPart p14:bwMode="auto" r:id="rId263">
                 <p14:nvContentPartPr>
                   <p14:cNvPr id="265" name="Ink 264">
@@ -30408,7 +30946,7 @@
                 </p14:xfrm>
               </p:contentPart>
             </mc:Choice>
-            <mc:Fallback>
+            <mc:Fallback xmlns="">
               <p:pic>
                 <p:nvPicPr>
                   <p:cNvPr id="265" name="Ink 264">
@@ -30439,8 +30977,8 @@
               </p:pic>
             </mc:Fallback>
           </mc:AlternateContent>
-          <mc:AlternateContent xmlns:mc="http://schemas.openxmlformats.org/markup-compatibility/2006">
-            <mc:Choice xmlns:p14="http://schemas.microsoft.com/office/powerpoint/2010/main" Requires="p14">
+          <mc:AlternateContent xmlns:mc="http://schemas.openxmlformats.org/markup-compatibility/2006" xmlns:p14="http://schemas.microsoft.com/office/powerpoint/2010/main">
+            <mc:Choice Requires="p14">
               <p:contentPart p14:bwMode="auto" r:id="rId265">
                 <p14:nvContentPartPr>
                   <p14:cNvPr id="266" name="Ink 265">
@@ -30459,7 +30997,7 @@
                 </p14:xfrm>
               </p:contentPart>
             </mc:Choice>
-            <mc:Fallback>
+            <mc:Fallback xmlns="">
               <p:pic>
                 <p:nvPicPr>
                   <p:cNvPr id="266" name="Ink 265">
@@ -30490,8 +31028,8 @@
               </p:pic>
             </mc:Fallback>
           </mc:AlternateContent>
-          <mc:AlternateContent xmlns:mc="http://schemas.openxmlformats.org/markup-compatibility/2006">
-            <mc:Choice xmlns:p14="http://schemas.microsoft.com/office/powerpoint/2010/main" Requires="p14">
+          <mc:AlternateContent xmlns:mc="http://schemas.openxmlformats.org/markup-compatibility/2006" xmlns:p14="http://schemas.microsoft.com/office/powerpoint/2010/main">
+            <mc:Choice Requires="p14">
               <p:contentPart p14:bwMode="auto" r:id="rId267">
                 <p14:nvContentPartPr>
                   <p14:cNvPr id="267" name="Ink 266">
@@ -30510,7 +31048,7 @@
                 </p14:xfrm>
               </p:contentPart>
             </mc:Choice>
-            <mc:Fallback>
+            <mc:Fallback xmlns="">
               <p:pic>
                 <p:nvPicPr>
                   <p:cNvPr id="267" name="Ink 266">
@@ -30541,8 +31079,8 @@
               </p:pic>
             </mc:Fallback>
           </mc:AlternateContent>
-          <mc:AlternateContent xmlns:mc="http://schemas.openxmlformats.org/markup-compatibility/2006">
-            <mc:Choice xmlns:p14="http://schemas.microsoft.com/office/powerpoint/2010/main" Requires="p14">
+          <mc:AlternateContent xmlns:mc="http://schemas.openxmlformats.org/markup-compatibility/2006" xmlns:p14="http://schemas.microsoft.com/office/powerpoint/2010/main">
+            <mc:Choice Requires="p14">
               <p:contentPart p14:bwMode="auto" r:id="rId269">
                 <p14:nvContentPartPr>
                   <p14:cNvPr id="268" name="Ink 267">
@@ -30561,7 +31099,7 @@
                 </p14:xfrm>
               </p:contentPart>
             </mc:Choice>
-            <mc:Fallback>
+            <mc:Fallback xmlns="">
               <p:pic>
                 <p:nvPicPr>
                   <p:cNvPr id="268" name="Ink 267">
@@ -30613,8 +31151,8 @@
               <a:chExt cx="2788200" cy="615600"/>
             </a:xfrm>
           </p:grpSpPr>
-          <mc:AlternateContent xmlns:mc="http://schemas.openxmlformats.org/markup-compatibility/2006">
-            <mc:Choice xmlns:p14="http://schemas.microsoft.com/office/powerpoint/2010/main" Requires="p14">
+          <mc:AlternateContent xmlns:mc="http://schemas.openxmlformats.org/markup-compatibility/2006" xmlns:p14="http://schemas.microsoft.com/office/powerpoint/2010/main">
+            <mc:Choice Requires="p14">
               <p:contentPart p14:bwMode="auto" r:id="rId271">
                 <p14:nvContentPartPr>
                   <p14:cNvPr id="270" name="Ink 269">
@@ -30633,7 +31171,7 @@
                 </p14:xfrm>
               </p:contentPart>
             </mc:Choice>
-            <mc:Fallback>
+            <mc:Fallback xmlns="">
               <p:pic>
                 <p:nvPicPr>
                   <p:cNvPr id="270" name="Ink 269">
@@ -30664,8 +31202,8 @@
               </p:pic>
             </mc:Fallback>
           </mc:AlternateContent>
-          <mc:AlternateContent xmlns:mc="http://schemas.openxmlformats.org/markup-compatibility/2006">
-            <mc:Choice xmlns:p14="http://schemas.microsoft.com/office/powerpoint/2010/main" Requires="p14">
+          <mc:AlternateContent xmlns:mc="http://schemas.openxmlformats.org/markup-compatibility/2006" xmlns:p14="http://schemas.microsoft.com/office/powerpoint/2010/main">
+            <mc:Choice Requires="p14">
               <p:contentPart p14:bwMode="auto" r:id="rId273">
                 <p14:nvContentPartPr>
                   <p14:cNvPr id="271" name="Ink 270">
@@ -30684,7 +31222,7 @@
                 </p14:xfrm>
               </p:contentPart>
             </mc:Choice>
-            <mc:Fallback>
+            <mc:Fallback xmlns="">
               <p:pic>
                 <p:nvPicPr>
                   <p:cNvPr id="271" name="Ink 270">
@@ -30715,8 +31253,8 @@
               </p:pic>
             </mc:Fallback>
           </mc:AlternateContent>
-          <mc:AlternateContent xmlns:mc="http://schemas.openxmlformats.org/markup-compatibility/2006">
-            <mc:Choice xmlns:p14="http://schemas.microsoft.com/office/powerpoint/2010/main" Requires="p14">
+          <mc:AlternateContent xmlns:mc="http://schemas.openxmlformats.org/markup-compatibility/2006" xmlns:p14="http://schemas.microsoft.com/office/powerpoint/2010/main">
+            <mc:Choice Requires="p14">
               <p:contentPart p14:bwMode="auto" r:id="rId275">
                 <p14:nvContentPartPr>
                   <p14:cNvPr id="272" name="Ink 271">
@@ -30735,7 +31273,7 @@
                 </p14:xfrm>
               </p:contentPart>
             </mc:Choice>
-            <mc:Fallback>
+            <mc:Fallback xmlns="">
               <p:pic>
                 <p:nvPicPr>
                   <p:cNvPr id="272" name="Ink 271">
@@ -30766,8 +31304,8 @@
               </p:pic>
             </mc:Fallback>
           </mc:AlternateContent>
-          <mc:AlternateContent xmlns:mc="http://schemas.openxmlformats.org/markup-compatibility/2006">
-            <mc:Choice xmlns:p14="http://schemas.microsoft.com/office/powerpoint/2010/main" Requires="p14">
+          <mc:AlternateContent xmlns:mc="http://schemas.openxmlformats.org/markup-compatibility/2006" xmlns:p14="http://schemas.microsoft.com/office/powerpoint/2010/main">
+            <mc:Choice Requires="p14">
               <p:contentPart p14:bwMode="auto" r:id="rId277">
                 <p14:nvContentPartPr>
                   <p14:cNvPr id="273" name="Ink 272">
@@ -30786,7 +31324,7 @@
                 </p14:xfrm>
               </p:contentPart>
             </mc:Choice>
-            <mc:Fallback>
+            <mc:Fallback xmlns="">
               <p:pic>
                 <p:nvPicPr>
                   <p:cNvPr id="273" name="Ink 272">
@@ -30817,8 +31355,8 @@
               </p:pic>
             </mc:Fallback>
           </mc:AlternateContent>
-          <mc:AlternateContent xmlns:mc="http://schemas.openxmlformats.org/markup-compatibility/2006">
-            <mc:Choice xmlns:p14="http://schemas.microsoft.com/office/powerpoint/2010/main" Requires="p14">
+          <mc:AlternateContent xmlns:mc="http://schemas.openxmlformats.org/markup-compatibility/2006" xmlns:p14="http://schemas.microsoft.com/office/powerpoint/2010/main">
+            <mc:Choice Requires="p14">
               <p:contentPart p14:bwMode="auto" r:id="rId279">
                 <p14:nvContentPartPr>
                   <p14:cNvPr id="274" name="Ink 273">
@@ -30837,7 +31375,7 @@
                 </p14:xfrm>
               </p:contentPart>
             </mc:Choice>
-            <mc:Fallback>
+            <mc:Fallback xmlns="">
               <p:pic>
                 <p:nvPicPr>
                   <p:cNvPr id="274" name="Ink 273">
@@ -30868,8 +31406,8 @@
               </p:pic>
             </mc:Fallback>
           </mc:AlternateContent>
-          <mc:AlternateContent xmlns:mc="http://schemas.openxmlformats.org/markup-compatibility/2006">
-            <mc:Choice xmlns:p14="http://schemas.microsoft.com/office/powerpoint/2010/main" Requires="p14">
+          <mc:AlternateContent xmlns:mc="http://schemas.openxmlformats.org/markup-compatibility/2006" xmlns:p14="http://schemas.microsoft.com/office/powerpoint/2010/main">
+            <mc:Choice Requires="p14">
               <p:contentPart p14:bwMode="auto" r:id="rId281">
                 <p14:nvContentPartPr>
                   <p14:cNvPr id="275" name="Ink 274">
@@ -30888,7 +31426,7 @@
                 </p14:xfrm>
               </p:contentPart>
             </mc:Choice>
-            <mc:Fallback>
+            <mc:Fallback xmlns="">
               <p:pic>
                 <p:nvPicPr>
                   <p:cNvPr id="275" name="Ink 274">
@@ -30919,8 +31457,8 @@
               </p:pic>
             </mc:Fallback>
           </mc:AlternateContent>
-          <mc:AlternateContent xmlns:mc="http://schemas.openxmlformats.org/markup-compatibility/2006">
-            <mc:Choice xmlns:p14="http://schemas.microsoft.com/office/powerpoint/2010/main" Requires="p14">
+          <mc:AlternateContent xmlns:mc="http://schemas.openxmlformats.org/markup-compatibility/2006" xmlns:p14="http://schemas.microsoft.com/office/powerpoint/2010/main">
+            <mc:Choice Requires="p14">
               <p:contentPart p14:bwMode="auto" r:id="rId283">
                 <p14:nvContentPartPr>
                   <p14:cNvPr id="276" name="Ink 275">
@@ -30939,7 +31477,7 @@
                 </p14:xfrm>
               </p:contentPart>
             </mc:Choice>
-            <mc:Fallback>
+            <mc:Fallback xmlns="">
               <p:pic>
                 <p:nvPicPr>
                   <p:cNvPr id="276" name="Ink 275">
@@ -30970,8 +31508,8 @@
               </p:pic>
             </mc:Fallback>
           </mc:AlternateContent>
-          <mc:AlternateContent xmlns:mc="http://schemas.openxmlformats.org/markup-compatibility/2006">
-            <mc:Choice xmlns:p14="http://schemas.microsoft.com/office/powerpoint/2010/main" Requires="p14">
+          <mc:AlternateContent xmlns:mc="http://schemas.openxmlformats.org/markup-compatibility/2006" xmlns:p14="http://schemas.microsoft.com/office/powerpoint/2010/main">
+            <mc:Choice Requires="p14">
               <p:contentPart p14:bwMode="auto" r:id="rId285">
                 <p14:nvContentPartPr>
                   <p14:cNvPr id="277" name="Ink 276">
@@ -30990,7 +31528,7 @@
                 </p14:xfrm>
               </p:contentPart>
             </mc:Choice>
-            <mc:Fallback>
+            <mc:Fallback xmlns="">
               <p:pic>
                 <p:nvPicPr>
                   <p:cNvPr id="277" name="Ink 276">
@@ -31021,8 +31559,8 @@
               </p:pic>
             </mc:Fallback>
           </mc:AlternateContent>
-          <mc:AlternateContent xmlns:mc="http://schemas.openxmlformats.org/markup-compatibility/2006">
-            <mc:Choice xmlns:p14="http://schemas.microsoft.com/office/powerpoint/2010/main" Requires="p14">
+          <mc:AlternateContent xmlns:mc="http://schemas.openxmlformats.org/markup-compatibility/2006" xmlns:p14="http://schemas.microsoft.com/office/powerpoint/2010/main">
+            <mc:Choice Requires="p14">
               <p:contentPart p14:bwMode="auto" r:id="rId287">
                 <p14:nvContentPartPr>
                   <p14:cNvPr id="278" name="Ink 277">
@@ -31041,7 +31579,7 @@
                 </p14:xfrm>
               </p:contentPart>
             </mc:Choice>
-            <mc:Fallback>
+            <mc:Fallback xmlns="">
               <p:pic>
                 <p:nvPicPr>
                   <p:cNvPr id="278" name="Ink 277">
@@ -31072,8 +31610,8 @@
               </p:pic>
             </mc:Fallback>
           </mc:AlternateContent>
-          <mc:AlternateContent xmlns:mc="http://schemas.openxmlformats.org/markup-compatibility/2006">
-            <mc:Choice xmlns:p14="http://schemas.microsoft.com/office/powerpoint/2010/main" Requires="p14">
+          <mc:AlternateContent xmlns:mc="http://schemas.openxmlformats.org/markup-compatibility/2006" xmlns:p14="http://schemas.microsoft.com/office/powerpoint/2010/main">
+            <mc:Choice Requires="p14">
               <p:contentPart p14:bwMode="auto" r:id="rId289">
                 <p14:nvContentPartPr>
                   <p14:cNvPr id="279" name="Ink 278">
@@ -31092,7 +31630,7 @@
                 </p14:xfrm>
               </p:contentPart>
             </mc:Choice>
-            <mc:Fallback>
+            <mc:Fallback xmlns="">
               <p:pic>
                 <p:nvPicPr>
                   <p:cNvPr id="279" name="Ink 278">
@@ -31123,8 +31661,8 @@
               </p:pic>
             </mc:Fallback>
           </mc:AlternateContent>
-          <mc:AlternateContent xmlns:mc="http://schemas.openxmlformats.org/markup-compatibility/2006">
-            <mc:Choice xmlns:p14="http://schemas.microsoft.com/office/powerpoint/2010/main" Requires="p14">
+          <mc:AlternateContent xmlns:mc="http://schemas.openxmlformats.org/markup-compatibility/2006" xmlns:p14="http://schemas.microsoft.com/office/powerpoint/2010/main">
+            <mc:Choice Requires="p14">
               <p:contentPart p14:bwMode="auto" r:id="rId291">
                 <p14:nvContentPartPr>
                   <p14:cNvPr id="280" name="Ink 279">
@@ -31143,7 +31681,7 @@
                 </p14:xfrm>
               </p:contentPart>
             </mc:Choice>
-            <mc:Fallback>
+            <mc:Fallback xmlns="">
               <p:pic>
                 <p:nvPicPr>
                   <p:cNvPr id="280" name="Ink 279">
@@ -31174,8 +31712,8 @@
               </p:pic>
             </mc:Fallback>
           </mc:AlternateContent>
-          <mc:AlternateContent xmlns:mc="http://schemas.openxmlformats.org/markup-compatibility/2006">
-            <mc:Choice xmlns:p14="http://schemas.microsoft.com/office/powerpoint/2010/main" Requires="p14">
+          <mc:AlternateContent xmlns:mc="http://schemas.openxmlformats.org/markup-compatibility/2006" xmlns:p14="http://schemas.microsoft.com/office/powerpoint/2010/main">
+            <mc:Choice Requires="p14">
               <p:contentPart p14:bwMode="auto" r:id="rId293">
                 <p14:nvContentPartPr>
                   <p14:cNvPr id="281" name="Ink 280">
@@ -31194,7 +31732,7 @@
                 </p14:xfrm>
               </p:contentPart>
             </mc:Choice>
-            <mc:Fallback>
+            <mc:Fallback xmlns="">
               <p:pic>
                 <p:nvPicPr>
                   <p:cNvPr id="281" name="Ink 280">
@@ -31225,8 +31763,8 @@
               </p:pic>
             </mc:Fallback>
           </mc:AlternateContent>
-          <mc:AlternateContent xmlns:mc="http://schemas.openxmlformats.org/markup-compatibility/2006">
-            <mc:Choice xmlns:p14="http://schemas.microsoft.com/office/powerpoint/2010/main" Requires="p14">
+          <mc:AlternateContent xmlns:mc="http://schemas.openxmlformats.org/markup-compatibility/2006" xmlns:p14="http://schemas.microsoft.com/office/powerpoint/2010/main">
+            <mc:Choice Requires="p14">
               <p:contentPart p14:bwMode="auto" r:id="rId295">
                 <p14:nvContentPartPr>
                   <p14:cNvPr id="282" name="Ink 281">
@@ -31245,7 +31783,7 @@
                 </p14:xfrm>
               </p:contentPart>
             </mc:Choice>
-            <mc:Fallback>
+            <mc:Fallback xmlns="">
               <p:pic>
                 <p:nvPicPr>
                   <p:cNvPr id="282" name="Ink 281">
@@ -31276,8 +31814,8 @@
               </p:pic>
             </mc:Fallback>
           </mc:AlternateContent>
-          <mc:AlternateContent xmlns:mc="http://schemas.openxmlformats.org/markup-compatibility/2006">
-            <mc:Choice xmlns:p14="http://schemas.microsoft.com/office/powerpoint/2010/main" Requires="p14">
+          <mc:AlternateContent xmlns:mc="http://schemas.openxmlformats.org/markup-compatibility/2006" xmlns:p14="http://schemas.microsoft.com/office/powerpoint/2010/main">
+            <mc:Choice Requires="p14">
               <p:contentPart p14:bwMode="auto" r:id="rId297">
                 <p14:nvContentPartPr>
                   <p14:cNvPr id="283" name="Ink 282">
@@ -31296,7 +31834,7 @@
                 </p14:xfrm>
               </p:contentPart>
             </mc:Choice>
-            <mc:Fallback>
+            <mc:Fallback xmlns="">
               <p:pic>
                 <p:nvPicPr>
                   <p:cNvPr id="283" name="Ink 282">
@@ -31327,8 +31865,8 @@
               </p:pic>
             </mc:Fallback>
           </mc:AlternateContent>
-          <mc:AlternateContent xmlns:mc="http://schemas.openxmlformats.org/markup-compatibility/2006">
-            <mc:Choice xmlns:p14="http://schemas.microsoft.com/office/powerpoint/2010/main" Requires="p14">
+          <mc:AlternateContent xmlns:mc="http://schemas.openxmlformats.org/markup-compatibility/2006" xmlns:p14="http://schemas.microsoft.com/office/powerpoint/2010/main">
+            <mc:Choice Requires="p14">
               <p:contentPart p14:bwMode="auto" r:id="rId299">
                 <p14:nvContentPartPr>
                   <p14:cNvPr id="284" name="Ink 283">
@@ -31347,7 +31885,7 @@
                 </p14:xfrm>
               </p:contentPart>
             </mc:Choice>
-            <mc:Fallback>
+            <mc:Fallback xmlns="">
               <p:pic>
                 <p:nvPicPr>
                   <p:cNvPr id="284" name="Ink 283">
@@ -31390,13 +31928,13 @@
   <p:clrMapOvr>
     <a:masterClrMapping/>
   </p:clrMapOvr>
-  <mc:AlternateContent xmlns:mc="http://schemas.openxmlformats.org/markup-compatibility/2006">
-    <mc:Choice xmlns:p14="http://schemas.microsoft.com/office/powerpoint/2010/main" Requires="p14">
+  <mc:AlternateContent xmlns:mc="http://schemas.openxmlformats.org/markup-compatibility/2006" xmlns:p14="http://schemas.microsoft.com/office/powerpoint/2010/main">
+    <mc:Choice Requires="p14">
       <p:transition spd="med" p14:dur="700">
         <p:fade/>
       </p:transition>
     </mc:Choice>
-    <mc:Fallback>
+    <mc:Fallback xmlns="">
       <p:transition spd="med">
         <p:fade/>
       </p:transition>
@@ -32329,13 +32867,13 @@
   <p:clrMapOvr>
     <a:masterClrMapping/>
   </p:clrMapOvr>
-  <mc:AlternateContent xmlns:mc="http://schemas.openxmlformats.org/markup-compatibility/2006">
-    <mc:Choice xmlns:p14="http://schemas.microsoft.com/office/powerpoint/2010/main" Requires="p14">
+  <mc:AlternateContent xmlns:mc="http://schemas.openxmlformats.org/markup-compatibility/2006" xmlns:p14="http://schemas.microsoft.com/office/powerpoint/2010/main">
+    <mc:Choice Requires="p14">
       <p:transition spd="med" p14:dur="700">
         <p:fade/>
       </p:transition>
     </mc:Choice>
-    <mc:Fallback>
+    <mc:Fallback xmlns="">
       <p:transition spd="med">
         <p:fade/>
       </p:transition>
